--- a/20220210_folder_script_structure.pptx
+++ b/20220210_folder_script_structure.pptx
@@ -5,10 +5,10 @@
     <p:sldMasterId id="2147483648" r:id="rId1"/>
   </p:sldMasterIdLst>
   <p:notesMasterIdLst>
-    <p:notesMasterId r:id="rId12"/>
+    <p:notesMasterId r:id="rId14"/>
   </p:notesMasterIdLst>
   <p:handoutMasterIdLst>
-    <p:handoutMasterId r:id="rId13"/>
+    <p:handoutMasterId r:id="rId15"/>
   </p:handoutMasterIdLst>
   <p:sldIdLst>
     <p:sldId id="256" r:id="rId2"/>
@@ -18,9 +18,11 @@
     <p:sldId id="288" r:id="rId6"/>
     <p:sldId id="280" r:id="rId7"/>
     <p:sldId id="285" r:id="rId8"/>
-    <p:sldId id="284" r:id="rId9"/>
-    <p:sldId id="283" r:id="rId10"/>
-    <p:sldId id="275" r:id="rId11"/>
+    <p:sldId id="291" r:id="rId9"/>
+    <p:sldId id="289" r:id="rId10"/>
+    <p:sldId id="284" r:id="rId11"/>
+    <p:sldId id="283" r:id="rId12"/>
+    <p:sldId id="275" r:id="rId13"/>
   </p:sldIdLst>
   <p:sldSz cx="12192000" cy="6858000"/>
   <p:notesSz cx="6858000" cy="9144000"/>
@@ -235,7 +237,7 @@
           <a:p>
             <a:fld id="{F68ABEA4-9216-4FDF-AAE1-D8632908A8EC}" type="datetimeFigureOut">
               <a:rPr lang="de-CH" smtClean="0"/>
-              <a:t>13.02.2022</a:t>
+              <a:t>16.02.2022</a:t>
             </a:fld>
             <a:endParaRPr lang="de-CH"/>
           </a:p>
@@ -412,7 +414,7 @@
           <a:p>
             <a:fld id="{4B78A90D-FE7E-41AF-B03D-808D82937CB9}" type="datetimeFigureOut">
               <a:rPr lang="de-CH" smtClean="0"/>
-              <a:t>13.02.2022</a:t>
+              <a:t>16.02.2022</a:t>
             </a:fld>
             <a:endParaRPr lang="de-CH"/>
           </a:p>
@@ -1173,7 +1175,7 @@
           <a:p>
             <a:fld id="{73231582-25B0-444E-AA4F-1DF6560C4213}" type="datetime1">
               <a:rPr lang="de-CH" noProof="0" smtClean="0"/>
-              <a:t>13.02.2022</a:t>
+              <a:t>16.02.2022</a:t>
             </a:fld>
             <a:endParaRPr lang="de-CH" noProof="0"/>
           </a:p>
@@ -1368,7 +1370,7 @@
           <a:p>
             <a:fld id="{242E75BC-2332-46BD-83E6-37C27E30057F}" type="datetime1">
               <a:rPr lang="de-CH" noProof="0" smtClean="0"/>
-              <a:t>13.02.2022</a:t>
+              <a:t>16.02.2022</a:t>
             </a:fld>
             <a:endParaRPr lang="de-CH" noProof="0"/>
           </a:p>
@@ -1655,7 +1657,7 @@
           <a:p>
             <a:fld id="{2D1B63AC-7FC1-4D37-85E2-296067C12FE1}" type="datetime1">
               <a:rPr lang="de-CH" noProof="0" smtClean="0"/>
-              <a:t>13.02.2022</a:t>
+              <a:t>16.02.2022</a:t>
             </a:fld>
             <a:endParaRPr lang="de-CH" noProof="0"/>
           </a:p>
@@ -1953,7 +1955,7 @@
           <a:p>
             <a:fld id="{6B9F7A7B-B54C-4FCB-AEBE-6A4F1CFC6519}" type="datetime1">
               <a:rPr lang="de-CH" noProof="0" smtClean="0"/>
-              <a:t>13.02.2022</a:t>
+              <a:t>16.02.2022</a:t>
             </a:fld>
             <a:endParaRPr lang="de-CH" noProof="0"/>
           </a:p>
@@ -2353,7 +2355,7 @@
           <a:p>
             <a:fld id="{DF33CB82-5F18-4A2D-AC12-45D07FE3FE93}" type="datetime1">
               <a:rPr lang="de-CH" noProof="0" smtClean="0"/>
-              <a:t>13.02.2022</a:t>
+              <a:t>16.02.2022</a:t>
             </a:fld>
             <a:endParaRPr lang="de-CH" noProof="0"/>
           </a:p>
@@ -2721,7 +2723,7 @@
           <a:p>
             <a:fld id="{BF07D762-0558-459F-BD63-EB37C4B6AEDE}" type="datetime1">
               <a:rPr lang="de-CH" noProof="0" smtClean="0"/>
-              <a:t>13.02.2022</a:t>
+              <a:t>16.02.2022</a:t>
             </a:fld>
             <a:endParaRPr lang="de-CH" noProof="0"/>
           </a:p>
@@ -4899,7 +4901,7 @@
           <a:p>
             <a:fld id="{AF24159B-E4F0-491A-987A-BB36210A3487}" type="datetime1">
               <a:rPr lang="de-CH" noProof="0" smtClean="0"/>
-              <a:t>13.02.2022</a:t>
+              <a:t>16.02.2022</a:t>
             </a:fld>
             <a:endParaRPr lang="de-CH" noProof="0"/>
           </a:p>
@@ -5181,7 +5183,7 @@
           <a:p>
             <a:fld id="{2766B431-E9C0-42FA-A169-1C18600E56F3}" type="datetime1">
               <a:rPr lang="de-CH" noProof="0" smtClean="0"/>
-              <a:t>13.02.2022</a:t>
+              <a:t>16.02.2022</a:t>
             </a:fld>
             <a:endParaRPr lang="de-CH" noProof="0"/>
           </a:p>
@@ -5429,7 +5431,7 @@
           <a:p>
             <a:fld id="{F761BEC9-C431-4FA5-857C-CC51D31ED09B}" type="datetime1">
               <a:rPr lang="de-CH" noProof="0" smtClean="0"/>
-              <a:t>13.02.2022</a:t>
+              <a:t>16.02.2022</a:t>
             </a:fld>
             <a:endParaRPr lang="de-CH" noProof="0"/>
           </a:p>
@@ -5705,7 +5707,7 @@
           <a:p>
             <a:fld id="{7C34338F-395B-4159-90E8-FCE6347E5FEF}" type="datetime1">
               <a:rPr lang="de-CH" noProof="0" smtClean="0"/>
-              <a:t>13.02.2022</a:t>
+              <a:t>16.02.2022</a:t>
             </a:fld>
             <a:endParaRPr lang="de-CH" noProof="0"/>
           </a:p>
@@ -7636,7 +7638,7 @@
           <a:p>
             <a:fld id="{518626E0-68FC-4E0B-8A98-EE7CC0609E97}" type="datetime1">
               <a:rPr lang="de-CH" noProof="0" smtClean="0"/>
-              <a:t>13.02.2022</a:t>
+              <a:t>16.02.2022</a:t>
             </a:fld>
             <a:endParaRPr lang="de-CH" noProof="0"/>
           </a:p>
@@ -8492,12 +8494,1031 @@
           <a:chExt cx="0" cy="0"/>
         </a:xfrm>
       </p:grpSpPr>
-      <p:sp>
-        <p:nvSpPr>
-          <p:cNvPr id="3" name="Inhaltsplatzhalter 2">
-            <a:extLst>
-              <a:ext uri="{FF2B5EF4-FFF2-40B4-BE49-F238E27FC236}">
-                <a16:creationId xmlns:a16="http://schemas.microsoft.com/office/drawing/2014/main" id="{A2A71FBB-3009-40AD-979B-DB4E5F59289E}"/>
+      <p:pic>
+        <p:nvPicPr>
+          <p:cNvPr id="40" name="Picture 39">
+            <a:extLst>
+              <a:ext uri="{FF2B5EF4-FFF2-40B4-BE49-F238E27FC236}">
+                <a16:creationId xmlns:a16="http://schemas.microsoft.com/office/drawing/2014/main" id="{DD532B26-980C-45FB-ADF2-B36A4A4FB66C}"/>
+              </a:ext>
+            </a:extLst>
+          </p:cNvPr>
+          <p:cNvPicPr>
+            <a:picLocks noChangeAspect="1"/>
+          </p:cNvPicPr>
+          <p:nvPr/>
+        </p:nvPicPr>
+        <p:blipFill rotWithShape="1">
+          <a:blip r:embed="rId2"/>
+          <a:srcRect b="83170"/>
+          <a:stretch/>
+        </p:blipFill>
+        <p:spPr>
+          <a:xfrm>
+            <a:off x="839839" y="1298028"/>
+            <a:ext cx="3019846" cy="396008"/>
+          </a:xfrm>
+          <a:prstGeom prst="rect">
+            <a:avLst/>
+          </a:prstGeom>
+        </p:spPr>
+      </p:pic>
+      <p:sp>
+        <p:nvSpPr>
+          <p:cNvPr id="2" name="Title 1">
+            <a:extLst>
+              <a:ext uri="{FF2B5EF4-FFF2-40B4-BE49-F238E27FC236}">
+                <a16:creationId xmlns:a16="http://schemas.microsoft.com/office/drawing/2014/main" id="{8943DDBD-0DAF-4F98-B87B-5544C1631230}"/>
+              </a:ext>
+            </a:extLst>
+          </p:cNvPr>
+          <p:cNvSpPr>
+            <a:spLocks noGrp="1"/>
+          </p:cNvSpPr>
+          <p:nvPr>
+            <p:ph type="title"/>
+          </p:nvPr>
+        </p:nvSpPr>
+        <p:spPr/>
+        <p:txBody>
+          <a:bodyPr/>
+          <a:lstStyle/>
+          <a:p>
+            <a:r>
+              <a:rPr lang="en-US" dirty="0"/>
+              <a:t>5 - aggregation/</a:t>
+            </a:r>
+          </a:p>
+        </p:txBody>
+      </p:sp>
+      <p:sp>
+        <p:nvSpPr>
+          <p:cNvPr id="4" name="Date Placeholder 3">
+            <a:extLst>
+              <a:ext uri="{FF2B5EF4-FFF2-40B4-BE49-F238E27FC236}">
+                <a16:creationId xmlns:a16="http://schemas.microsoft.com/office/drawing/2014/main" id="{14805272-AFD2-4609-9D33-280B9C18C1F4}"/>
+              </a:ext>
+            </a:extLst>
+          </p:cNvPr>
+          <p:cNvSpPr>
+            <a:spLocks noGrp="1"/>
+          </p:cNvSpPr>
+          <p:nvPr>
+            <p:ph type="dt" sz="half" idx="10"/>
+          </p:nvPr>
+        </p:nvSpPr>
+        <p:spPr/>
+        <p:txBody>
+          <a:bodyPr/>
+          <a:lstStyle/>
+          <a:p>
+            <a:fld id="{AF24159B-E4F0-491A-987A-BB36210A3487}" type="datetime1">
+              <a:rPr lang="de-CH" noProof="0" smtClean="0"/>
+              <a:t>16.02.2022</a:t>
+            </a:fld>
+            <a:endParaRPr lang="de-CH" noProof="0"/>
+          </a:p>
+        </p:txBody>
+      </p:sp>
+      <p:sp>
+        <p:nvSpPr>
+          <p:cNvPr id="5" name="Footer Placeholder 4">
+            <a:extLst>
+              <a:ext uri="{FF2B5EF4-FFF2-40B4-BE49-F238E27FC236}">
+                <a16:creationId xmlns:a16="http://schemas.microsoft.com/office/drawing/2014/main" id="{B0B4A68A-D413-4C01-831D-1AFA7C0E1D1E}"/>
+              </a:ext>
+            </a:extLst>
+          </p:cNvPr>
+          <p:cNvSpPr>
+            <a:spLocks noGrp="1"/>
+          </p:cNvSpPr>
+          <p:nvPr>
+            <p:ph type="ftr" sz="quarter" idx="11"/>
+          </p:nvPr>
+        </p:nvSpPr>
+        <p:spPr/>
+        <p:txBody>
+          <a:bodyPr/>
+          <a:lstStyle/>
+          <a:p>
+            <a:r>
+              <a:rPr lang="de-DE"/>
+              <a:t>Organisational unit (edit via “Insert” &gt; “Header &amp; Footer”)</a:t>
+            </a:r>
+            <a:endParaRPr lang="de-CH" dirty="0"/>
+          </a:p>
+        </p:txBody>
+      </p:sp>
+      <p:sp>
+        <p:nvSpPr>
+          <p:cNvPr id="6" name="Slide Number Placeholder 5">
+            <a:extLst>
+              <a:ext uri="{FF2B5EF4-FFF2-40B4-BE49-F238E27FC236}">
+                <a16:creationId xmlns:a16="http://schemas.microsoft.com/office/drawing/2014/main" id="{891F89F2-2B40-4EDB-87F0-CF82FC02FB0A}"/>
+              </a:ext>
+            </a:extLst>
+          </p:cNvPr>
+          <p:cNvSpPr>
+            <a:spLocks noGrp="1"/>
+          </p:cNvSpPr>
+          <p:nvPr>
+            <p:ph type="sldNum" sz="quarter" idx="12"/>
+          </p:nvPr>
+        </p:nvSpPr>
+        <p:spPr/>
+        <p:txBody>
+          <a:bodyPr/>
+          <a:lstStyle/>
+          <a:p>
+            <a:fld id="{5ACA52AF-F19D-405C-AD5F-7D94B96A5CC3}" type="slidenum">
+              <a:rPr lang="de-CH" noProof="0" smtClean="0"/>
+              <a:t>10</a:t>
+            </a:fld>
+            <a:endParaRPr lang="de-CH" noProof="0"/>
+          </a:p>
+        </p:txBody>
+      </p:sp>
+      <p:sp>
+        <p:nvSpPr>
+          <p:cNvPr id="30" name="Rectangle: Rounded Corners 29">
+            <a:extLst>
+              <a:ext uri="{FF2B5EF4-FFF2-40B4-BE49-F238E27FC236}">
+                <a16:creationId xmlns:a16="http://schemas.microsoft.com/office/drawing/2014/main" id="{E736D7B8-5A5D-417B-B619-001488CE144F}"/>
+              </a:ext>
+            </a:extLst>
+          </p:cNvPr>
+          <p:cNvSpPr/>
+          <p:nvPr/>
+        </p:nvSpPr>
+        <p:spPr>
+          <a:xfrm>
+            <a:off x="4374785" y="1355900"/>
+            <a:ext cx="7531466" cy="284415"/>
+          </a:xfrm>
+          <a:prstGeom prst="roundRect">
+            <a:avLst/>
+          </a:prstGeom>
+          <a:ln/>
+        </p:spPr>
+        <p:style>
+          <a:lnRef idx="2">
+            <a:schemeClr val="dk1"/>
+          </a:lnRef>
+          <a:fillRef idx="1">
+            <a:schemeClr val="lt1"/>
+          </a:fillRef>
+          <a:effectRef idx="0">
+            <a:schemeClr val="dk1"/>
+          </a:effectRef>
+          <a:fontRef idx="minor">
+            <a:schemeClr val="dk1"/>
+          </a:fontRef>
+        </p:style>
+        <p:txBody>
+          <a:bodyPr rtlCol="0" anchor="ctr"/>
+          <a:lstStyle/>
+          <a:p>
+            <a:r>
+              <a:rPr lang="en-US" sz="1500" dirty="0"/>
+              <a:t>Maps of the world ecoregions, the GLOBIOM regions and the EU28 border.</a:t>
+            </a:r>
+          </a:p>
+        </p:txBody>
+      </p:sp>
+      <p:sp>
+        <p:nvSpPr>
+          <p:cNvPr id="33" name="Rectangle: Rounded Corners 32">
+            <a:extLst>
+              <a:ext uri="{FF2B5EF4-FFF2-40B4-BE49-F238E27FC236}">
+                <a16:creationId xmlns:a16="http://schemas.microsoft.com/office/drawing/2014/main" id="{A7D6248D-F510-41A8-A6DB-68F66D47F259}"/>
+              </a:ext>
+            </a:extLst>
+          </p:cNvPr>
+          <p:cNvSpPr/>
+          <p:nvPr/>
+        </p:nvSpPr>
+        <p:spPr>
+          <a:xfrm>
+            <a:off x="4362605" y="2058617"/>
+            <a:ext cx="7543646" cy="2053174"/>
+          </a:xfrm>
+          <a:prstGeom prst="roundRect">
+            <a:avLst/>
+          </a:prstGeom>
+          <a:ln/>
+        </p:spPr>
+        <p:style>
+          <a:lnRef idx="2">
+            <a:schemeClr val="dk1"/>
+          </a:lnRef>
+          <a:fillRef idx="1">
+            <a:schemeClr val="lt1"/>
+          </a:fillRef>
+          <a:effectRef idx="0">
+            <a:schemeClr val="dk1"/>
+          </a:effectRef>
+          <a:fontRef idx="minor">
+            <a:schemeClr val="dk1"/>
+          </a:fontRef>
+        </p:style>
+        <p:txBody>
+          <a:bodyPr rtlCol="0" anchor="ctr"/>
+          <a:lstStyle/>
+          <a:p>
+            <a:r>
+              <a:rPr lang="en-US" sz="1500" dirty="0"/>
+              <a:t>Each sub-folder in this folder contains </a:t>
+            </a:r>
+          </a:p>
+          <a:p>
+            <a:pPr marL="285750" indent="-285750">
+              <a:buFont typeface="Arial" panose="020B0604020202020204" pitchFamily="34" charset="0"/>
+              <a:buChar char="•"/>
+            </a:pPr>
+            <a:r>
+              <a:rPr lang="en-US" sz="1500" dirty="0"/>
+              <a:t>The aggregated data as .</a:t>
+            </a:r>
+            <a:r>
+              <a:rPr lang="en-US" sz="1500" dirty="0" err="1"/>
+              <a:t>Rdata</a:t>
+            </a:r>
+            <a:r>
+              <a:rPr lang="en-US" sz="1500" dirty="0"/>
+              <a:t> files resulted from the functions in </a:t>
+            </a:r>
+            <a:r>
+              <a:rPr lang="en-US" sz="1500" i="1" dirty="0" err="1"/>
+              <a:t>aggregate_results.R</a:t>
+            </a:r>
+            <a:r>
+              <a:rPr lang="en-US" sz="1500" dirty="0"/>
+              <a:t>, </a:t>
+            </a:r>
+            <a:r>
+              <a:rPr lang="en-US" sz="1500" i="1" dirty="0" err="1"/>
+              <a:t>aggregate_results_CI.R</a:t>
+            </a:r>
+            <a:r>
+              <a:rPr lang="en-US" sz="1500" i="1" dirty="0"/>
+              <a:t> </a:t>
+            </a:r>
+            <a:r>
+              <a:rPr lang="en-US" sz="1500" dirty="0"/>
+              <a:t>or </a:t>
+            </a:r>
+            <a:r>
+              <a:rPr lang="en-US" sz="1500" i="1" dirty="0" err="1"/>
+              <a:t>aggregate_areas.R</a:t>
+            </a:r>
+            <a:r>
+              <a:rPr lang="en-US" sz="1500" i="1" dirty="0"/>
+              <a:t> </a:t>
+            </a:r>
+            <a:r>
+              <a:rPr lang="en-US" sz="1500" dirty="0"/>
+              <a:t>available in /</a:t>
+            </a:r>
+            <a:r>
+              <a:rPr lang="en-US" sz="1500" i="1" dirty="0"/>
+              <a:t>scripts_aggregation</a:t>
+            </a:r>
+            <a:r>
+              <a:rPr lang="en-US" sz="1500" dirty="0"/>
+              <a:t>.</a:t>
+            </a:r>
+          </a:p>
+          <a:p>
+            <a:pPr marL="285750" indent="-285750">
+              <a:buFont typeface="Arial" panose="020B0604020202020204" pitchFamily="34" charset="0"/>
+              <a:buChar char="•"/>
+            </a:pPr>
+            <a:r>
+              <a:rPr lang="en-US" sz="1500" dirty="0"/>
+              <a:t>A sub-sub-folder </a:t>
+            </a:r>
+            <a:r>
+              <a:rPr lang="en-US" sz="1500" i="1" dirty="0"/>
+              <a:t>csv</a:t>
+            </a:r>
+            <a:r>
+              <a:rPr lang="en-US" sz="1500" dirty="0"/>
+              <a:t> with the .csv files needed for the plotting obtained using the functions in </a:t>
+            </a:r>
+            <a:r>
+              <a:rPr lang="en-US" sz="1500" i="1" dirty="0" err="1"/>
+              <a:t>areas_Rdata</a:t>
+            </a:r>
+            <a:r>
+              <a:rPr lang="en-US" sz="1500" i="1" dirty="0"/>
+              <a:t>-to-</a:t>
+            </a:r>
+            <a:r>
+              <a:rPr lang="en-US" sz="1500" i="1" dirty="0" err="1"/>
+              <a:t>csv.R</a:t>
+            </a:r>
+            <a:r>
+              <a:rPr lang="en-US" sz="1500" dirty="0"/>
+              <a:t>, </a:t>
+            </a:r>
+            <a:r>
+              <a:rPr lang="en-US" sz="1500" i="1" dirty="0" err="1"/>
+              <a:t>global_Rdata</a:t>
+            </a:r>
+            <a:r>
+              <a:rPr lang="en-US" sz="1500" i="1" dirty="0"/>
+              <a:t>-to-</a:t>
+            </a:r>
+            <a:r>
+              <a:rPr lang="en-US" sz="1500" i="1" dirty="0" err="1"/>
+              <a:t>csv.R</a:t>
+            </a:r>
+            <a:r>
+              <a:rPr lang="en-US" sz="1500" dirty="0"/>
+              <a:t>, </a:t>
+            </a:r>
+            <a:r>
+              <a:rPr lang="en-US" sz="1500" i="1" dirty="0" err="1"/>
+              <a:t>EU_Rdata</a:t>
+            </a:r>
+            <a:r>
+              <a:rPr lang="en-US" sz="1500" i="1" dirty="0"/>
+              <a:t>-to-</a:t>
+            </a:r>
+            <a:r>
+              <a:rPr lang="en-US" sz="1500" i="1" dirty="0" err="1"/>
+              <a:t>csv.R</a:t>
+            </a:r>
+            <a:r>
+              <a:rPr lang="en-US" sz="1500" i="1" dirty="0"/>
+              <a:t>, </a:t>
+            </a:r>
+            <a:r>
+              <a:rPr lang="en-US" sz="1500" i="1" dirty="0" err="1"/>
+              <a:t>slost_Globiom.R</a:t>
+            </a:r>
+            <a:r>
+              <a:rPr lang="en-US" sz="1500" i="1" dirty="0"/>
+              <a:t>, </a:t>
+            </a:r>
+            <a:r>
+              <a:rPr lang="en-US" sz="1500" i="1" dirty="0" err="1"/>
+              <a:t>slost_ha.R</a:t>
+            </a:r>
+            <a:r>
+              <a:rPr lang="en-US" sz="1500" i="1" dirty="0"/>
+              <a:t>, </a:t>
+            </a:r>
+            <a:r>
+              <a:rPr lang="en-US" sz="1500" i="1" dirty="0" err="1"/>
+              <a:t>wood.R</a:t>
+            </a:r>
+            <a:r>
+              <a:rPr lang="en-US" sz="1500" i="1" dirty="0"/>
+              <a:t>.</a:t>
+            </a:r>
+            <a:endParaRPr lang="en-US" sz="1500" dirty="0"/>
+          </a:p>
+          <a:p>
+            <a:pPr marL="285750" indent="-285750">
+              <a:buFont typeface="Arial" panose="020B0604020202020204" pitchFamily="34" charset="0"/>
+              <a:buChar char="•"/>
+            </a:pPr>
+            <a:r>
+              <a:rPr lang="en-US" sz="1500" dirty="0"/>
+              <a:t>A sub-sub-folder </a:t>
+            </a:r>
+            <a:r>
+              <a:rPr lang="en-US" sz="1500" i="1" dirty="0"/>
+              <a:t>plots</a:t>
+            </a:r>
+            <a:r>
+              <a:rPr lang="en-US" sz="1500" dirty="0"/>
+              <a:t> with the plots obtained using the scripts in /</a:t>
+            </a:r>
+            <a:r>
+              <a:rPr lang="en-US" sz="1500" i="1" dirty="0"/>
+              <a:t>scripts_charts</a:t>
+            </a:r>
+            <a:r>
+              <a:rPr lang="en-US" sz="1500" dirty="0"/>
+              <a:t>.</a:t>
+            </a:r>
+          </a:p>
+        </p:txBody>
+      </p:sp>
+      <p:sp>
+        <p:nvSpPr>
+          <p:cNvPr id="34" name="Rectangle: Rounded Corners 33">
+            <a:extLst>
+              <a:ext uri="{FF2B5EF4-FFF2-40B4-BE49-F238E27FC236}">
+                <a16:creationId xmlns:a16="http://schemas.microsoft.com/office/drawing/2014/main" id="{938381EF-4A1C-49A3-8196-F0590B565A6F}"/>
+              </a:ext>
+            </a:extLst>
+          </p:cNvPr>
+          <p:cNvSpPr/>
+          <p:nvPr/>
+        </p:nvSpPr>
+        <p:spPr>
+          <a:xfrm>
+            <a:off x="4362605" y="1713086"/>
+            <a:ext cx="7543646" cy="284415"/>
+          </a:xfrm>
+          <a:prstGeom prst="roundRect">
+            <a:avLst/>
+          </a:prstGeom>
+          <a:ln/>
+        </p:spPr>
+        <p:style>
+          <a:lnRef idx="2">
+            <a:schemeClr val="dk1"/>
+          </a:lnRef>
+          <a:fillRef idx="1">
+            <a:schemeClr val="lt1"/>
+          </a:fillRef>
+          <a:effectRef idx="0">
+            <a:schemeClr val="dk1"/>
+          </a:effectRef>
+          <a:fontRef idx="minor">
+            <a:schemeClr val="dk1"/>
+          </a:fontRef>
+        </p:style>
+        <p:txBody>
+          <a:bodyPr rtlCol="0" anchor="ctr"/>
+          <a:lstStyle/>
+          <a:p>
+            <a:r>
+              <a:rPr lang="en-US" sz="1500" dirty="0"/>
+              <a:t>Scripts for the aggregation of the raw results from /</a:t>
+            </a:r>
+            <a:r>
+              <a:rPr lang="en-US" sz="1500" i="1" dirty="0" err="1"/>
+              <a:t>forest_managemement</a:t>
+            </a:r>
+            <a:r>
+              <a:rPr lang="en-US" sz="1500" i="1" dirty="0"/>
+              <a:t>/results</a:t>
+            </a:r>
+            <a:r>
+              <a:rPr lang="en-US" sz="1500" dirty="0"/>
+              <a:t>. </a:t>
+            </a:r>
+          </a:p>
+        </p:txBody>
+      </p:sp>
+      <p:sp>
+        <p:nvSpPr>
+          <p:cNvPr id="35" name="Rectangle: Rounded Corners 34">
+            <a:extLst>
+              <a:ext uri="{FF2B5EF4-FFF2-40B4-BE49-F238E27FC236}">
+                <a16:creationId xmlns:a16="http://schemas.microsoft.com/office/drawing/2014/main" id="{539CAD42-0876-4EC9-B3E6-55619332BDC7}"/>
+              </a:ext>
+            </a:extLst>
+          </p:cNvPr>
+          <p:cNvSpPr/>
+          <p:nvPr/>
+        </p:nvSpPr>
+        <p:spPr>
+          <a:xfrm>
+            <a:off x="4374785" y="4279937"/>
+            <a:ext cx="7531466" cy="284415"/>
+          </a:xfrm>
+          <a:prstGeom prst="roundRect">
+            <a:avLst/>
+          </a:prstGeom>
+          <a:ln/>
+        </p:spPr>
+        <p:style>
+          <a:lnRef idx="2">
+            <a:schemeClr val="dk1"/>
+          </a:lnRef>
+          <a:fillRef idx="1">
+            <a:schemeClr val="lt1"/>
+          </a:fillRef>
+          <a:effectRef idx="0">
+            <a:schemeClr val="dk1"/>
+          </a:effectRef>
+          <a:fontRef idx="minor">
+            <a:schemeClr val="dk1"/>
+          </a:fontRef>
+        </p:style>
+        <p:txBody>
+          <a:bodyPr rtlCol="0" anchor="ctr"/>
+          <a:lstStyle/>
+          <a:p>
+            <a:r>
+              <a:rPr lang="en-US" sz="1500" dirty="0"/>
+              <a:t>Scripts that plot the results.</a:t>
+            </a:r>
+          </a:p>
+        </p:txBody>
+      </p:sp>
+      <p:sp>
+        <p:nvSpPr>
+          <p:cNvPr id="36" name="Rectangle: Rounded Corners 35">
+            <a:extLst>
+              <a:ext uri="{FF2B5EF4-FFF2-40B4-BE49-F238E27FC236}">
+                <a16:creationId xmlns:a16="http://schemas.microsoft.com/office/drawing/2014/main" id="{AC20C1D3-89EA-4B22-9D78-BCA3B15E2465}"/>
+              </a:ext>
+            </a:extLst>
+          </p:cNvPr>
+          <p:cNvSpPr/>
+          <p:nvPr/>
+        </p:nvSpPr>
+        <p:spPr>
+          <a:xfrm>
+            <a:off x="4362605" y="4715270"/>
+            <a:ext cx="7543646" cy="710427"/>
+          </a:xfrm>
+          <a:prstGeom prst="roundRect">
+            <a:avLst/>
+          </a:prstGeom>
+          <a:ln/>
+        </p:spPr>
+        <p:style>
+          <a:lnRef idx="2">
+            <a:schemeClr val="dk1"/>
+          </a:lnRef>
+          <a:fillRef idx="1">
+            <a:schemeClr val="lt1"/>
+          </a:fillRef>
+          <a:effectRef idx="0">
+            <a:schemeClr val="dk1"/>
+          </a:effectRef>
+          <a:fontRef idx="minor">
+            <a:schemeClr val="dk1"/>
+          </a:fontRef>
+        </p:style>
+        <p:txBody>
+          <a:bodyPr rtlCol="0" anchor="ctr"/>
+          <a:lstStyle/>
+          <a:p>
+            <a:r>
+              <a:rPr lang="en-US" sz="1500" dirty="0"/>
+              <a:t>Script which sets the working directory and the saving directories for the scripts in </a:t>
+            </a:r>
+            <a:r>
+              <a:rPr lang="en-US" sz="1500" i="1" dirty="0"/>
+              <a:t>scripts_aggregation </a:t>
+            </a:r>
+            <a:r>
+              <a:rPr lang="en-US" sz="1500" dirty="0"/>
+              <a:t>and </a:t>
+            </a:r>
+            <a:r>
+              <a:rPr lang="en-US" sz="1500" i="1" dirty="0"/>
+              <a:t>scripts_charts. </a:t>
+            </a:r>
+            <a:r>
+              <a:rPr lang="en-US" sz="1500" dirty="0"/>
+              <a:t>It also calls the functions used to aggregate and plot.</a:t>
+            </a:r>
+          </a:p>
+        </p:txBody>
+      </p:sp>
+      <p:pic>
+        <p:nvPicPr>
+          <p:cNvPr id="17" name="Picture 16">
+            <a:extLst>
+              <a:ext uri="{FF2B5EF4-FFF2-40B4-BE49-F238E27FC236}">
+                <a16:creationId xmlns:a16="http://schemas.microsoft.com/office/drawing/2014/main" id="{48AAAE1E-03E2-4FAC-B019-2087D46DD307}"/>
+              </a:ext>
+            </a:extLst>
+          </p:cNvPr>
+          <p:cNvPicPr>
+            <a:picLocks noChangeAspect="1"/>
+          </p:cNvPicPr>
+          <p:nvPr/>
+        </p:nvPicPr>
+        <p:blipFill rotWithShape="1">
+          <a:blip r:embed="rId2"/>
+          <a:srcRect t="35524" b="50504"/>
+          <a:stretch/>
+        </p:blipFill>
+        <p:spPr>
+          <a:xfrm>
+            <a:off x="839839" y="1698559"/>
+            <a:ext cx="3019846" cy="328766"/>
+          </a:xfrm>
+          <a:prstGeom prst="rect">
+            <a:avLst/>
+          </a:prstGeom>
+        </p:spPr>
+      </p:pic>
+      <p:pic>
+        <p:nvPicPr>
+          <p:cNvPr id="18" name="Picture 17">
+            <a:extLst>
+              <a:ext uri="{FF2B5EF4-FFF2-40B4-BE49-F238E27FC236}">
+                <a16:creationId xmlns:a16="http://schemas.microsoft.com/office/drawing/2014/main" id="{60F28D4A-544D-4D50-BD66-B414FC13BA05}"/>
+              </a:ext>
+            </a:extLst>
+          </p:cNvPr>
+          <p:cNvPicPr>
+            <a:picLocks noChangeAspect="1"/>
+          </p:cNvPicPr>
+          <p:nvPr/>
+        </p:nvPicPr>
+        <p:blipFill rotWithShape="1">
+          <a:blip r:embed="rId2"/>
+          <a:srcRect t="17655" b="66963"/>
+          <a:stretch/>
+        </p:blipFill>
+        <p:spPr>
+          <a:xfrm>
+            <a:off x="839839" y="2746437"/>
+            <a:ext cx="3019846" cy="361950"/>
+          </a:xfrm>
+          <a:prstGeom prst="rect">
+            <a:avLst/>
+          </a:prstGeom>
+        </p:spPr>
+      </p:pic>
+      <p:pic>
+        <p:nvPicPr>
+          <p:cNvPr id="19" name="Picture 18">
+            <a:extLst>
+              <a:ext uri="{FF2B5EF4-FFF2-40B4-BE49-F238E27FC236}">
+                <a16:creationId xmlns:a16="http://schemas.microsoft.com/office/drawing/2014/main" id="{7C019CF4-7A5A-4AAA-A90C-3FF64A940A82}"/>
+              </a:ext>
+            </a:extLst>
+          </p:cNvPr>
+          <p:cNvPicPr>
+            <a:picLocks noChangeAspect="1"/>
+          </p:cNvPicPr>
+          <p:nvPr/>
+        </p:nvPicPr>
+        <p:blipFill rotWithShape="1">
+          <a:blip r:embed="rId2"/>
+          <a:srcRect t="50544"/>
+          <a:stretch/>
+        </p:blipFill>
+        <p:spPr>
+          <a:xfrm>
+            <a:off x="839839" y="4219382"/>
+            <a:ext cx="3019846" cy="1163704"/>
+          </a:xfrm>
+          <a:prstGeom prst="rect">
+            <a:avLst/>
+          </a:prstGeom>
+        </p:spPr>
+      </p:pic>
+      <p:cxnSp>
+        <p:nvCxnSpPr>
+          <p:cNvPr id="29" name="Straight Arrow Connector 28">
+            <a:extLst>
+              <a:ext uri="{FF2B5EF4-FFF2-40B4-BE49-F238E27FC236}">
+                <a16:creationId xmlns:a16="http://schemas.microsoft.com/office/drawing/2014/main" id="{3F356820-8517-4490-AF32-C46AF5919C32}"/>
+              </a:ext>
+            </a:extLst>
+          </p:cNvPr>
+          <p:cNvCxnSpPr>
+            <a:cxnSpLocks/>
+          </p:cNvCxnSpPr>
+          <p:nvPr/>
+        </p:nvCxnSpPr>
+        <p:spPr>
+          <a:xfrm>
+            <a:off x="3074408" y="1507333"/>
+            <a:ext cx="1262277" cy="0"/>
+          </a:xfrm>
+          <a:prstGeom prst="straightConnector1">
+            <a:avLst/>
+          </a:prstGeom>
+          <a:ln>
+            <a:tailEnd type="triangle"/>
+          </a:ln>
+        </p:spPr>
+        <p:style>
+          <a:lnRef idx="1">
+            <a:schemeClr val="dk1"/>
+          </a:lnRef>
+          <a:fillRef idx="0">
+            <a:schemeClr val="dk1"/>
+          </a:fillRef>
+          <a:effectRef idx="0">
+            <a:schemeClr val="dk1"/>
+          </a:effectRef>
+          <a:fontRef idx="minor">
+            <a:schemeClr val="tx1"/>
+          </a:fontRef>
+        </p:style>
+      </p:cxnSp>
+      <p:cxnSp>
+        <p:nvCxnSpPr>
+          <p:cNvPr id="37" name="Straight Arrow Connector 36">
+            <a:extLst>
+              <a:ext uri="{FF2B5EF4-FFF2-40B4-BE49-F238E27FC236}">
+                <a16:creationId xmlns:a16="http://schemas.microsoft.com/office/drawing/2014/main" id="{1D4150C9-5EF3-4295-B978-9B732C73F128}"/>
+              </a:ext>
+            </a:extLst>
+          </p:cNvPr>
+          <p:cNvCxnSpPr>
+            <a:cxnSpLocks/>
+          </p:cNvCxnSpPr>
+          <p:nvPr/>
+        </p:nvCxnSpPr>
+        <p:spPr>
+          <a:xfrm>
+            <a:off x="2729809" y="4412619"/>
+            <a:ext cx="1606876" cy="0"/>
+          </a:xfrm>
+          <a:prstGeom prst="straightConnector1">
+            <a:avLst/>
+          </a:prstGeom>
+          <a:ln>
+            <a:tailEnd type="triangle"/>
+          </a:ln>
+        </p:spPr>
+        <p:style>
+          <a:lnRef idx="1">
+            <a:schemeClr val="dk1"/>
+          </a:lnRef>
+          <a:fillRef idx="0">
+            <a:schemeClr val="dk1"/>
+          </a:fillRef>
+          <a:effectRef idx="0">
+            <a:schemeClr val="dk1"/>
+          </a:effectRef>
+          <a:fontRef idx="minor">
+            <a:schemeClr val="tx1"/>
+          </a:fontRef>
+        </p:style>
+      </p:cxnSp>
+      <p:cxnSp>
+        <p:nvCxnSpPr>
+          <p:cNvPr id="38" name="Straight Arrow Connector 37">
+            <a:extLst>
+              <a:ext uri="{FF2B5EF4-FFF2-40B4-BE49-F238E27FC236}">
+                <a16:creationId xmlns:a16="http://schemas.microsoft.com/office/drawing/2014/main" id="{F152E221-B834-4A8E-B5A0-E207BD20E673}"/>
+              </a:ext>
+            </a:extLst>
+          </p:cNvPr>
+          <p:cNvCxnSpPr>
+            <a:cxnSpLocks/>
+          </p:cNvCxnSpPr>
+          <p:nvPr/>
+        </p:nvCxnSpPr>
+        <p:spPr>
+          <a:xfrm>
+            <a:off x="3062228" y="4883034"/>
+            <a:ext cx="1274457" cy="0"/>
+          </a:xfrm>
+          <a:prstGeom prst="straightConnector1">
+            <a:avLst/>
+          </a:prstGeom>
+          <a:ln>
+            <a:tailEnd type="triangle"/>
+          </a:ln>
+        </p:spPr>
+        <p:style>
+          <a:lnRef idx="1">
+            <a:schemeClr val="dk1"/>
+          </a:lnRef>
+          <a:fillRef idx="0">
+            <a:schemeClr val="dk1"/>
+          </a:fillRef>
+          <a:effectRef idx="0">
+            <a:schemeClr val="dk1"/>
+          </a:effectRef>
+          <a:fontRef idx="minor">
+            <a:schemeClr val="tx1"/>
+          </a:fontRef>
+        </p:style>
+      </p:cxnSp>
+      <p:cxnSp>
+        <p:nvCxnSpPr>
+          <p:cNvPr id="31" name="Straight Arrow Connector 30">
+            <a:extLst>
+              <a:ext uri="{FF2B5EF4-FFF2-40B4-BE49-F238E27FC236}">
+                <a16:creationId xmlns:a16="http://schemas.microsoft.com/office/drawing/2014/main" id="{EB4B3C73-71EB-414A-9A24-5C254D4EF430}"/>
+              </a:ext>
+            </a:extLst>
+          </p:cNvPr>
+          <p:cNvCxnSpPr>
+            <a:cxnSpLocks/>
+          </p:cNvCxnSpPr>
+          <p:nvPr/>
+        </p:nvCxnSpPr>
+        <p:spPr>
+          <a:xfrm>
+            <a:off x="3074408" y="2967441"/>
+            <a:ext cx="1262277" cy="0"/>
+          </a:xfrm>
+          <a:prstGeom prst="straightConnector1">
+            <a:avLst/>
+          </a:prstGeom>
+          <a:ln>
+            <a:tailEnd type="triangle"/>
+          </a:ln>
+        </p:spPr>
+        <p:style>
+          <a:lnRef idx="1">
+            <a:schemeClr val="dk1"/>
+          </a:lnRef>
+          <a:fillRef idx="0">
+            <a:schemeClr val="dk1"/>
+          </a:fillRef>
+          <a:effectRef idx="0">
+            <a:schemeClr val="dk1"/>
+          </a:effectRef>
+          <a:fontRef idx="minor">
+            <a:schemeClr val="tx1"/>
+          </a:fontRef>
+        </p:style>
+      </p:cxnSp>
+      <p:cxnSp>
+        <p:nvCxnSpPr>
+          <p:cNvPr id="32" name="Straight Arrow Connector 31">
+            <a:extLst>
+              <a:ext uri="{FF2B5EF4-FFF2-40B4-BE49-F238E27FC236}">
+                <a16:creationId xmlns:a16="http://schemas.microsoft.com/office/drawing/2014/main" id="{22703424-737F-49FA-BE4C-D0AAFBFF51D0}"/>
+              </a:ext>
+            </a:extLst>
+          </p:cNvPr>
+          <p:cNvCxnSpPr>
+            <a:cxnSpLocks/>
+          </p:cNvCxnSpPr>
+          <p:nvPr/>
+        </p:nvCxnSpPr>
+        <p:spPr>
+          <a:xfrm flipV="1">
+            <a:off x="3330845" y="1877794"/>
+            <a:ext cx="1005840" cy="1"/>
+          </a:xfrm>
+          <a:prstGeom prst="straightConnector1">
+            <a:avLst/>
+          </a:prstGeom>
+          <a:ln>
+            <a:tailEnd type="triangle"/>
+          </a:ln>
+        </p:spPr>
+        <p:style>
+          <a:lnRef idx="1">
+            <a:schemeClr val="dk1"/>
+          </a:lnRef>
+          <a:fillRef idx="0">
+            <a:schemeClr val="dk1"/>
+          </a:fillRef>
+          <a:effectRef idx="0">
+            <a:schemeClr val="dk1"/>
+          </a:effectRef>
+          <a:fontRef idx="minor">
+            <a:schemeClr val="tx1"/>
+          </a:fontRef>
+        </p:style>
+      </p:cxnSp>
+    </p:spTree>
+    <p:extLst>
+      <p:ext uri="{BB962C8B-B14F-4D97-AF65-F5344CB8AC3E}">
+        <p14:creationId xmlns:p14="http://schemas.microsoft.com/office/powerpoint/2010/main" val="2273741424"/>
+      </p:ext>
+    </p:extLst>
+  </p:cSld>
+  <p:clrMapOvr>
+    <a:masterClrMapping/>
+  </p:clrMapOvr>
+</p:sld>
+</file>
+
+<file path=ppt/slides/slide11.xml><?xml version="1.0" encoding="utf-8"?>
+<p:sld xmlns:a="http://schemas.openxmlformats.org/drawingml/2006/main" xmlns:r="http://schemas.openxmlformats.org/officeDocument/2006/relationships" xmlns:p="http://schemas.openxmlformats.org/presentationml/2006/main">
+  <p:cSld>
+    <p:spTree>
+      <p:nvGrpSpPr>
+        <p:cNvPr id="1" name=""/>
+        <p:cNvGrpSpPr/>
+        <p:nvPr/>
+      </p:nvGrpSpPr>
+      <p:grpSpPr>
+        <a:xfrm>
+          <a:off x="0" y="0"/>
+          <a:ext cx="0" cy="0"/>
+          <a:chOff x="0" y="0"/>
+          <a:chExt cx="0" cy="0"/>
+        </a:xfrm>
+      </p:grpSpPr>
+      <p:sp>
+        <p:nvSpPr>
+          <p:cNvPr id="2" name="Title 1">
+            <a:extLst>
+              <a:ext uri="{FF2B5EF4-FFF2-40B4-BE49-F238E27FC236}">
+                <a16:creationId xmlns:a16="http://schemas.microsoft.com/office/drawing/2014/main" id="{8943DDBD-0DAF-4F98-B87B-5544C1631230}"/>
+              </a:ext>
+            </a:extLst>
+          </p:cNvPr>
+          <p:cNvSpPr>
+            <a:spLocks noGrp="1"/>
+          </p:cNvSpPr>
+          <p:nvPr>
+            <p:ph type="title"/>
+          </p:nvPr>
+        </p:nvSpPr>
+        <p:spPr/>
+        <p:txBody>
+          <a:bodyPr/>
+          <a:lstStyle/>
+          <a:p>
+            <a:r>
+              <a:rPr lang="en-US" dirty="0"/>
+              <a:t>4 - results</a:t>
+            </a:r>
+          </a:p>
+        </p:txBody>
+      </p:sp>
+      <p:sp>
+        <p:nvSpPr>
+          <p:cNvPr id="4" name="Date Placeholder 3">
+            <a:extLst>
+              <a:ext uri="{FF2B5EF4-FFF2-40B4-BE49-F238E27FC236}">
+                <a16:creationId xmlns:a16="http://schemas.microsoft.com/office/drawing/2014/main" id="{14805272-AFD2-4609-9D33-280B9C18C1F4}"/>
+              </a:ext>
+            </a:extLst>
+          </p:cNvPr>
+          <p:cNvSpPr>
+            <a:spLocks noGrp="1"/>
+          </p:cNvSpPr>
+          <p:nvPr>
+            <p:ph type="dt" sz="half" idx="10"/>
+          </p:nvPr>
+        </p:nvSpPr>
+        <p:spPr/>
+        <p:txBody>
+          <a:bodyPr/>
+          <a:lstStyle/>
+          <a:p>
+            <a:fld id="{AF24159B-E4F0-491A-987A-BB36210A3487}" type="datetime1">
+              <a:rPr lang="de-CH" noProof="0" smtClean="0"/>
+              <a:t>16.02.2022</a:t>
+            </a:fld>
+            <a:endParaRPr lang="de-CH" noProof="0"/>
+          </a:p>
+        </p:txBody>
+      </p:sp>
+      <p:sp>
+        <p:nvSpPr>
+          <p:cNvPr id="5" name="Footer Placeholder 4">
+            <a:extLst>
+              <a:ext uri="{FF2B5EF4-FFF2-40B4-BE49-F238E27FC236}">
+                <a16:creationId xmlns:a16="http://schemas.microsoft.com/office/drawing/2014/main" id="{B0B4A68A-D413-4C01-831D-1AFA7C0E1D1E}"/>
+              </a:ext>
+            </a:extLst>
+          </p:cNvPr>
+          <p:cNvSpPr>
+            <a:spLocks noGrp="1"/>
+          </p:cNvSpPr>
+          <p:nvPr>
+            <p:ph type="ftr" sz="quarter" idx="11"/>
+          </p:nvPr>
+        </p:nvSpPr>
+        <p:spPr/>
+        <p:txBody>
+          <a:bodyPr/>
+          <a:lstStyle/>
+          <a:p>
+            <a:r>
+              <a:rPr lang="de-DE"/>
+              <a:t>Organisational unit (edit via “Insert” &gt; “Header &amp; Footer”)</a:t>
+            </a:r>
+            <a:endParaRPr lang="de-CH" dirty="0"/>
+          </a:p>
+        </p:txBody>
+      </p:sp>
+      <p:sp>
+        <p:nvSpPr>
+          <p:cNvPr id="6" name="Slide Number Placeholder 5">
+            <a:extLst>
+              <a:ext uri="{FF2B5EF4-FFF2-40B4-BE49-F238E27FC236}">
+                <a16:creationId xmlns:a16="http://schemas.microsoft.com/office/drawing/2014/main" id="{891F89F2-2B40-4EDB-87F0-CF82FC02FB0A}"/>
+              </a:ext>
+            </a:extLst>
+          </p:cNvPr>
+          <p:cNvSpPr>
+            <a:spLocks noGrp="1"/>
+          </p:cNvSpPr>
+          <p:nvPr>
+            <p:ph type="sldNum" sz="quarter" idx="12"/>
+          </p:nvPr>
+        </p:nvSpPr>
+        <p:spPr/>
+        <p:txBody>
+          <a:bodyPr/>
+          <a:lstStyle/>
+          <a:p>
+            <a:fld id="{5ACA52AF-F19D-405C-AD5F-7D94B96A5CC3}" type="slidenum">
+              <a:rPr lang="de-CH" noProof="0" smtClean="0"/>
+              <a:t>11</a:t>
+            </a:fld>
+            <a:endParaRPr lang="de-CH" noProof="0"/>
+          </a:p>
+        </p:txBody>
+      </p:sp>
+      <p:sp>
+        <p:nvSpPr>
+          <p:cNvPr id="27" name="Content Placeholder 26">
+            <a:extLst>
+              <a:ext uri="{FF2B5EF4-FFF2-40B4-BE49-F238E27FC236}">
+                <a16:creationId xmlns:a16="http://schemas.microsoft.com/office/drawing/2014/main" id="{BDB970EF-A434-40E8-B1B3-3A4E34D0897F}"/>
               </a:ext>
             </a:extLst>
           </p:cNvPr>
@@ -8513,126 +9534,450 @@
           <a:bodyPr/>
           <a:lstStyle/>
           <a:p>
-            <a:r>
-              <a:rPr lang="de-DE" dirty="0"/>
-              <a:t>Professor John </a:t>
-            </a:r>
-            <a:r>
-              <a:rPr lang="de-DE" dirty="0" err="1"/>
-              <a:t>Doe</a:t>
-            </a:r>
-            <a:endParaRPr lang="de-DE" dirty="0"/>
-          </a:p>
-          <a:p>
-            <a:r>
-              <a:rPr lang="de-DE" dirty="0" err="1"/>
-              <a:t>Role</a:t>
-            </a:r>
-            <a:r>
-              <a:rPr lang="de-DE" dirty="0"/>
+            <a:pPr marL="0" indent="0">
+              <a:buNone/>
+            </a:pPr>
+            <a:r>
+              <a:rPr lang="en-US" dirty="0"/>
+              <a:t>This folder contains the areas resulting from the matching of the two GLOBIOM land use models and the species loss resulting from the application of the species loss model.  </a:t>
+            </a:r>
+          </a:p>
+        </p:txBody>
+      </p:sp>
+      <p:pic>
+        <p:nvPicPr>
+          <p:cNvPr id="15" name="Picture 14">
+            <a:extLst>
+              <a:ext uri="{FF2B5EF4-FFF2-40B4-BE49-F238E27FC236}">
+                <a16:creationId xmlns:a16="http://schemas.microsoft.com/office/drawing/2014/main" id="{B47291BF-A18E-4D4F-A27E-5C14036C0289}"/>
+              </a:ext>
+            </a:extLst>
+          </p:cNvPr>
+          <p:cNvPicPr>
+            <a:picLocks noChangeAspect="1"/>
+          </p:cNvPicPr>
+          <p:nvPr/>
+        </p:nvPicPr>
+        <p:blipFill rotWithShape="1">
+          <a:blip r:embed="rId2"/>
+          <a:srcRect t="51809" b="26897"/>
+          <a:stretch/>
+        </p:blipFill>
+        <p:spPr>
+          <a:xfrm>
+            <a:off x="761937" y="3783563"/>
+            <a:ext cx="3732589" cy="317196"/>
+          </a:xfrm>
+          <a:prstGeom prst="rect">
+            <a:avLst/>
+          </a:prstGeom>
+        </p:spPr>
+      </p:pic>
+      <p:pic>
+        <p:nvPicPr>
+          <p:cNvPr id="16" name="Picture 15">
+            <a:extLst>
+              <a:ext uri="{FF2B5EF4-FFF2-40B4-BE49-F238E27FC236}">
+                <a16:creationId xmlns:a16="http://schemas.microsoft.com/office/drawing/2014/main" id="{240AC387-6B32-491D-86EB-24739E5A5545}"/>
+              </a:ext>
+            </a:extLst>
+          </p:cNvPr>
+          <p:cNvPicPr>
+            <a:picLocks noChangeAspect="1"/>
+          </p:cNvPicPr>
+          <p:nvPr/>
+        </p:nvPicPr>
+        <p:blipFill rotWithShape="1">
+          <a:blip r:embed="rId2"/>
+          <a:srcRect t="26272" b="49047"/>
+          <a:stretch/>
+        </p:blipFill>
+        <p:spPr>
+          <a:xfrm>
+            <a:off x="761936" y="5024279"/>
+            <a:ext cx="3732589" cy="367632"/>
+          </a:xfrm>
+          <a:prstGeom prst="rect">
+            <a:avLst/>
+          </a:prstGeom>
+        </p:spPr>
+      </p:pic>
+      <p:pic>
+        <p:nvPicPr>
+          <p:cNvPr id="17" name="Picture 16">
+            <a:extLst>
+              <a:ext uri="{FF2B5EF4-FFF2-40B4-BE49-F238E27FC236}">
+                <a16:creationId xmlns:a16="http://schemas.microsoft.com/office/drawing/2014/main" id="{A0390428-FC91-416F-8F8E-06A3B34F9C85}"/>
+              </a:ext>
+            </a:extLst>
+          </p:cNvPr>
+          <p:cNvPicPr>
+            <a:picLocks noChangeAspect="1"/>
+          </p:cNvPicPr>
+          <p:nvPr/>
+        </p:nvPicPr>
+        <p:blipFill rotWithShape="1">
+          <a:blip r:embed="rId2"/>
+          <a:srcRect t="75320"/>
+          <a:stretch/>
+        </p:blipFill>
+        <p:spPr>
+          <a:xfrm>
+            <a:off x="761937" y="5715271"/>
+            <a:ext cx="3732589" cy="367632"/>
+          </a:xfrm>
+          <a:prstGeom prst="rect">
+            <a:avLst/>
+          </a:prstGeom>
+        </p:spPr>
+      </p:pic>
+      <p:cxnSp>
+        <p:nvCxnSpPr>
+          <p:cNvPr id="18" name="Straight Arrow Connector 17">
+            <a:extLst>
+              <a:ext uri="{FF2B5EF4-FFF2-40B4-BE49-F238E27FC236}">
+                <a16:creationId xmlns:a16="http://schemas.microsoft.com/office/drawing/2014/main" id="{B9499C62-2F02-4BAC-83BA-02779F0301AD}"/>
+              </a:ext>
+            </a:extLst>
+          </p:cNvPr>
+          <p:cNvCxnSpPr>
+            <a:cxnSpLocks/>
+          </p:cNvCxnSpPr>
+          <p:nvPr/>
+        </p:nvCxnSpPr>
+        <p:spPr>
+          <a:xfrm>
+            <a:off x="1623000" y="3979612"/>
+            <a:ext cx="565738" cy="0"/>
+          </a:xfrm>
+          <a:prstGeom prst="straightConnector1">
+            <a:avLst/>
+          </a:prstGeom>
+          <a:ln>
+            <a:tailEnd type="triangle"/>
+          </a:ln>
+        </p:spPr>
+        <p:style>
+          <a:lnRef idx="1">
+            <a:schemeClr val="dk1"/>
+          </a:lnRef>
+          <a:fillRef idx="0">
+            <a:schemeClr val="dk1"/>
+          </a:fillRef>
+          <a:effectRef idx="0">
+            <a:schemeClr val="dk1"/>
+          </a:effectRef>
+          <a:fontRef idx="minor">
+            <a:schemeClr val="tx1"/>
+          </a:fontRef>
+        </p:style>
+      </p:cxnSp>
+      <p:sp>
+        <p:nvSpPr>
+          <p:cNvPr id="19" name="Rectangle: Rounded Corners 18">
+            <a:extLst>
+              <a:ext uri="{FF2B5EF4-FFF2-40B4-BE49-F238E27FC236}">
+                <a16:creationId xmlns:a16="http://schemas.microsoft.com/office/drawing/2014/main" id="{212C65F3-D750-496B-AFC7-50C4D7261E24}"/>
+              </a:ext>
+            </a:extLst>
+          </p:cNvPr>
+          <p:cNvSpPr/>
+          <p:nvPr/>
+        </p:nvSpPr>
+        <p:spPr>
+          <a:xfrm>
+            <a:off x="2260929" y="3284548"/>
+            <a:ext cx="9536242" cy="1693009"/>
+          </a:xfrm>
+          <a:prstGeom prst="roundRect">
+            <a:avLst/>
+          </a:prstGeom>
+          <a:ln/>
+        </p:spPr>
+        <p:style>
+          <a:lnRef idx="2">
+            <a:schemeClr val="dk1"/>
+          </a:lnRef>
+          <a:fillRef idx="1">
+            <a:schemeClr val="lt1"/>
+          </a:fillRef>
+          <a:effectRef idx="0">
+            <a:schemeClr val="dk1"/>
+          </a:effectRef>
+          <a:fontRef idx="minor">
+            <a:schemeClr val="dk1"/>
+          </a:fontRef>
+        </p:style>
+        <p:txBody>
+          <a:bodyPr rtlCol="0" anchor="ctr"/>
+          <a:lstStyle/>
+          <a:p>
+            <a:r>
+              <a:rPr lang="en-US" sz="1500" dirty="0"/>
+              <a:t>It contains multiple folders with all the results for species loss from the application of the model. Meaning of the words in the names: timber = EU timber plantations have been included; cutoff = response ratios larger than 1 converted to 1; </a:t>
+            </a:r>
+            <a:r>
+              <a:rPr lang="en-US" sz="1500" dirty="0" err="1"/>
+              <a:t>nocutoff</a:t>
+            </a:r>
+            <a:r>
+              <a:rPr lang="en-US" sz="1500" dirty="0"/>
+              <a:t> = cutoff not applied; bs = confidence interval calculated with bootstrapping; nobs = no confidence intervals. The folder </a:t>
+            </a:r>
+            <a:r>
+              <a:rPr lang="en-US" sz="1500" i="1" dirty="0"/>
+              <a:t>species-</a:t>
+            </a:r>
+            <a:r>
+              <a:rPr lang="en-US" sz="1500" i="1" dirty="0" err="1"/>
+              <a:t>lost_cutoff</a:t>
+            </a:r>
+            <a:r>
+              <a:rPr lang="en-US" sz="1500" i="1" dirty="0"/>
               <a:t> </a:t>
             </a:r>
             <a:r>
-              <a:rPr lang="de-DE" dirty="0" err="1"/>
-              <a:t>of</a:t>
-            </a:r>
-            <a:r>
-              <a:rPr lang="de-DE" dirty="0"/>
-              <a:t> </a:t>
-            </a:r>
-            <a:r>
-              <a:rPr lang="de-DE" dirty="0" err="1"/>
-              <a:t>person</a:t>
-            </a:r>
-            <a:r>
-              <a:rPr lang="de-DE" dirty="0"/>
-              <a:t> </a:t>
-            </a:r>
-            <a:r>
-              <a:rPr lang="de-DE" dirty="0" err="1"/>
-              <a:t>giving</a:t>
-            </a:r>
-            <a:r>
-              <a:rPr lang="de-DE" dirty="0"/>
-              <a:t> </a:t>
-            </a:r>
-            <a:r>
-              <a:rPr lang="de-DE" dirty="0" err="1"/>
-              <a:t>presentation</a:t>
-            </a:r>
-            <a:endParaRPr lang="de-DE" dirty="0"/>
-          </a:p>
-          <a:p>
-            <a:r>
-              <a:rPr lang="de-DE" dirty="0"/>
-              <a:t>beat.muster@abcd.ethz.ch</a:t>
-            </a:r>
-          </a:p>
-          <a:p>
-            <a:endParaRPr lang="de-DE" dirty="0"/>
-          </a:p>
-          <a:p>
-            <a:r>
-              <a:rPr lang="de-DE" dirty="0"/>
-              <a:t>ETH </a:t>
-            </a:r>
-            <a:r>
-              <a:rPr lang="de-DE" dirty="0" err="1"/>
-              <a:t>Zurich</a:t>
-            </a:r>
-            <a:endParaRPr lang="de-DE" dirty="0"/>
-          </a:p>
-          <a:p>
-            <a:r>
-              <a:rPr lang="de-DE" dirty="0"/>
-              <a:t>Organisational </a:t>
-            </a:r>
-            <a:r>
-              <a:rPr lang="de-DE" dirty="0" err="1"/>
-              <a:t>unit</a:t>
-            </a:r>
-            <a:endParaRPr lang="de-DE" dirty="0"/>
-          </a:p>
-          <a:p>
-            <a:r>
-              <a:rPr lang="de-DE" dirty="0"/>
-              <a:t>Building </a:t>
-            </a:r>
-            <a:r>
-              <a:rPr lang="de-DE" dirty="0" err="1"/>
-              <a:t>Room</a:t>
-            </a:r>
-            <a:endParaRPr lang="de-DE" dirty="0"/>
-          </a:p>
-          <a:p>
-            <a:r>
-              <a:rPr lang="de-DE" dirty="0"/>
-              <a:t>Street House </a:t>
-            </a:r>
-            <a:r>
-              <a:rPr lang="de-DE" dirty="0" err="1"/>
-              <a:t>number</a:t>
-            </a:r>
-            <a:endParaRPr lang="de-DE" dirty="0"/>
-          </a:p>
-          <a:p>
-            <a:r>
-              <a:rPr lang="de-DE" dirty="0"/>
-              <a:t>0000 Town, Country</a:t>
-            </a:r>
-          </a:p>
-          <a:p>
-            <a:endParaRPr lang="de-DE"/>
-          </a:p>
-          <a:p>
-            <a:r>
-              <a:rPr lang="de-DE"/>
-              <a:t>www</a:t>
-            </a:r>
-            <a:r>
-              <a:rPr lang="de-DE" dirty="0"/>
-              <a:t>.abcd.ethz.ch</a:t>
-            </a:r>
+              <a:rPr lang="en-US" sz="1500" dirty="0"/>
+              <a:t>contains a .csv files where the median values come from the nobs results and the confidence intervals from the bs results and these are the values used in the paper. All the results have been calculated using the areas of the marginal approach (mg). A readme.doc file is provided.</a:t>
+            </a:r>
+          </a:p>
+        </p:txBody>
+      </p:sp>
+      <p:sp>
+        <p:nvSpPr>
+          <p:cNvPr id="26" name="Rectangle: Rounded Corners 25">
+            <a:extLst>
+              <a:ext uri="{FF2B5EF4-FFF2-40B4-BE49-F238E27FC236}">
+                <a16:creationId xmlns:a16="http://schemas.microsoft.com/office/drawing/2014/main" id="{432BD2EB-F4AC-4720-AEF8-78335AB9E69B}"/>
+              </a:ext>
+            </a:extLst>
+          </p:cNvPr>
+          <p:cNvSpPr/>
+          <p:nvPr/>
+        </p:nvSpPr>
+        <p:spPr>
+          <a:xfrm>
+            <a:off x="2227433" y="5085930"/>
+            <a:ext cx="9569736" cy="283464"/>
+          </a:xfrm>
+          <a:prstGeom prst="roundRect">
+            <a:avLst/>
+          </a:prstGeom>
+          <a:ln/>
+        </p:spPr>
+        <p:style>
+          <a:lnRef idx="2">
+            <a:schemeClr val="dk1"/>
+          </a:lnRef>
+          <a:fillRef idx="1">
+            <a:schemeClr val="lt1"/>
+          </a:fillRef>
+          <a:effectRef idx="0">
+            <a:schemeClr val="dk1"/>
+          </a:effectRef>
+          <a:fontRef idx="minor">
+            <a:schemeClr val="dk1"/>
+          </a:fontRef>
+        </p:style>
+        <p:txBody>
+          <a:bodyPr rtlCol="0" anchor="ctr"/>
+          <a:lstStyle/>
+          <a:p>
+            <a:r>
+              <a:rPr lang="en-US" sz="1500" dirty="0"/>
+              <a:t>Additional files where some data have been looked at in more detail. </a:t>
+            </a:r>
+          </a:p>
+        </p:txBody>
+      </p:sp>
+      <p:cxnSp>
+        <p:nvCxnSpPr>
+          <p:cNvPr id="42" name="Straight Arrow Connector 41">
+            <a:extLst>
+              <a:ext uri="{FF2B5EF4-FFF2-40B4-BE49-F238E27FC236}">
+                <a16:creationId xmlns:a16="http://schemas.microsoft.com/office/drawing/2014/main" id="{30F5838F-1482-4191-93E2-1BB8B610B88B}"/>
+              </a:ext>
+            </a:extLst>
+          </p:cNvPr>
+          <p:cNvCxnSpPr>
+            <a:cxnSpLocks/>
+          </p:cNvCxnSpPr>
+          <p:nvPr/>
+        </p:nvCxnSpPr>
+        <p:spPr>
+          <a:xfrm>
+            <a:off x="1924919" y="5225738"/>
+            <a:ext cx="283464" cy="0"/>
+          </a:xfrm>
+          <a:prstGeom prst="straightConnector1">
+            <a:avLst/>
+          </a:prstGeom>
+          <a:ln>
+            <a:tailEnd type="triangle"/>
+          </a:ln>
+        </p:spPr>
+        <p:style>
+          <a:lnRef idx="1">
+            <a:schemeClr val="dk1"/>
+          </a:lnRef>
+          <a:fillRef idx="0">
+            <a:schemeClr val="dk1"/>
+          </a:fillRef>
+          <a:effectRef idx="0">
+            <a:schemeClr val="dk1"/>
+          </a:effectRef>
+          <a:fontRef idx="minor">
+            <a:schemeClr val="tx1"/>
+          </a:fontRef>
+        </p:style>
+      </p:cxnSp>
+      <p:sp>
+        <p:nvSpPr>
+          <p:cNvPr id="43" name="Rectangle: Rounded Corners 42">
+            <a:extLst>
+              <a:ext uri="{FF2B5EF4-FFF2-40B4-BE49-F238E27FC236}">
+                <a16:creationId xmlns:a16="http://schemas.microsoft.com/office/drawing/2014/main" id="{E67EEB2C-229A-4626-98D8-F3F6AB50C9D5}"/>
+              </a:ext>
+            </a:extLst>
+          </p:cNvPr>
+          <p:cNvSpPr/>
+          <p:nvPr/>
+        </p:nvSpPr>
+        <p:spPr>
+          <a:xfrm>
+            <a:off x="4617510" y="5537948"/>
+            <a:ext cx="7179660" cy="748552"/>
+          </a:xfrm>
+          <a:prstGeom prst="roundRect">
+            <a:avLst/>
+          </a:prstGeom>
+          <a:ln/>
+        </p:spPr>
+        <p:style>
+          <a:lnRef idx="2">
+            <a:schemeClr val="dk1"/>
+          </a:lnRef>
+          <a:fillRef idx="1">
+            <a:schemeClr val="lt1"/>
+          </a:fillRef>
+          <a:effectRef idx="0">
+            <a:schemeClr val="dk1"/>
+          </a:effectRef>
+          <a:fontRef idx="minor">
+            <a:schemeClr val="dk1"/>
+          </a:fontRef>
+        </p:style>
+        <p:txBody>
+          <a:bodyPr rtlCol="0" anchor="ctr"/>
+          <a:lstStyle/>
+          <a:p>
+            <a:r>
+              <a:rPr lang="en-US" sz="1500" dirty="0"/>
+              <a:t>It contains the input data, the script and the results of tests performed using the CF from other versions of the model (for further details, see the script </a:t>
+            </a:r>
+            <a:r>
+              <a:rPr lang="en-US" sz="1500" i="1" dirty="0" err="1"/>
+              <a:t>calculate_impacts_withCF.R</a:t>
+            </a:r>
+            <a:r>
+              <a:rPr lang="en-US" sz="1500" dirty="0"/>
+              <a:t>) </a:t>
+            </a:r>
+          </a:p>
+        </p:txBody>
+      </p:sp>
+      <p:cxnSp>
+        <p:nvCxnSpPr>
+          <p:cNvPr id="44" name="Straight Arrow Connector 43">
+            <a:extLst>
+              <a:ext uri="{FF2B5EF4-FFF2-40B4-BE49-F238E27FC236}">
+                <a16:creationId xmlns:a16="http://schemas.microsoft.com/office/drawing/2014/main" id="{03ED7D7D-3F6E-4F2D-A171-DC877888D04F}"/>
+              </a:ext>
+            </a:extLst>
+          </p:cNvPr>
+          <p:cNvCxnSpPr>
+            <a:cxnSpLocks/>
+          </p:cNvCxnSpPr>
+          <p:nvPr/>
+        </p:nvCxnSpPr>
+        <p:spPr>
+          <a:xfrm>
+            <a:off x="4380745" y="5929087"/>
+            <a:ext cx="211317" cy="0"/>
+          </a:xfrm>
+          <a:prstGeom prst="straightConnector1">
+            <a:avLst/>
+          </a:prstGeom>
+          <a:ln>
+            <a:tailEnd type="triangle"/>
+          </a:ln>
+        </p:spPr>
+        <p:style>
+          <a:lnRef idx="1">
+            <a:schemeClr val="dk1"/>
+          </a:lnRef>
+          <a:fillRef idx="0">
+            <a:schemeClr val="dk1"/>
+          </a:fillRef>
+          <a:effectRef idx="0">
+            <a:schemeClr val="dk1"/>
+          </a:effectRef>
+          <a:fontRef idx="minor">
+            <a:schemeClr val="tx1"/>
+          </a:fontRef>
+        </p:style>
+      </p:cxnSp>
+    </p:spTree>
+    <p:extLst>
+      <p:ext uri="{BB962C8B-B14F-4D97-AF65-F5344CB8AC3E}">
+        <p14:creationId xmlns:p14="http://schemas.microsoft.com/office/powerpoint/2010/main" val="3201800661"/>
+      </p:ext>
+    </p:extLst>
+  </p:cSld>
+  <p:clrMapOvr>
+    <a:masterClrMapping/>
+  </p:clrMapOvr>
+</p:sld>
+</file>
+
+<file path=ppt/slides/slide12.xml><?xml version="1.0" encoding="utf-8"?>
+<p:sld xmlns:a="http://schemas.openxmlformats.org/drawingml/2006/main" xmlns:r="http://schemas.openxmlformats.org/officeDocument/2006/relationships" xmlns:p="http://schemas.openxmlformats.org/presentationml/2006/main">
+  <p:cSld>
+    <p:spTree>
+      <p:nvGrpSpPr>
+        <p:cNvPr id="1" name=""/>
+        <p:cNvGrpSpPr/>
+        <p:nvPr/>
+      </p:nvGrpSpPr>
+      <p:grpSpPr>
+        <a:xfrm>
+          <a:off x="0" y="0"/>
+          <a:ext cx="0" cy="0"/>
+          <a:chOff x="0" y="0"/>
+          <a:chExt cx="0" cy="0"/>
+        </a:xfrm>
+      </p:grpSpPr>
+      <p:sp>
+        <p:nvSpPr>
+          <p:cNvPr id="3" name="Inhaltsplatzhalter 2">
+            <a:extLst>
+              <a:ext uri="{FF2B5EF4-FFF2-40B4-BE49-F238E27FC236}">
+                <a16:creationId xmlns:a16="http://schemas.microsoft.com/office/drawing/2014/main" id="{A2A71FBB-3009-40AD-979B-DB4E5F59289E}"/>
+              </a:ext>
+            </a:extLst>
+          </p:cNvPr>
+          <p:cNvSpPr>
+            <a:spLocks noGrp="1"/>
+          </p:cNvSpPr>
+          <p:nvPr>
+            <p:ph idx="1"/>
+          </p:nvPr>
+        </p:nvSpPr>
+        <p:spPr/>
+        <p:txBody>
+          <a:bodyPr/>
+          <a:lstStyle/>
+          <a:p>
             <a:endParaRPr lang="de-CH" dirty="0"/>
           </a:p>
         </p:txBody>
@@ -8933,7 +10278,7 @@
           <a:p>
             <a:fld id="{AF24159B-E4F0-491A-987A-BB36210A3487}" type="datetime1">
               <a:rPr lang="de-CH" noProof="0" smtClean="0"/>
-              <a:t>13.02.2022</a:t>
+              <a:t>16.02.2022</a:t>
             </a:fld>
             <a:endParaRPr lang="de-CH" noProof="0"/>
           </a:p>
@@ -9895,7 +11240,7 @@
           <a:p>
             <a:fld id="{AF24159B-E4F0-491A-987A-BB36210A3487}" type="datetime1">
               <a:rPr lang="de-CH" noProof="0" smtClean="0"/>
-              <a:t>13.02.2022</a:t>
+              <a:t>16.02.2022</a:t>
             </a:fld>
             <a:endParaRPr lang="de-CH" noProof="0"/>
           </a:p>
@@ -10823,7 +12168,7 @@
           <a:p>
             <a:fld id="{AF24159B-E4F0-491A-987A-BB36210A3487}" type="datetime1">
               <a:rPr lang="de-CH" noProof="0" smtClean="0"/>
-              <a:t>13.02.2022</a:t>
+              <a:t>16.02.2022</a:t>
             </a:fld>
             <a:endParaRPr lang="de-CH" noProof="0"/>
           </a:p>
@@ -11046,7 +12391,7 @@
         </p:nvCxnSpPr>
         <p:spPr>
           <a:xfrm>
-            <a:off x="1718505" y="3581182"/>
+            <a:off x="1718505" y="3909800"/>
             <a:ext cx="209648" cy="0"/>
           </a:xfrm>
           <a:prstGeom prst="straightConnector1">
@@ -11087,7 +12432,7 @@
         </p:nvCxnSpPr>
         <p:spPr>
           <a:xfrm>
-            <a:off x="1249378" y="5333171"/>
+            <a:off x="1249378" y="5933254"/>
             <a:ext cx="678775" cy="0"/>
           </a:xfrm>
           <a:prstGeom prst="straightConnector1">
@@ -11250,7 +12595,7 @@
         </p:blipFill>
         <p:spPr>
           <a:xfrm>
-            <a:off x="263410" y="3438037"/>
+            <a:off x="263410" y="3766655"/>
             <a:ext cx="1424947" cy="286291"/>
           </a:xfrm>
           <a:prstGeom prst="rect">
@@ -11272,8 +12617,8 @@
         </p:nvSpPr>
         <p:spPr>
           <a:xfrm>
-            <a:off x="1991385" y="2541572"/>
-            <a:ext cx="8528743" cy="2108746"/>
+            <a:off x="1991385" y="2601242"/>
+            <a:ext cx="8528743" cy="2713452"/>
           </a:xfrm>
           <a:prstGeom prst="roundRect">
             <a:avLst/>
@@ -11310,7 +12655,6 @@
               <a:rPr lang="en-US" sz="1500" dirty="0"/>
               <a:t>– document which describes the content of the sub-folders</a:t>
             </a:r>
-            <a:endParaRPr lang="en-US" sz="1500" i="1" dirty="0"/>
           </a:p>
           <a:p>
             <a:pPr marL="285750" indent="-285750">
@@ -11318,13 +12662,34 @@
               <a:buChar char="•"/>
             </a:pPr>
             <a:r>
+              <a:rPr lang="en-US" sz="1500" i="1" dirty="0" err="1"/>
+              <a:t>notimber</a:t>
+            </a:r>
+            <a:r>
+              <a:rPr lang="en-US" sz="1500" dirty="0"/>
+              <a:t> – folder with .csv files resulting from the application of </a:t>
+            </a:r>
+            <a:r>
+              <a:rPr lang="en-US" sz="1500" i="1" dirty="0" err="1"/>
+              <a:t>scripts_preparation</a:t>
+            </a:r>
+            <a:r>
               <a:rPr lang="en-US" sz="1500" i="1" dirty="0"/>
-              <a:t>timber</a:t>
+              <a:t>/ </a:t>
+            </a:r>
+            <a:r>
+              <a:rPr lang="en-US" sz="1500" i="1" dirty="0" err="1"/>
+              <a:t>do_tidy_match.R</a:t>
+            </a:r>
+            <a:r>
+              <a:rPr lang="en-US" sz="1500" i="1" dirty="0"/>
+              <a:t> </a:t>
             </a:r>
             <a:r>
               <a:rPr lang="en-US" sz="1500" dirty="0"/>
-              <a:t> – folder with the .csv files of the areas in the “timber” setting</a:t>
-            </a:r>
+              <a:t>(default setting)</a:t>
+            </a:r>
+            <a:endParaRPr lang="en-US" sz="1500" i="1" dirty="0"/>
           </a:p>
           <a:p>
             <a:pPr marL="285750" indent="-285750">
@@ -11332,12 +12697,32 @@
               <a:buChar char="•"/>
             </a:pPr>
             <a:r>
+              <a:rPr lang="en-US" sz="1500" i="1" dirty="0"/>
+              <a:t>timber</a:t>
+            </a:r>
+            <a:r>
+              <a:rPr lang="en-US" sz="1500" dirty="0"/>
+              <a:t> – folder with .csv files resulting from the application of </a:t>
+            </a:r>
+            <a:r>
               <a:rPr lang="en-US" sz="1500" i="1" dirty="0" err="1"/>
-              <a:t>notimber</a:t>
+              <a:t>scripts_preparation</a:t>
+            </a:r>
+            <a:r>
+              <a:rPr lang="en-US" sz="1500" i="1" dirty="0"/>
+              <a:t>/ </a:t>
+            </a:r>
+            <a:r>
+              <a:rPr lang="en-US" sz="1500" i="1" dirty="0" err="1"/>
+              <a:t>do_tidy_match.R</a:t>
+            </a:r>
+            <a:r>
+              <a:rPr lang="en-US" sz="1500" i="1" dirty="0"/>
+              <a:t> (</a:t>
             </a:r>
             <a:r>
               <a:rPr lang="en-US" sz="1500" dirty="0"/>
-              <a:t> – folder with the .csv files of the areas in the default setting</a:t>
+              <a:t>“timber” setting)</a:t>
             </a:r>
           </a:p>
           <a:p>
@@ -11355,7 +12740,35 @@
             </a:r>
             <a:r>
               <a:rPr lang="en-US" sz="1500" dirty="0"/>
-              <a:t> – folder containing the .csv files of the areas when not-relevant lands and wetlands are not removed, grouped in subfolders.  </a:t>
+              <a:t> – Folder containing the areas prepared with </a:t>
+            </a:r>
+            <a:r>
+              <a:rPr lang="en-US" sz="1500" i="1" dirty="0" err="1"/>
+              <a:t>do_tidy_match.R</a:t>
+            </a:r>
+            <a:r>
+              <a:rPr lang="en-US" sz="1500" i="1" dirty="0"/>
+              <a:t> </a:t>
+            </a:r>
+            <a:r>
+              <a:rPr lang="en-US" sz="1500" dirty="0"/>
+              <a:t>without excluding </a:t>
+            </a:r>
+            <a:r>
+              <a:rPr lang="en-US" sz="1500" i="1" dirty="0"/>
+              <a:t>Not relevant land </a:t>
+            </a:r>
+            <a:r>
+              <a:rPr lang="en-US" sz="1500" dirty="0"/>
+              <a:t>and </a:t>
+            </a:r>
+            <a:r>
+              <a:rPr lang="en-US" sz="1500" i="1" dirty="0"/>
+              <a:t>Wetland</a:t>
+            </a:r>
+            <a:r>
+              <a:rPr lang="en-US" sz="1500" dirty="0"/>
+              <a:t> from the classification, grouped in subfolders.  </a:t>
             </a:r>
           </a:p>
           <a:p>
@@ -11458,7 +12871,7 @@
         </p:blipFill>
         <p:spPr>
           <a:xfrm>
-            <a:off x="10582991" y="2846815"/>
+            <a:off x="10582991" y="3175433"/>
             <a:ext cx="1544770" cy="1490995"/>
           </a:xfrm>
           <a:prstGeom prst="rect">
@@ -11488,7 +12901,7 @@
         </p:blipFill>
         <p:spPr>
           <a:xfrm>
-            <a:off x="263410" y="5166117"/>
+            <a:off x="263410" y="5766200"/>
             <a:ext cx="1125644" cy="279785"/>
           </a:xfrm>
           <a:prstGeom prst="rect">
@@ -11551,7 +12964,7 @@
         </p:nvSpPr>
         <p:spPr>
           <a:xfrm>
-            <a:off x="1980046" y="4857743"/>
+            <a:off x="1980046" y="5457826"/>
             <a:ext cx="8528743" cy="947033"/>
           </a:xfrm>
           <a:prstGeom prst="roundRect">
@@ -11588,6 +13001,65 @@
             <a:r>
               <a:rPr lang="en-US" sz="1500" dirty="0"/>
               <a:t>) where there is a .csv file. External users can fill out the .csv file with their global land use data. This file can then be used as input in the model to estimate the impacts on biodiversity. </a:t>
+            </a:r>
+          </a:p>
+        </p:txBody>
+      </p:sp>
+      <p:sp>
+        <p:nvSpPr>
+          <p:cNvPr id="21" name="Rectangle: Rounded Corners 20">
+            <a:extLst>
+              <a:ext uri="{FF2B5EF4-FFF2-40B4-BE49-F238E27FC236}">
+                <a16:creationId xmlns:a16="http://schemas.microsoft.com/office/drawing/2014/main" id="{495B79A8-D0AF-451E-8559-924CA71B5473}"/>
+              </a:ext>
+            </a:extLst>
+          </p:cNvPr>
+          <p:cNvSpPr/>
+          <p:nvPr/>
+        </p:nvSpPr>
+        <p:spPr>
+          <a:xfrm>
+            <a:off x="4622119" y="341474"/>
+            <a:ext cx="7587121" cy="283464"/>
+          </a:xfrm>
+          <a:prstGeom prst="roundRect">
+            <a:avLst/>
+          </a:prstGeom>
+          <a:ln/>
+        </p:spPr>
+        <p:style>
+          <a:lnRef idx="2">
+            <a:schemeClr val="dk1"/>
+          </a:lnRef>
+          <a:fillRef idx="1">
+            <a:schemeClr val="lt1"/>
+          </a:fillRef>
+          <a:effectRef idx="0">
+            <a:schemeClr val="dk1"/>
+          </a:effectRef>
+          <a:fontRef idx="minor">
+            <a:schemeClr val="dk1"/>
+          </a:fontRef>
+        </p:style>
+        <p:txBody>
+          <a:bodyPr rtlCol="0" anchor="ctr"/>
+          <a:lstStyle/>
+          <a:p>
+            <a:r>
+              <a:rPr lang="en-US" sz="1500" dirty="0"/>
+              <a:t>.csv files resulting from the application of </a:t>
+            </a:r>
+            <a:r>
+              <a:rPr lang="en-US" sz="1500" i="1" dirty="0"/>
+              <a:t>scripts_preparation/</a:t>
+            </a:r>
+            <a:r>
+              <a:rPr lang="en-US" sz="1500" i="1" dirty="0" err="1"/>
+              <a:t>do_tidy_match</a:t>
+            </a:r>
+            <a:r>
+              <a:rPr lang="en-US" sz="1500" i="1" dirty="0"/>
+              <a:t>.</a:t>
             </a:r>
           </a:p>
         </p:txBody>
@@ -11673,7 +13145,7 @@
           <a:p>
             <a:fld id="{AF24159B-E4F0-491A-987A-BB36210A3487}" type="datetime1">
               <a:rPr lang="de-CH" noProof="0" smtClean="0"/>
-              <a:t>13.02.2022</a:t>
+              <a:t>16.02.2022</a:t>
             </a:fld>
             <a:endParaRPr lang="de-CH" noProof="0"/>
           </a:p>
@@ -11739,35 +13211,371 @@
       </p:sp>
       <p:sp>
         <p:nvSpPr>
-          <p:cNvPr id="25" name="Content Placeholder 24">
-            <a:extLst>
-              <a:ext uri="{FF2B5EF4-FFF2-40B4-BE49-F238E27FC236}">
-                <a16:creationId xmlns:a16="http://schemas.microsoft.com/office/drawing/2014/main" id="{10005CD3-55E4-4FD3-B43F-B51DB8053C96}"/>
-              </a:ext>
-            </a:extLst>
-          </p:cNvPr>
-          <p:cNvSpPr>
-            <a:spLocks noGrp="1"/>
-          </p:cNvSpPr>
-          <p:nvPr>
-            <p:ph idx="1"/>
-          </p:nvPr>
-        </p:nvSpPr>
-        <p:spPr/>
-        <p:txBody>
-          <a:bodyPr/>
+          <p:cNvPr id="10" name="Rectangle: Rounded Corners 9">
+            <a:extLst>
+              <a:ext uri="{FF2B5EF4-FFF2-40B4-BE49-F238E27FC236}">
+                <a16:creationId xmlns:a16="http://schemas.microsoft.com/office/drawing/2014/main" id="{67C942BB-82C6-4CBF-88A1-B8118098976C}"/>
+              </a:ext>
+            </a:extLst>
+          </p:cNvPr>
+          <p:cNvSpPr/>
+          <p:nvPr/>
+        </p:nvSpPr>
+        <p:spPr>
+          <a:xfrm>
+            <a:off x="2714627" y="3835221"/>
+            <a:ext cx="9144000" cy="822960"/>
+          </a:xfrm>
+          <a:prstGeom prst="roundRect">
+            <a:avLst/>
+          </a:prstGeom>
+          <a:ln/>
+        </p:spPr>
+        <p:style>
+          <a:lnRef idx="2">
+            <a:schemeClr val="dk1"/>
+          </a:lnRef>
+          <a:fillRef idx="1">
+            <a:schemeClr val="lt1"/>
+          </a:fillRef>
+          <a:effectRef idx="0">
+            <a:schemeClr val="dk1"/>
+          </a:effectRef>
+          <a:fontRef idx="minor">
+            <a:schemeClr val="dk1"/>
+          </a:fontRef>
+        </p:style>
+        <p:txBody>
+          <a:bodyPr rtlCol="0" anchor="ctr"/>
           <a:lstStyle/>
           <a:p>
-            <a:endParaRPr lang="en-US"/>
+            <a:r>
+              <a:rPr lang="en-US" sz="1500" dirty="0"/>
+              <a:t>Additional scripts used to perform analysis not included in the manuscript: calculation of the area converted to energy plantation, calculation of the impacts using the CFs, comparison between the linear and non-linear approach.</a:t>
+            </a:r>
+          </a:p>
+        </p:txBody>
+      </p:sp>
+      <p:sp>
+        <p:nvSpPr>
+          <p:cNvPr id="12" name="Rectangle: Rounded Corners 11">
+            <a:extLst>
+              <a:ext uri="{FF2B5EF4-FFF2-40B4-BE49-F238E27FC236}">
+                <a16:creationId xmlns:a16="http://schemas.microsoft.com/office/drawing/2014/main" id="{C9E7E7DC-335E-4CB6-89C9-68E29FDDD773}"/>
+              </a:ext>
+            </a:extLst>
+          </p:cNvPr>
+          <p:cNvSpPr/>
+          <p:nvPr/>
+        </p:nvSpPr>
+        <p:spPr>
+          <a:xfrm>
+            <a:off x="2714627" y="2393592"/>
+            <a:ext cx="9144000" cy="365760"/>
+          </a:xfrm>
+          <a:prstGeom prst="roundRect">
+            <a:avLst/>
+          </a:prstGeom>
+          <a:ln/>
+        </p:spPr>
+        <p:style>
+          <a:lnRef idx="2">
+            <a:schemeClr val="dk1"/>
+          </a:lnRef>
+          <a:fillRef idx="1">
+            <a:schemeClr val="lt1"/>
+          </a:fillRef>
+          <a:effectRef idx="0">
+            <a:schemeClr val="dk1"/>
+          </a:effectRef>
+          <a:fontRef idx="minor">
+            <a:schemeClr val="dk1"/>
+          </a:fontRef>
+        </p:style>
+        <p:txBody>
+          <a:bodyPr rtlCol="0" anchor="ctr"/>
+          <a:lstStyle/>
+          <a:p>
+            <a:r>
+              <a:rPr lang="en-US" sz="1500" dirty="0"/>
+              <a:t>Scripts for the aggregation of the raw results from /</a:t>
+            </a:r>
+            <a:r>
+              <a:rPr lang="en-US" sz="1500" i="1" dirty="0"/>
+              <a:t>forest-</a:t>
+            </a:r>
+            <a:r>
+              <a:rPr lang="en-US" sz="1500" i="1" dirty="0" err="1"/>
+              <a:t>managemement</a:t>
+            </a:r>
+            <a:r>
+              <a:rPr lang="en-US" sz="1500" i="1" dirty="0"/>
+              <a:t>/results</a:t>
+            </a:r>
+            <a:r>
+              <a:rPr lang="en-US" sz="1500" dirty="0"/>
+              <a:t>. </a:t>
+            </a:r>
+          </a:p>
+        </p:txBody>
+      </p:sp>
+      <p:sp>
+        <p:nvSpPr>
+          <p:cNvPr id="13" name="Rectangle: Rounded Corners 12">
+            <a:extLst>
+              <a:ext uri="{FF2B5EF4-FFF2-40B4-BE49-F238E27FC236}">
+                <a16:creationId xmlns:a16="http://schemas.microsoft.com/office/drawing/2014/main" id="{2AF3FC3A-27D1-4179-A255-83DC2F3D3F29}"/>
+              </a:ext>
+            </a:extLst>
+          </p:cNvPr>
+          <p:cNvSpPr/>
+          <p:nvPr/>
+        </p:nvSpPr>
+        <p:spPr>
+          <a:xfrm>
+            <a:off x="2714627" y="1174588"/>
+            <a:ext cx="9144000" cy="365760"/>
+          </a:xfrm>
+          <a:prstGeom prst="roundRect">
+            <a:avLst/>
+          </a:prstGeom>
+          <a:ln/>
+        </p:spPr>
+        <p:style>
+          <a:lnRef idx="2">
+            <a:schemeClr val="dk1"/>
+          </a:lnRef>
+          <a:fillRef idx="1">
+            <a:schemeClr val="lt1"/>
+          </a:fillRef>
+          <a:effectRef idx="0">
+            <a:schemeClr val="dk1"/>
+          </a:effectRef>
+          <a:fontRef idx="minor">
+            <a:schemeClr val="dk1"/>
+          </a:fontRef>
+        </p:style>
+        <p:txBody>
+          <a:bodyPr rtlCol="0" anchor="ctr"/>
+          <a:lstStyle/>
+          <a:p>
+            <a:r>
+              <a:rPr lang="en-US" sz="1500" dirty="0"/>
+              <a:t>Scripts used to prepare the areas and the model parameters used as input in the model.</a:t>
+            </a:r>
+          </a:p>
+        </p:txBody>
+      </p:sp>
+      <p:sp>
+        <p:nvSpPr>
+          <p:cNvPr id="14" name="Rectangle: Rounded Corners 13">
+            <a:extLst>
+              <a:ext uri="{FF2B5EF4-FFF2-40B4-BE49-F238E27FC236}">
+                <a16:creationId xmlns:a16="http://schemas.microsoft.com/office/drawing/2014/main" id="{A223FD33-3789-4D87-8FA2-9FB8990C41FF}"/>
+              </a:ext>
+            </a:extLst>
+          </p:cNvPr>
+          <p:cNvSpPr/>
+          <p:nvPr/>
+        </p:nvSpPr>
+        <p:spPr>
+          <a:xfrm>
+            <a:off x="2714627" y="1766701"/>
+            <a:ext cx="9144000" cy="365760"/>
+          </a:xfrm>
+          <a:prstGeom prst="roundRect">
+            <a:avLst/>
+          </a:prstGeom>
+          <a:ln/>
+        </p:spPr>
+        <p:style>
+          <a:lnRef idx="2">
+            <a:schemeClr val="dk1"/>
+          </a:lnRef>
+          <a:fillRef idx="1">
+            <a:schemeClr val="lt1"/>
+          </a:fillRef>
+          <a:effectRef idx="0">
+            <a:schemeClr val="dk1"/>
+          </a:effectRef>
+          <a:fontRef idx="minor">
+            <a:schemeClr val="dk1"/>
+          </a:fontRef>
+        </p:style>
+        <p:txBody>
+          <a:bodyPr rtlCol="0" anchor="ctr"/>
+          <a:lstStyle/>
+          <a:p>
+            <a:r>
+              <a:rPr lang="en-US" sz="1500" dirty="0"/>
+              <a:t>Scripts used to calculate the species loss .</a:t>
+            </a:r>
+          </a:p>
+        </p:txBody>
+      </p:sp>
+      <p:sp>
+        <p:nvSpPr>
+          <p:cNvPr id="15" name="Rectangle: Rounded Corners 14">
+            <a:extLst>
+              <a:ext uri="{FF2B5EF4-FFF2-40B4-BE49-F238E27FC236}">
+                <a16:creationId xmlns:a16="http://schemas.microsoft.com/office/drawing/2014/main" id="{374412F2-1DE7-4B54-8016-D3A7910615E8}"/>
+              </a:ext>
+            </a:extLst>
+          </p:cNvPr>
+          <p:cNvSpPr/>
+          <p:nvPr/>
+        </p:nvSpPr>
+        <p:spPr>
+          <a:xfrm>
+            <a:off x="2714627" y="3119089"/>
+            <a:ext cx="9144000" cy="365760"/>
+          </a:xfrm>
+          <a:prstGeom prst="roundRect">
+            <a:avLst/>
+          </a:prstGeom>
+          <a:ln/>
+        </p:spPr>
+        <p:style>
+          <a:lnRef idx="2">
+            <a:schemeClr val="dk1"/>
+          </a:lnRef>
+          <a:fillRef idx="1">
+            <a:schemeClr val="lt1"/>
+          </a:fillRef>
+          <a:effectRef idx="0">
+            <a:schemeClr val="dk1"/>
+          </a:effectRef>
+          <a:fontRef idx="minor">
+            <a:schemeClr val="dk1"/>
+          </a:fontRef>
+        </p:style>
+        <p:txBody>
+          <a:bodyPr rtlCol="0" anchor="ctr"/>
+          <a:lstStyle/>
+          <a:p>
+            <a:r>
+              <a:rPr lang="en-US" sz="1500" dirty="0"/>
+              <a:t>Scripts for plotting maps and </a:t>
+            </a:r>
+            <a:r>
+              <a:rPr lang="en-US" sz="1500" dirty="0" err="1"/>
+              <a:t>barplots</a:t>
+            </a:r>
+            <a:r>
+              <a:rPr lang="en-US" sz="1500" dirty="0"/>
+              <a:t>.</a:t>
+            </a:r>
+          </a:p>
+        </p:txBody>
+      </p:sp>
+      <p:sp>
+        <p:nvSpPr>
+          <p:cNvPr id="16" name="Rectangle: Rounded Corners 15">
+            <a:extLst>
+              <a:ext uri="{FF2B5EF4-FFF2-40B4-BE49-F238E27FC236}">
+                <a16:creationId xmlns:a16="http://schemas.microsoft.com/office/drawing/2014/main" id="{57F0E2B4-04A1-468A-9A63-88FE587BB1A4}"/>
+              </a:ext>
+            </a:extLst>
+          </p:cNvPr>
+          <p:cNvSpPr/>
+          <p:nvPr/>
+        </p:nvSpPr>
+        <p:spPr>
+          <a:xfrm>
+            <a:off x="2714627" y="4898260"/>
+            <a:ext cx="9144000" cy="548640"/>
+          </a:xfrm>
+          <a:prstGeom prst="roundRect">
+            <a:avLst/>
+          </a:prstGeom>
+          <a:ln/>
+        </p:spPr>
+        <p:style>
+          <a:lnRef idx="2">
+            <a:schemeClr val="dk1"/>
+          </a:lnRef>
+          <a:fillRef idx="1">
+            <a:schemeClr val="lt1"/>
+          </a:fillRef>
+          <a:effectRef idx="0">
+            <a:schemeClr val="dk1"/>
+          </a:effectRef>
+          <a:fontRef idx="minor">
+            <a:schemeClr val="dk1"/>
+          </a:fontRef>
+        </p:style>
+        <p:txBody>
+          <a:bodyPr rtlCol="0" anchor="ctr"/>
+          <a:lstStyle/>
+          <a:p>
+            <a:r>
+              <a:rPr lang="en-US" sz="1500" dirty="0"/>
+              <a:t>Script that creates variables containing the paths to folders/files (e.g. the path to the results, to the plots, to the aggregated data, </a:t>
+            </a:r>
+            <a:r>
+              <a:rPr lang="en-US" sz="1500" dirty="0" err="1"/>
+              <a:t>etc</a:t>
+            </a:r>
+            <a:r>
+              <a:rPr lang="en-US" sz="1500" dirty="0"/>
+              <a:t>).</a:t>
+            </a:r>
+          </a:p>
+        </p:txBody>
+      </p:sp>
+      <p:sp>
+        <p:nvSpPr>
+          <p:cNvPr id="17" name="Rectangle: Rounded Corners 16">
+            <a:extLst>
+              <a:ext uri="{FF2B5EF4-FFF2-40B4-BE49-F238E27FC236}">
+                <a16:creationId xmlns:a16="http://schemas.microsoft.com/office/drawing/2014/main" id="{CD79DB19-E0C4-4B4B-BE71-709C1A1F5976}"/>
+              </a:ext>
+            </a:extLst>
+          </p:cNvPr>
+          <p:cNvSpPr/>
+          <p:nvPr/>
+        </p:nvSpPr>
+        <p:spPr>
+          <a:xfrm>
+            <a:off x="2714627" y="5679452"/>
+            <a:ext cx="9144000" cy="365760"/>
+          </a:xfrm>
+          <a:prstGeom prst="roundRect">
+            <a:avLst/>
+          </a:prstGeom>
+          <a:ln/>
+        </p:spPr>
+        <p:style>
+          <a:lnRef idx="2">
+            <a:schemeClr val="dk1"/>
+          </a:lnRef>
+          <a:fillRef idx="1">
+            <a:schemeClr val="lt1"/>
+          </a:fillRef>
+          <a:effectRef idx="0">
+            <a:schemeClr val="dk1"/>
+          </a:effectRef>
+          <a:fontRef idx="minor">
+            <a:schemeClr val="dk1"/>
+          </a:fontRef>
+        </p:style>
+        <p:txBody>
+          <a:bodyPr rtlCol="0" anchor="ctr"/>
+          <a:lstStyle/>
+          <a:p>
+            <a:r>
+              <a:rPr lang="en-US" sz="1500" dirty="0"/>
+              <a:t>Script that creates directories if they do not exist already.</a:t>
+            </a:r>
           </a:p>
         </p:txBody>
       </p:sp>
       <p:pic>
         <p:nvPicPr>
-          <p:cNvPr id="31" name="Picture 30">
-            <a:extLst>
-              <a:ext uri="{FF2B5EF4-FFF2-40B4-BE49-F238E27FC236}">
-                <a16:creationId xmlns:a16="http://schemas.microsoft.com/office/drawing/2014/main" id="{330210FE-60CD-4E61-A6D8-7B7221616799}"/>
+          <p:cNvPr id="7" name="Picture 6">
+            <a:extLst>
+              <a:ext uri="{FF2B5EF4-FFF2-40B4-BE49-F238E27FC236}">
+                <a16:creationId xmlns:a16="http://schemas.microsoft.com/office/drawing/2014/main" id="{25E53682-8DD9-40E2-ABE7-1C8A33D382C0}"/>
               </a:ext>
             </a:extLst>
           </p:cNvPr>
@@ -11784,14 +13592,479 @@
         </p:blipFill>
         <p:spPr>
           <a:xfrm>
-            <a:off x="4647998" y="2057208"/>
-            <a:ext cx="2896004" cy="2743583"/>
+            <a:off x="382382" y="1221480"/>
+            <a:ext cx="1624701" cy="271977"/>
           </a:xfrm>
           <a:prstGeom prst="rect">
             <a:avLst/>
           </a:prstGeom>
         </p:spPr>
       </p:pic>
+      <p:pic>
+        <p:nvPicPr>
+          <p:cNvPr id="20" name="Picture 19">
+            <a:extLst>
+              <a:ext uri="{FF2B5EF4-FFF2-40B4-BE49-F238E27FC236}">
+                <a16:creationId xmlns:a16="http://schemas.microsoft.com/office/drawing/2014/main" id="{6007C33B-CA3D-4193-8E09-5EFB5A214EC1}"/>
+              </a:ext>
+            </a:extLst>
+          </p:cNvPr>
+          <p:cNvPicPr>
+            <a:picLocks noChangeAspect="1"/>
+          </p:cNvPicPr>
+          <p:nvPr/>
+        </p:nvPicPr>
+        <p:blipFill>
+          <a:blip r:embed="rId3"/>
+          <a:stretch>
+            <a:fillRect/>
+          </a:stretch>
+        </p:blipFill>
+        <p:spPr>
+          <a:xfrm>
+            <a:off x="382382" y="1806436"/>
+            <a:ext cx="858873" cy="286291"/>
+          </a:xfrm>
+          <a:prstGeom prst="rect">
+            <a:avLst/>
+          </a:prstGeom>
+        </p:spPr>
+      </p:pic>
+      <p:pic>
+        <p:nvPicPr>
+          <p:cNvPr id="22" name="Picture 21">
+            <a:extLst>
+              <a:ext uri="{FF2B5EF4-FFF2-40B4-BE49-F238E27FC236}">
+                <a16:creationId xmlns:a16="http://schemas.microsoft.com/office/drawing/2014/main" id="{661E5EE9-0DA2-44C7-9B3C-BE4D243B875A}"/>
+              </a:ext>
+            </a:extLst>
+          </p:cNvPr>
+          <p:cNvPicPr>
+            <a:picLocks noChangeAspect="1"/>
+          </p:cNvPicPr>
+          <p:nvPr/>
+        </p:nvPicPr>
+        <p:blipFill>
+          <a:blip r:embed="rId4"/>
+          <a:stretch>
+            <a:fillRect/>
+          </a:stretch>
+        </p:blipFill>
+        <p:spPr>
+          <a:xfrm>
+            <a:off x="382382" y="2433327"/>
+            <a:ext cx="1281152" cy="286291"/>
+          </a:xfrm>
+          <a:prstGeom prst="rect">
+            <a:avLst/>
+          </a:prstGeom>
+        </p:spPr>
+      </p:pic>
+      <p:pic>
+        <p:nvPicPr>
+          <p:cNvPr id="24" name="Picture 23">
+            <a:extLst>
+              <a:ext uri="{FF2B5EF4-FFF2-40B4-BE49-F238E27FC236}">
+                <a16:creationId xmlns:a16="http://schemas.microsoft.com/office/drawing/2014/main" id="{9CBC89F4-8C33-4203-9791-746787789567}"/>
+              </a:ext>
+            </a:extLst>
+          </p:cNvPr>
+          <p:cNvPicPr>
+            <a:picLocks noChangeAspect="1"/>
+          </p:cNvPicPr>
+          <p:nvPr/>
+        </p:nvPicPr>
+        <p:blipFill>
+          <a:blip r:embed="rId5"/>
+          <a:stretch>
+            <a:fillRect/>
+          </a:stretch>
+        </p:blipFill>
+        <p:spPr>
+          <a:xfrm>
+            <a:off x="382382" y="3151667"/>
+            <a:ext cx="994861" cy="300605"/>
+          </a:xfrm>
+          <a:prstGeom prst="rect">
+            <a:avLst/>
+          </a:prstGeom>
+        </p:spPr>
+      </p:pic>
+      <p:pic>
+        <p:nvPicPr>
+          <p:cNvPr id="27" name="Picture 26">
+            <a:extLst>
+              <a:ext uri="{FF2B5EF4-FFF2-40B4-BE49-F238E27FC236}">
+                <a16:creationId xmlns:a16="http://schemas.microsoft.com/office/drawing/2014/main" id="{91B98ACF-8FE5-4783-9F90-1FED71C7BCE1}"/>
+              </a:ext>
+            </a:extLst>
+          </p:cNvPr>
+          <p:cNvPicPr>
+            <a:picLocks noChangeAspect="1"/>
+          </p:cNvPicPr>
+          <p:nvPr/>
+        </p:nvPicPr>
+        <p:blipFill>
+          <a:blip r:embed="rId6"/>
+          <a:stretch>
+            <a:fillRect/>
+          </a:stretch>
+        </p:blipFill>
+        <p:spPr>
+          <a:xfrm>
+            <a:off x="382382" y="4089241"/>
+            <a:ext cx="1839419" cy="314920"/>
+          </a:xfrm>
+          <a:prstGeom prst="rect">
+            <a:avLst/>
+          </a:prstGeom>
+        </p:spPr>
+      </p:pic>
+      <p:pic>
+        <p:nvPicPr>
+          <p:cNvPr id="29" name="Picture 28">
+            <a:extLst>
+              <a:ext uri="{FF2B5EF4-FFF2-40B4-BE49-F238E27FC236}">
+                <a16:creationId xmlns:a16="http://schemas.microsoft.com/office/drawing/2014/main" id="{9E22468D-A8D8-4602-952A-128C55A93556}"/>
+              </a:ext>
+            </a:extLst>
+          </p:cNvPr>
+          <p:cNvPicPr>
+            <a:picLocks noChangeAspect="1"/>
+          </p:cNvPicPr>
+          <p:nvPr/>
+        </p:nvPicPr>
+        <p:blipFill rotWithShape="1">
+          <a:blip r:embed="rId7"/>
+          <a:srcRect t="49421"/>
+          <a:stretch/>
+        </p:blipFill>
+        <p:spPr>
+          <a:xfrm>
+            <a:off x="382382" y="4996834"/>
+            <a:ext cx="1789318" cy="318568"/>
+          </a:xfrm>
+          <a:prstGeom prst="rect">
+            <a:avLst/>
+          </a:prstGeom>
+        </p:spPr>
+      </p:pic>
+      <p:pic>
+        <p:nvPicPr>
+          <p:cNvPr id="32" name="Picture 31">
+            <a:extLst>
+              <a:ext uri="{FF2B5EF4-FFF2-40B4-BE49-F238E27FC236}">
+                <a16:creationId xmlns:a16="http://schemas.microsoft.com/office/drawing/2014/main" id="{2CEE1B40-DF73-425B-B2AE-8D4FEA858B7A}"/>
+              </a:ext>
+            </a:extLst>
+          </p:cNvPr>
+          <p:cNvPicPr>
+            <a:picLocks noChangeAspect="1"/>
+          </p:cNvPicPr>
+          <p:nvPr/>
+        </p:nvPicPr>
+        <p:blipFill rotWithShape="1">
+          <a:blip r:embed="rId7"/>
+          <a:srcRect b="50000"/>
+          <a:stretch/>
+        </p:blipFill>
+        <p:spPr>
+          <a:xfrm>
+            <a:off x="382382" y="5699033"/>
+            <a:ext cx="1789318" cy="314920"/>
+          </a:xfrm>
+          <a:prstGeom prst="rect">
+            <a:avLst/>
+          </a:prstGeom>
+        </p:spPr>
+      </p:pic>
+      <p:cxnSp>
+        <p:nvCxnSpPr>
+          <p:cNvPr id="33" name="Straight Arrow Connector 32">
+            <a:extLst>
+              <a:ext uri="{FF2B5EF4-FFF2-40B4-BE49-F238E27FC236}">
+                <a16:creationId xmlns:a16="http://schemas.microsoft.com/office/drawing/2014/main" id="{084A5AFD-0287-42D4-8600-9C401F6999FE}"/>
+              </a:ext>
+            </a:extLst>
+          </p:cNvPr>
+          <p:cNvCxnSpPr>
+            <a:cxnSpLocks/>
+          </p:cNvCxnSpPr>
+          <p:nvPr/>
+        </p:nvCxnSpPr>
+        <p:spPr>
+          <a:xfrm>
+            <a:off x="2089568" y="1383977"/>
+            <a:ext cx="539099" cy="0"/>
+          </a:xfrm>
+          <a:prstGeom prst="straightConnector1">
+            <a:avLst/>
+          </a:prstGeom>
+          <a:ln>
+            <a:tailEnd type="triangle"/>
+          </a:ln>
+        </p:spPr>
+        <p:style>
+          <a:lnRef idx="1">
+            <a:schemeClr val="dk1"/>
+          </a:lnRef>
+          <a:fillRef idx="0">
+            <a:schemeClr val="dk1"/>
+          </a:fillRef>
+          <a:effectRef idx="0">
+            <a:schemeClr val="dk1"/>
+          </a:effectRef>
+          <a:fontRef idx="minor">
+            <a:schemeClr val="tx1"/>
+          </a:fontRef>
+        </p:style>
+      </p:cxnSp>
+      <p:cxnSp>
+        <p:nvCxnSpPr>
+          <p:cNvPr id="34" name="Straight Arrow Connector 33">
+            <a:extLst>
+              <a:ext uri="{FF2B5EF4-FFF2-40B4-BE49-F238E27FC236}">
+                <a16:creationId xmlns:a16="http://schemas.microsoft.com/office/drawing/2014/main" id="{2C156D39-358C-40CD-AA6C-572B1B982A57}"/>
+              </a:ext>
+            </a:extLst>
+          </p:cNvPr>
+          <p:cNvCxnSpPr>
+            <a:cxnSpLocks/>
+          </p:cNvCxnSpPr>
+          <p:nvPr/>
+        </p:nvCxnSpPr>
+        <p:spPr>
+          <a:xfrm>
+            <a:off x="1357498" y="1949581"/>
+            <a:ext cx="1271169" cy="0"/>
+          </a:xfrm>
+          <a:prstGeom prst="straightConnector1">
+            <a:avLst/>
+          </a:prstGeom>
+          <a:ln>
+            <a:tailEnd type="triangle"/>
+          </a:ln>
+        </p:spPr>
+        <p:style>
+          <a:lnRef idx="1">
+            <a:schemeClr val="dk1"/>
+          </a:lnRef>
+          <a:fillRef idx="0">
+            <a:schemeClr val="dk1"/>
+          </a:fillRef>
+          <a:effectRef idx="0">
+            <a:schemeClr val="dk1"/>
+          </a:effectRef>
+          <a:fontRef idx="minor">
+            <a:schemeClr val="tx1"/>
+          </a:fontRef>
+        </p:style>
+      </p:cxnSp>
+      <p:cxnSp>
+        <p:nvCxnSpPr>
+          <p:cNvPr id="35" name="Straight Arrow Connector 34">
+            <a:extLst>
+              <a:ext uri="{FF2B5EF4-FFF2-40B4-BE49-F238E27FC236}">
+                <a16:creationId xmlns:a16="http://schemas.microsoft.com/office/drawing/2014/main" id="{FF74843B-411D-4777-99DD-6DEE827DC0A0}"/>
+              </a:ext>
+            </a:extLst>
+          </p:cNvPr>
+          <p:cNvCxnSpPr>
+            <a:cxnSpLocks/>
+          </p:cNvCxnSpPr>
+          <p:nvPr/>
+        </p:nvCxnSpPr>
+        <p:spPr>
+          <a:xfrm>
+            <a:off x="1357498" y="3309279"/>
+            <a:ext cx="1271169" cy="0"/>
+          </a:xfrm>
+          <a:prstGeom prst="straightConnector1">
+            <a:avLst/>
+          </a:prstGeom>
+          <a:ln>
+            <a:tailEnd type="triangle"/>
+          </a:ln>
+        </p:spPr>
+        <p:style>
+          <a:lnRef idx="1">
+            <a:schemeClr val="dk1"/>
+          </a:lnRef>
+          <a:fillRef idx="0">
+            <a:schemeClr val="dk1"/>
+          </a:fillRef>
+          <a:effectRef idx="0">
+            <a:schemeClr val="dk1"/>
+          </a:effectRef>
+          <a:fontRef idx="minor">
+            <a:schemeClr val="tx1"/>
+          </a:fontRef>
+        </p:style>
+      </p:cxnSp>
+      <p:cxnSp>
+        <p:nvCxnSpPr>
+          <p:cNvPr id="37" name="Straight Arrow Connector 36">
+            <a:extLst>
+              <a:ext uri="{FF2B5EF4-FFF2-40B4-BE49-F238E27FC236}">
+                <a16:creationId xmlns:a16="http://schemas.microsoft.com/office/drawing/2014/main" id="{312FF240-BF15-4578-AD0D-B0803AAA2494}"/>
+              </a:ext>
+            </a:extLst>
+          </p:cNvPr>
+          <p:cNvCxnSpPr>
+            <a:cxnSpLocks/>
+          </p:cNvCxnSpPr>
+          <p:nvPr/>
+        </p:nvCxnSpPr>
+        <p:spPr>
+          <a:xfrm>
+            <a:off x="1760442" y="2598643"/>
+            <a:ext cx="868225" cy="0"/>
+          </a:xfrm>
+          <a:prstGeom prst="straightConnector1">
+            <a:avLst/>
+          </a:prstGeom>
+          <a:ln>
+            <a:tailEnd type="triangle"/>
+          </a:ln>
+        </p:spPr>
+        <p:style>
+          <a:lnRef idx="1">
+            <a:schemeClr val="dk1"/>
+          </a:lnRef>
+          <a:fillRef idx="0">
+            <a:schemeClr val="dk1"/>
+          </a:fillRef>
+          <a:effectRef idx="0">
+            <a:schemeClr val="dk1"/>
+          </a:effectRef>
+          <a:fontRef idx="minor">
+            <a:schemeClr val="tx1"/>
+          </a:fontRef>
+        </p:style>
+      </p:cxnSp>
+      <p:cxnSp>
+        <p:nvCxnSpPr>
+          <p:cNvPr id="38" name="Straight Arrow Connector 37">
+            <a:extLst>
+              <a:ext uri="{FF2B5EF4-FFF2-40B4-BE49-F238E27FC236}">
+                <a16:creationId xmlns:a16="http://schemas.microsoft.com/office/drawing/2014/main" id="{A1D090F9-531A-4459-899D-E03FE8776E54}"/>
+              </a:ext>
+            </a:extLst>
+          </p:cNvPr>
+          <p:cNvCxnSpPr>
+            <a:cxnSpLocks/>
+          </p:cNvCxnSpPr>
+          <p:nvPr/>
+        </p:nvCxnSpPr>
+        <p:spPr>
+          <a:xfrm>
+            <a:off x="2260455" y="4258144"/>
+            <a:ext cx="368212" cy="0"/>
+          </a:xfrm>
+          <a:prstGeom prst="straightConnector1">
+            <a:avLst/>
+          </a:prstGeom>
+          <a:ln>
+            <a:tailEnd type="triangle"/>
+          </a:ln>
+        </p:spPr>
+        <p:style>
+          <a:lnRef idx="1">
+            <a:schemeClr val="dk1"/>
+          </a:lnRef>
+          <a:fillRef idx="0">
+            <a:schemeClr val="dk1"/>
+          </a:fillRef>
+          <a:effectRef idx="0">
+            <a:schemeClr val="dk1"/>
+          </a:effectRef>
+          <a:fontRef idx="minor">
+            <a:schemeClr val="tx1"/>
+          </a:fontRef>
+        </p:style>
+      </p:cxnSp>
+      <p:cxnSp>
+        <p:nvCxnSpPr>
+          <p:cNvPr id="39" name="Straight Arrow Connector 38">
+            <a:extLst>
+              <a:ext uri="{FF2B5EF4-FFF2-40B4-BE49-F238E27FC236}">
+                <a16:creationId xmlns:a16="http://schemas.microsoft.com/office/drawing/2014/main" id="{3CE2B19D-E2E1-44A3-B222-A6A510A9A66E}"/>
+              </a:ext>
+            </a:extLst>
+          </p:cNvPr>
+          <p:cNvCxnSpPr>
+            <a:cxnSpLocks/>
+          </p:cNvCxnSpPr>
+          <p:nvPr/>
+        </p:nvCxnSpPr>
+        <p:spPr>
+          <a:xfrm>
+            <a:off x="1911126" y="5203501"/>
+            <a:ext cx="717541" cy="0"/>
+          </a:xfrm>
+          <a:prstGeom prst="straightConnector1">
+            <a:avLst/>
+          </a:prstGeom>
+          <a:ln>
+            <a:tailEnd type="triangle"/>
+          </a:ln>
+        </p:spPr>
+        <p:style>
+          <a:lnRef idx="1">
+            <a:schemeClr val="dk1"/>
+          </a:lnRef>
+          <a:fillRef idx="0">
+            <a:schemeClr val="dk1"/>
+          </a:fillRef>
+          <a:effectRef idx="0">
+            <a:schemeClr val="dk1"/>
+          </a:effectRef>
+          <a:fontRef idx="minor">
+            <a:schemeClr val="tx1"/>
+          </a:fontRef>
+        </p:style>
+      </p:cxnSp>
+      <p:cxnSp>
+        <p:nvCxnSpPr>
+          <p:cNvPr id="40" name="Straight Arrow Connector 39">
+            <a:extLst>
+              <a:ext uri="{FF2B5EF4-FFF2-40B4-BE49-F238E27FC236}">
+                <a16:creationId xmlns:a16="http://schemas.microsoft.com/office/drawing/2014/main" id="{71E75160-70E8-4316-888F-B40DF4F2E808}"/>
+              </a:ext>
+            </a:extLst>
+          </p:cNvPr>
+          <p:cNvCxnSpPr>
+            <a:cxnSpLocks/>
+          </p:cNvCxnSpPr>
+          <p:nvPr/>
+        </p:nvCxnSpPr>
+        <p:spPr>
+          <a:xfrm>
+            <a:off x="2138577" y="5897740"/>
+            <a:ext cx="490090" cy="0"/>
+          </a:xfrm>
+          <a:prstGeom prst="straightConnector1">
+            <a:avLst/>
+          </a:prstGeom>
+          <a:ln>
+            <a:tailEnd type="triangle"/>
+          </a:ln>
+        </p:spPr>
+        <p:style>
+          <a:lnRef idx="1">
+            <a:schemeClr val="dk1"/>
+          </a:lnRef>
+          <a:fillRef idx="0">
+            <a:schemeClr val="dk1"/>
+          </a:fillRef>
+          <a:effectRef idx="0">
+            <a:schemeClr val="dk1"/>
+          </a:effectRef>
+          <a:fontRef idx="minor">
+            <a:schemeClr val="tx1"/>
+          </a:fontRef>
+        </p:style>
+      </p:cxnSp>
     </p:spTree>
     <p:extLst>
       <p:ext uri="{BB962C8B-B14F-4D97-AF65-F5344CB8AC3E}">
@@ -11843,7 +14116,7 @@
         </p:blipFill>
         <p:spPr>
           <a:xfrm>
-            <a:off x="419968" y="6086592"/>
+            <a:off x="419968" y="5968608"/>
             <a:ext cx="1596071" cy="286850"/>
           </a:xfrm>
           <a:prstGeom prst="rect">
@@ -11872,7 +14145,7 @@
         </p:blipFill>
         <p:spPr>
           <a:xfrm>
-            <a:off x="419968" y="4460570"/>
+            <a:off x="419968" y="3543450"/>
             <a:ext cx="1596071" cy="258820"/>
           </a:xfrm>
           <a:prstGeom prst="rect">
@@ -11896,13 +14169,13 @@
         </p:nvPicPr>
         <p:blipFill rotWithShape="1">
           <a:blip r:embed="rId2"/>
-          <a:srcRect t="49069" b="17774"/>
+          <a:srcRect t="49069" b="32791"/>
           <a:stretch/>
         </p:blipFill>
         <p:spPr>
           <a:xfrm>
-            <a:off x="444279" y="5167323"/>
-            <a:ext cx="1596071" cy="616987"/>
+            <a:off x="419968" y="4184989"/>
+            <a:ext cx="1596071" cy="337556"/>
           </a:xfrm>
           <a:prstGeom prst="rect">
             <a:avLst/>
@@ -11930,7 +14203,7 @@
         </p:blipFill>
         <p:spPr>
           <a:xfrm>
-            <a:off x="419968" y="2857630"/>
+            <a:off x="419968" y="2860621"/>
             <a:ext cx="1596071" cy="292285"/>
           </a:xfrm>
           <a:prstGeom prst="rect">
@@ -11994,7 +14267,7 @@
           <a:p>
             <a:fld id="{AF24159B-E4F0-491A-987A-BB36210A3487}" type="datetime1">
               <a:rPr lang="de-CH" noProof="0" smtClean="0"/>
-              <a:t>13.02.2022</a:t>
+              <a:t>16.02.2022</a:t>
             </a:fld>
             <a:endParaRPr lang="de-CH" noProof="0"/>
           </a:p>
@@ -12166,8 +14439,8 @@
         </p:nvCxnSpPr>
         <p:spPr>
           <a:xfrm>
-            <a:off x="1924002" y="2471969"/>
-            <a:ext cx="752997" cy="0"/>
+            <a:off x="1951770" y="2479343"/>
+            <a:ext cx="622312" cy="0"/>
           </a:xfrm>
           <a:prstGeom prst="straightConnector1">
             <a:avLst/>
@@ -12277,6 +14550,14 @@
             </a:r>
             <a:r>
               <a:rPr lang="en-US" sz="1500" dirty="0"/>
+              <a:t>. Used in </a:t>
+            </a:r>
+            <a:r>
+              <a:rPr lang="en-US" sz="1500" i="1" dirty="0" err="1"/>
+              <a:t>main.R</a:t>
+            </a:r>
+            <a:r>
+              <a:rPr lang="en-US" sz="1500" dirty="0"/>
               <a:t>.</a:t>
             </a:r>
           </a:p>
@@ -12298,8 +14579,8 @@
         </p:nvCxnSpPr>
         <p:spPr>
           <a:xfrm>
-            <a:off x="1545537" y="3067898"/>
-            <a:ext cx="1131462" cy="0"/>
+            <a:off x="1638989" y="3078263"/>
+            <a:ext cx="935093" cy="0"/>
           </a:xfrm>
           <a:prstGeom prst="straightConnector1">
             <a:avLst/>
@@ -12339,8 +14620,8 @@
         </p:nvCxnSpPr>
         <p:spPr>
           <a:xfrm>
-            <a:off x="1787617" y="4624140"/>
-            <a:ext cx="889382" cy="0"/>
+            <a:off x="1839056" y="3714394"/>
+            <a:ext cx="735026" cy="0"/>
           </a:xfrm>
           <a:prstGeom prst="straightConnector1">
             <a:avLst/>
@@ -12378,8 +14659,8 @@
         </p:nvSpPr>
         <p:spPr>
           <a:xfrm>
-            <a:off x="2704093" y="2889358"/>
-            <a:ext cx="9170396" cy="283464"/>
+            <a:off x="2704093" y="2888995"/>
+            <a:ext cx="9170396" cy="453236"/>
           </a:xfrm>
           <a:prstGeom prst="roundRect">
             <a:avLst/>
@@ -12418,11 +14699,19 @@
             </a:r>
             <a:r>
               <a:rPr lang="en-US" sz="1500" i="1" dirty="0" err="1"/>
-              <a:t>match.areas</a:t>
+              <a:t>match_areas.R</a:t>
             </a:r>
             <a:r>
               <a:rPr lang="en-US" sz="1500" dirty="0"/>
-              <a:t>.</a:t>
+              <a:t>. Used in </a:t>
+            </a:r>
+            <a:r>
+              <a:rPr lang="en-US" sz="1500" i="1" dirty="0" err="1"/>
+              <a:t>tidy_match_areas.R</a:t>
+            </a:r>
+            <a:r>
+              <a:rPr lang="en-US" sz="1500" dirty="0"/>
+              <a:t>. </a:t>
             </a:r>
           </a:p>
         </p:txBody>
@@ -12441,7 +14730,7 @@
         </p:nvSpPr>
         <p:spPr>
           <a:xfrm>
-            <a:off x="2704093" y="4420263"/>
+            <a:off x="2704093" y="3449866"/>
             <a:ext cx="9170395" cy="722162"/>
           </a:xfrm>
           <a:prstGeom prst="roundRect">
@@ -12489,7 +14778,15 @@
             </a:r>
             <a:r>
               <a:rPr lang="en-US" sz="1500" dirty="0"/>
-              <a:t>as input and matches the areas of the two GLOBIOM models (global and EU-forest-energy). The output of this script are .csv files containing the areas per land use type per year (each year is a separate file).</a:t>
+              <a:t>as input and matches the areas of the two GLOBIOM models (global and EU-forest-energy). The output of this script are .csv files containing the areas per land use type per year (each year is a separate file). Used in </a:t>
+            </a:r>
+            <a:r>
+              <a:rPr lang="en-US" sz="1500" i="1" dirty="0" err="1"/>
+              <a:t>tidy_match_areas.R</a:t>
+            </a:r>
+            <a:r>
+              <a:rPr lang="en-US" sz="1500" i="1" dirty="0"/>
+              <a:t>.</a:t>
             </a:r>
           </a:p>
         </p:txBody>
@@ -12508,7 +14805,7 @@
         </p:nvSpPr>
         <p:spPr>
           <a:xfrm>
-            <a:off x="2707596" y="5221416"/>
+            <a:off x="2707596" y="4290413"/>
             <a:ext cx="9166891" cy="283464"/>
           </a:xfrm>
           <a:prstGeom prst="roundRect">
@@ -12563,7 +14860,7 @@
         </p:nvSpPr>
         <p:spPr>
           <a:xfrm>
-            <a:off x="2704093" y="6144952"/>
+            <a:off x="2704093" y="6026968"/>
             <a:ext cx="9170394" cy="283464"/>
           </a:xfrm>
           <a:prstGeom prst="roundRect">
@@ -12612,49 +14909,8 @@
         </p:nvCxnSpPr>
         <p:spPr>
           <a:xfrm>
-            <a:off x="2024253" y="5390580"/>
-            <a:ext cx="652746" cy="0"/>
-          </a:xfrm>
-          <a:prstGeom prst="straightConnector1">
-            <a:avLst/>
-          </a:prstGeom>
-          <a:ln>
-            <a:tailEnd type="triangle"/>
-          </a:ln>
-        </p:spPr>
-        <p:style>
-          <a:lnRef idx="1">
-            <a:schemeClr val="dk1"/>
-          </a:lnRef>
-          <a:fillRef idx="0">
-            <a:schemeClr val="dk1"/>
-          </a:fillRef>
-          <a:effectRef idx="0">
-            <a:schemeClr val="dk1"/>
-          </a:effectRef>
-          <a:fontRef idx="minor">
-            <a:schemeClr val="tx1"/>
-          </a:fontRef>
-        </p:style>
-      </p:cxnSp>
-      <p:cxnSp>
-        <p:nvCxnSpPr>
-          <p:cNvPr id="17" name="Straight Arrow Connector 16">
-            <a:extLst>
-              <a:ext uri="{FF2B5EF4-FFF2-40B4-BE49-F238E27FC236}">
-                <a16:creationId xmlns:a16="http://schemas.microsoft.com/office/drawing/2014/main" id="{A8D9E505-A0BA-41DF-A7AC-83FF45C20E99}"/>
-              </a:ext>
-            </a:extLst>
-          </p:cNvPr>
-          <p:cNvCxnSpPr>
-            <a:cxnSpLocks/>
-          </p:cNvCxnSpPr>
-          <p:nvPr/>
-        </p:nvCxnSpPr>
-        <p:spPr>
-          <a:xfrm>
-            <a:off x="1483898" y="5666773"/>
-            <a:ext cx="1193101" cy="0"/>
+            <a:off x="2034623" y="4392916"/>
+            <a:ext cx="539459" cy="0"/>
           </a:xfrm>
           <a:prstGeom prst="straightConnector1">
             <a:avLst/>
@@ -12694,8 +14950,8 @@
         </p:nvCxnSpPr>
         <p:spPr>
           <a:xfrm>
-            <a:off x="1386200" y="6251675"/>
-            <a:ext cx="1290799" cy="0"/>
+            <a:off x="1400628" y="6133691"/>
+            <a:ext cx="1173454" cy="0"/>
           </a:xfrm>
           <a:prstGeom prst="straightConnector1">
             <a:avLst/>
@@ -12733,7 +14989,7 @@
         </p:nvSpPr>
         <p:spPr>
           <a:xfrm>
-            <a:off x="2704093" y="5566214"/>
+            <a:off x="2704093" y="4668409"/>
             <a:ext cx="9173582" cy="521693"/>
           </a:xfrm>
           <a:prstGeom prst="roundRect">
@@ -12780,10 +15036,10 @@
       </p:sp>
       <p:pic>
         <p:nvPicPr>
-          <p:cNvPr id="24" name="Picture 23">
-            <a:extLst>
-              <a:ext uri="{FF2B5EF4-FFF2-40B4-BE49-F238E27FC236}">
-                <a16:creationId xmlns:a16="http://schemas.microsoft.com/office/drawing/2014/main" id="{508BF06A-6A86-4830-AA7A-941825C95F95}"/>
+          <p:cNvPr id="25" name="Picture 24">
+            <a:extLst>
+              <a:ext uri="{FF2B5EF4-FFF2-40B4-BE49-F238E27FC236}">
+                <a16:creationId xmlns:a16="http://schemas.microsoft.com/office/drawing/2014/main" id="{9871A444-5E58-4C9B-9F96-401E44F214DE}"/>
               </a:ext>
             </a:extLst>
           </p:cNvPr>
@@ -12800,127 +15056,49 @@
         </p:blipFill>
         <p:spPr>
           <a:xfrm>
-            <a:off x="419968" y="3615727"/>
-            <a:ext cx="1932464" cy="520529"/>
+            <a:off x="472346" y="5450604"/>
+            <a:ext cx="1047565" cy="266772"/>
           </a:xfrm>
           <a:prstGeom prst="rect">
             <a:avLst/>
           </a:prstGeom>
         </p:spPr>
       </p:pic>
-      <p:sp>
-        <p:nvSpPr>
-          <p:cNvPr id="28" name="Rectangle: Rounded Corners 27">
-            <a:extLst>
-              <a:ext uri="{FF2B5EF4-FFF2-40B4-BE49-F238E27FC236}">
-                <a16:creationId xmlns:a16="http://schemas.microsoft.com/office/drawing/2014/main" id="{312256C8-28C0-47ED-862F-B2DA91346034}"/>
-              </a:ext>
-            </a:extLst>
-          </p:cNvPr>
-          <p:cNvSpPr/>
+      <p:pic>
+        <p:nvPicPr>
+          <p:cNvPr id="31" name="Content Placeholder 6">
+            <a:extLst>
+              <a:ext uri="{FF2B5EF4-FFF2-40B4-BE49-F238E27FC236}">
+                <a16:creationId xmlns:a16="http://schemas.microsoft.com/office/drawing/2014/main" id="{4B257772-631B-4293-9502-CD53525480C2}"/>
+              </a:ext>
+            </a:extLst>
+          </p:cNvPr>
+          <p:cNvPicPr>
+            <a:picLocks noChangeAspect="1"/>
+          </p:cNvPicPr>
           <p:nvPr/>
-        </p:nvSpPr>
-        <p:spPr>
-          <a:xfrm>
-            <a:off x="2739286" y="3240170"/>
-            <a:ext cx="9170396" cy="1119249"/>
-          </a:xfrm>
-          <a:prstGeom prst="roundRect">
-            <a:avLst/>
-          </a:prstGeom>
-          <a:ln/>
-        </p:spPr>
-        <p:style>
-          <a:lnRef idx="2">
-            <a:schemeClr val="dk1"/>
-          </a:lnRef>
-          <a:fillRef idx="1">
-            <a:schemeClr val="lt1"/>
-          </a:fillRef>
-          <a:effectRef idx="0">
-            <a:schemeClr val="dk1"/>
-          </a:effectRef>
-          <a:fontRef idx="minor">
-            <a:schemeClr val="dk1"/>
-          </a:fontRef>
-        </p:style>
-        <p:txBody>
-          <a:bodyPr rtlCol="0" anchor="ctr"/>
-          <a:lstStyle/>
-          <a:p>
-            <a:r>
-              <a:rPr lang="en-US" sz="1500" dirty="0"/>
-              <a:t>.</a:t>
-            </a:r>
-            <a:r>
-              <a:rPr lang="en-US" sz="1500" dirty="0" err="1"/>
-              <a:t>Rdata</a:t>
-            </a:r>
-            <a:r>
-              <a:rPr lang="en-US" sz="1500" dirty="0"/>
-              <a:t> files produced by </a:t>
-            </a:r>
-            <a:r>
-              <a:rPr lang="en-US" sz="1500" i="1" dirty="0" err="1"/>
-              <a:t>tidy_areas.R</a:t>
-            </a:r>
-            <a:r>
-              <a:rPr lang="en-US" sz="1500" dirty="0"/>
-              <a:t>. </a:t>
-            </a:r>
-            <a:r>
-              <a:rPr lang="en-US" sz="1500" i="1" dirty="0"/>
-              <a:t>areas-to-</a:t>
-            </a:r>
-            <a:r>
-              <a:rPr lang="en-US" sz="1500" i="1" dirty="0" err="1"/>
-              <a:t>match.Rdata</a:t>
-            </a:r>
-            <a:r>
-              <a:rPr lang="en-US" sz="1500" i="1" dirty="0"/>
-              <a:t> </a:t>
-            </a:r>
-            <a:r>
-              <a:rPr lang="en-US" sz="1500" dirty="0"/>
-              <a:t>contains the areas under the default settings. </a:t>
-            </a:r>
-            <a:r>
-              <a:rPr lang="en-US" sz="1500" i="1" dirty="0"/>
-              <a:t>areas-to-</a:t>
-            </a:r>
-            <a:r>
-              <a:rPr lang="en-US" sz="1500" i="1" dirty="0" err="1"/>
-              <a:t>match_timber.Rdata</a:t>
-            </a:r>
-            <a:r>
-              <a:rPr lang="en-US" sz="1500" i="1" dirty="0"/>
-              <a:t> </a:t>
-            </a:r>
-            <a:r>
-              <a:rPr lang="en-US" sz="1500" dirty="0"/>
-              <a:t>contains instead the areas including the option “timber”, which means that in the GLOBIOM model part of EU clear-cut areas have been replaced by timber plantations. In </a:t>
-            </a:r>
-            <a:r>
-              <a:rPr lang="en-US" sz="1500" i="1" dirty="0" err="1"/>
-              <a:t>do_tidy_match.R</a:t>
-            </a:r>
-            <a:r>
-              <a:rPr lang="en-US" sz="1500" i="1" dirty="0"/>
-              <a:t> </a:t>
-            </a:r>
-            <a:r>
-              <a:rPr lang="en-US" sz="1500" dirty="0"/>
-              <a:t>it is possible to select which option to consider (with or without timber plantations) and adjust other settings.</a:t>
-            </a:r>
-          </a:p>
-        </p:txBody>
-      </p:sp>
+        </p:nvPicPr>
+        <p:blipFill rotWithShape="1">
+          <a:blip r:embed="rId2"/>
+          <a:srcRect t="66811" b="17774"/>
+          <a:stretch/>
+        </p:blipFill>
+        <p:spPr>
+          <a:xfrm>
+            <a:off x="419968" y="4757550"/>
+            <a:ext cx="1596071" cy="286850"/>
+          </a:xfrm>
+          <a:prstGeom prst="rect">
+            <a:avLst/>
+          </a:prstGeom>
+        </p:spPr>
+      </p:pic>
       <p:cxnSp>
         <p:nvCxnSpPr>
-          <p:cNvPr id="29" name="Straight Arrow Connector 28">
-            <a:extLst>
-              <a:ext uri="{FF2B5EF4-FFF2-40B4-BE49-F238E27FC236}">
-                <a16:creationId xmlns:a16="http://schemas.microsoft.com/office/drawing/2014/main" id="{FC1E9370-ADDF-47A6-8555-B7C6BDA18312}"/>
+          <p:cNvPr id="17" name="Straight Arrow Connector 16">
+            <a:extLst>
+              <a:ext uri="{FF2B5EF4-FFF2-40B4-BE49-F238E27FC236}">
+                <a16:creationId xmlns:a16="http://schemas.microsoft.com/office/drawing/2014/main" id="{A8D9E505-A0BA-41DF-A7AC-83FF45C20E99}"/>
               </a:ext>
             </a:extLst>
           </p:cNvPr>
@@ -12931,8 +15109,8 @@
         </p:nvCxnSpPr>
         <p:spPr>
           <a:xfrm>
-            <a:off x="2532667" y="3862501"/>
-            <a:ext cx="144332" cy="0"/>
+            <a:off x="1489443" y="4938610"/>
+            <a:ext cx="1084639" cy="0"/>
           </a:xfrm>
           <a:prstGeom prst="straightConnector1">
             <a:avLst/>
@@ -12958,10 +15136,10 @@
       </p:cxnSp>
       <p:sp>
         <p:nvSpPr>
-          <p:cNvPr id="30" name="Right Brace 29">
-            <a:extLst>
-              <a:ext uri="{FF2B5EF4-FFF2-40B4-BE49-F238E27FC236}">
-                <a16:creationId xmlns:a16="http://schemas.microsoft.com/office/drawing/2014/main" id="{6187DF6A-1671-4297-9931-6E7F41B73428}"/>
+          <p:cNvPr id="32" name="Rectangle: Rounded Corners 31">
+            <a:extLst>
+              <a:ext uri="{FF2B5EF4-FFF2-40B4-BE49-F238E27FC236}">
+                <a16:creationId xmlns:a16="http://schemas.microsoft.com/office/drawing/2014/main" id="{F3463D40-6FE7-496B-B205-8FDBC0A060C2}"/>
               </a:ext>
             </a:extLst>
           </p:cNvPr>
@@ -12970,15 +15148,96 @@
         </p:nvSpPr>
         <p:spPr>
           <a:xfrm>
-            <a:off x="2327505" y="3646917"/>
-            <a:ext cx="142875" cy="431168"/>
-          </a:xfrm>
-          <a:prstGeom prst="rightBrace">
-            <a:avLst>
-              <a:gd name="adj1" fmla="val 36901"/>
-              <a:gd name="adj2" fmla="val 50000"/>
-            </a:avLst>
-          </a:prstGeom>
+            <a:off x="2704093" y="5332340"/>
+            <a:ext cx="9170394" cy="552390"/>
+          </a:xfrm>
+          <a:prstGeom prst="roundRect">
+            <a:avLst/>
+          </a:prstGeom>
+          <a:ln/>
+        </p:spPr>
+        <p:style>
+          <a:lnRef idx="2">
+            <a:schemeClr val="dk1"/>
+          </a:lnRef>
+          <a:fillRef idx="1">
+            <a:schemeClr val="lt1"/>
+          </a:fillRef>
+          <a:effectRef idx="0">
+            <a:schemeClr val="dk1"/>
+          </a:effectRef>
+          <a:fontRef idx="minor">
+            <a:schemeClr val="dk1"/>
+          </a:fontRef>
+        </p:style>
+        <p:txBody>
+          <a:bodyPr rtlCol="0" anchor="ctr"/>
+          <a:lstStyle/>
+          <a:p>
+            <a:r>
+              <a:rPr lang="en-US" sz="1500" dirty="0"/>
+              <a:t>Script that calculates the VS for plants from the global and regional CFs of </a:t>
+            </a:r>
+            <a:r>
+              <a:rPr lang="en-US" sz="1500" dirty="0" err="1"/>
+              <a:t>LCImpact</a:t>
+            </a:r>
+            <a:r>
+              <a:rPr lang="en-US" sz="1500" dirty="0"/>
+              <a:t>, as explained in </a:t>
+            </a:r>
+            <a:r>
+              <a:rPr lang="en-US" sz="1500" i="1" dirty="0"/>
+              <a:t>data/</a:t>
+            </a:r>
+            <a:r>
+              <a:rPr lang="en-US" sz="1500" i="1" dirty="0" err="1"/>
+              <a:t>model_parameters</a:t>
+            </a:r>
+            <a:r>
+              <a:rPr lang="en-US" sz="1500" i="1" dirty="0"/>
+              <a:t>/</a:t>
+            </a:r>
+            <a:r>
+              <a:rPr lang="en-US" sz="1500" i="1" dirty="0" err="1"/>
+              <a:t>ecoregions_data</a:t>
+            </a:r>
+            <a:r>
+              <a:rPr lang="en-US" sz="1500" i="1" dirty="0"/>
+              <a:t>/VS.</a:t>
+            </a:r>
+            <a:r>
+              <a:rPr lang="en-US" sz="1500" dirty="0"/>
+              <a:t> </a:t>
+            </a:r>
+          </a:p>
+        </p:txBody>
+      </p:sp>
+      <p:cxnSp>
+        <p:nvCxnSpPr>
+          <p:cNvPr id="33" name="Straight Arrow Connector 32">
+            <a:extLst>
+              <a:ext uri="{FF2B5EF4-FFF2-40B4-BE49-F238E27FC236}">
+                <a16:creationId xmlns:a16="http://schemas.microsoft.com/office/drawing/2014/main" id="{DD1EB9D9-9D99-4B20-B37D-BD352F7EA7F1}"/>
+              </a:ext>
+            </a:extLst>
+          </p:cNvPr>
+          <p:cNvCxnSpPr>
+            <a:cxnSpLocks/>
+          </p:cNvCxnSpPr>
+          <p:nvPr/>
+        </p:nvCxnSpPr>
+        <p:spPr>
+          <a:xfrm>
+            <a:off x="1588047" y="5597524"/>
+            <a:ext cx="986035" cy="0"/>
+          </a:xfrm>
+          <a:prstGeom prst="straightConnector1">
+            <a:avLst/>
+          </a:prstGeom>
+          <a:ln>
+            <a:tailEnd type="triangle"/>
+          </a:ln>
         </p:spPr>
         <p:style>
           <a:lnRef idx="1">
@@ -12994,15 +15253,7 @@
             <a:schemeClr val="tx1"/>
           </a:fontRef>
         </p:style>
-        <p:txBody>
-          <a:bodyPr rtlCol="0" anchor="ctr"/>
-          <a:lstStyle/>
-          <a:p>
-            <a:pPr algn="ctr"/>
-            <a:endParaRPr lang="en-US"/>
-          </a:p>
-        </p:txBody>
-      </p:sp>
+      </p:cxnSp>
     </p:spTree>
     <p:extLst>
       <p:ext uri="{BB962C8B-B14F-4D97-AF65-F5344CB8AC3E}">
@@ -13055,8 +15306,8 @@
         </p:blipFill>
         <p:spPr>
           <a:xfrm>
-            <a:off x="87058" y="2311604"/>
-            <a:ext cx="1653330" cy="354285"/>
+            <a:off x="220281" y="2342348"/>
+            <a:ext cx="1366388" cy="292797"/>
           </a:xfrm>
           <a:prstGeom prst="rect">
             <a:avLst/>
@@ -13085,8 +15336,8 @@
         </p:blipFill>
         <p:spPr>
           <a:xfrm>
-            <a:off x="87058" y="2806429"/>
-            <a:ext cx="1566727" cy="354285"/>
+            <a:off x="220281" y="2837173"/>
+            <a:ext cx="1294815" cy="292797"/>
           </a:xfrm>
           <a:prstGeom prst="rect">
             <a:avLst/>
@@ -13115,8 +15366,8 @@
         </p:blipFill>
         <p:spPr>
           <a:xfrm>
-            <a:off x="87058" y="3261304"/>
-            <a:ext cx="2354027" cy="330666"/>
+            <a:off x="242403" y="3289999"/>
+            <a:ext cx="1945477" cy="273277"/>
           </a:xfrm>
           <a:prstGeom prst="rect">
             <a:avLst/>
@@ -13145,8 +15396,8 @@
         </p:blipFill>
         <p:spPr>
           <a:xfrm>
-            <a:off x="87058" y="3848931"/>
-            <a:ext cx="1606092" cy="346412"/>
+            <a:off x="220281" y="3878992"/>
+            <a:ext cx="1327349" cy="286291"/>
           </a:xfrm>
           <a:prstGeom prst="rect">
             <a:avLst/>
@@ -13175,8 +15426,8 @@
         </p:blipFill>
         <p:spPr>
           <a:xfrm>
-            <a:off x="87058" y="4457620"/>
-            <a:ext cx="1535235" cy="354285"/>
+            <a:off x="190785" y="4488364"/>
+            <a:ext cx="1268789" cy="292797"/>
           </a:xfrm>
           <a:prstGeom prst="rect">
             <a:avLst/>
@@ -13205,8 +15456,8 @@
         </p:blipFill>
         <p:spPr>
           <a:xfrm>
-            <a:off x="87058" y="5062114"/>
-            <a:ext cx="1865901" cy="393650"/>
+            <a:off x="220281" y="5096274"/>
+            <a:ext cx="1542067" cy="325331"/>
           </a:xfrm>
           <a:prstGeom prst="rect">
             <a:avLst/>
@@ -13235,8 +15486,8 @@
         </p:blipFill>
         <p:spPr>
           <a:xfrm>
-            <a:off x="87058" y="5695904"/>
-            <a:ext cx="3243676" cy="653459"/>
+            <a:off x="220281" y="5752609"/>
+            <a:ext cx="2680724" cy="540049"/>
           </a:xfrm>
           <a:prstGeom prst="rect">
             <a:avLst/>
@@ -13302,7 +15553,7 @@
           <a:p>
             <a:fld id="{AF24159B-E4F0-491A-987A-BB36210A3487}" type="datetime1">
               <a:rPr lang="de-CH" noProof="0" smtClean="0"/>
-              <a:t>13.02.2022</a:t>
+              <a:t>16.02.2022</a:t>
             </a:fld>
             <a:endParaRPr lang="de-CH" noProof="0"/>
           </a:p>
@@ -13395,8 +15646,8 @@
         </p:blipFill>
         <p:spPr>
           <a:xfrm>
-            <a:off x="10378152" y="1818256"/>
-            <a:ext cx="1566727" cy="354285"/>
+            <a:off x="10469864" y="1849000"/>
+            <a:ext cx="1294815" cy="292797"/>
           </a:xfrm>
         </p:spPr>
       </p:pic>
@@ -13506,7 +15757,7 @@
         <p:spPr>
           <a:xfrm flipH="1">
             <a:off x="5430915" y="224922"/>
-            <a:ext cx="2438907" cy="781423"/>
+            <a:ext cx="2438907" cy="812167"/>
           </a:xfrm>
           <a:prstGeom prst="straightConnector1">
             <a:avLst/>
@@ -13556,8 +15807,8 @@
         </p:blipFill>
         <p:spPr>
           <a:xfrm>
-            <a:off x="4604250" y="1522240"/>
-            <a:ext cx="1865901" cy="393650"/>
+            <a:off x="4766167" y="1556400"/>
+            <a:ext cx="1542067" cy="325331"/>
           </a:xfrm>
           <a:prstGeom prst="rect">
             <a:avLst/>
@@ -13616,8 +15867,8 @@
         </p:blipFill>
         <p:spPr>
           <a:xfrm>
-            <a:off x="4604250" y="1006345"/>
-            <a:ext cx="1653330" cy="354285"/>
+            <a:off x="4747721" y="1037089"/>
+            <a:ext cx="1366388" cy="292797"/>
           </a:xfrm>
           <a:prstGeom prst="rect">
             <a:avLst/>
@@ -13646,8 +15897,8 @@
         </p:blipFill>
         <p:spPr>
           <a:xfrm>
-            <a:off x="10537566" y="1501181"/>
-            <a:ext cx="1535235" cy="354285"/>
+            <a:off x="10560179" y="1517177"/>
+            <a:ext cx="1268789" cy="292797"/>
           </a:xfrm>
           <a:prstGeom prst="rect">
             <a:avLst/>
@@ -13676,8 +15927,8 @@
         </p:blipFill>
         <p:spPr>
           <a:xfrm>
-            <a:off x="470770" y="1103900"/>
-            <a:ext cx="3243676" cy="653459"/>
+            <a:off x="988220" y="1160605"/>
+            <a:ext cx="2680724" cy="540049"/>
           </a:xfrm>
           <a:prstGeom prst="rect">
             <a:avLst/>
@@ -13711,8 +15962,8 @@
         </p:blipFill>
         <p:spPr>
           <a:xfrm>
-            <a:off x="9769388" y="981540"/>
-            <a:ext cx="2354027" cy="330666"/>
+            <a:off x="9826181" y="1010235"/>
+            <a:ext cx="1945477" cy="273277"/>
           </a:xfrm>
           <a:prstGeom prst="rect">
             <a:avLst/>
@@ -13735,8 +15986,8 @@
         </p:nvCxnSpPr>
         <p:spPr>
           <a:xfrm rot="10800000">
-            <a:off x="10386144" y="1396176"/>
-            <a:ext cx="171783" cy="294373"/>
+            <a:off x="10386144" y="1421720"/>
+            <a:ext cx="171783" cy="243284"/>
           </a:xfrm>
           <a:prstGeom prst="bentConnector2">
             <a:avLst/>
@@ -13777,8 +16028,8 @@
         </p:nvCxnSpPr>
         <p:spPr>
           <a:xfrm rot="10800000">
-            <a:off x="10238768" y="1392679"/>
-            <a:ext cx="139384" cy="602721"/>
+            <a:off x="10194526" y="1446227"/>
+            <a:ext cx="275338" cy="549173"/>
           </a:xfrm>
           <a:prstGeom prst="bentConnector2">
             <a:avLst/>
@@ -15219,41 +17470,12 @@
           <a:chExt cx="0" cy="0"/>
         </a:xfrm>
       </p:grpSpPr>
-      <p:pic>
-        <p:nvPicPr>
-          <p:cNvPr id="40" name="Picture 39">
-            <a:extLst>
-              <a:ext uri="{FF2B5EF4-FFF2-40B4-BE49-F238E27FC236}">
-                <a16:creationId xmlns:a16="http://schemas.microsoft.com/office/drawing/2014/main" id="{DD532B26-980C-45FB-ADF2-B36A4A4FB66C}"/>
-              </a:ext>
-            </a:extLst>
-          </p:cNvPr>
-          <p:cNvPicPr>
-            <a:picLocks noChangeAspect="1"/>
-          </p:cNvPicPr>
-          <p:nvPr/>
-        </p:nvPicPr>
-        <p:blipFill rotWithShape="1">
-          <a:blip r:embed="rId2"/>
-          <a:srcRect b="83170"/>
-          <a:stretch/>
-        </p:blipFill>
-        <p:spPr>
-          <a:xfrm>
-            <a:off x="839839" y="1298028"/>
-            <a:ext cx="3019846" cy="396008"/>
-          </a:xfrm>
-          <a:prstGeom prst="rect">
-            <a:avLst/>
-          </a:prstGeom>
-        </p:spPr>
-      </p:pic>
       <p:sp>
         <p:nvSpPr>
           <p:cNvPr id="2" name="Title 1">
             <a:extLst>
               <a:ext uri="{FF2B5EF4-FFF2-40B4-BE49-F238E27FC236}">
-                <a16:creationId xmlns:a16="http://schemas.microsoft.com/office/drawing/2014/main" id="{8943DDBD-0DAF-4F98-B87B-5544C1631230}"/>
+                <a16:creationId xmlns:a16="http://schemas.microsoft.com/office/drawing/2014/main" id="{E3B833BA-155A-4C5F-B1D5-000C537B7242}"/>
               </a:ext>
             </a:extLst>
           </p:cNvPr>
@@ -15271,17 +17493,46 @@
           <a:p>
             <a:r>
               <a:rPr lang="en-US" dirty="0"/>
-              <a:t>5 - aggregation_plotting/</a:t>
-            </a:r>
-          </a:p>
-        </p:txBody>
-      </p:sp>
+              <a:t>2c – scripts/aggregation</a:t>
+            </a:r>
+          </a:p>
+        </p:txBody>
+      </p:sp>
+      <p:pic>
+        <p:nvPicPr>
+          <p:cNvPr id="8" name="Content Placeholder 7">
+            <a:extLst>
+              <a:ext uri="{FF2B5EF4-FFF2-40B4-BE49-F238E27FC236}">
+                <a16:creationId xmlns:a16="http://schemas.microsoft.com/office/drawing/2014/main" id="{18693AF9-DB03-4F82-BB18-406BD6F15900}"/>
+              </a:ext>
+            </a:extLst>
+          </p:cNvPr>
+          <p:cNvPicPr>
+            <a:picLocks noGrp="1" noChangeAspect="1"/>
+          </p:cNvPicPr>
+          <p:nvPr>
+            <p:ph idx="1"/>
+          </p:nvPr>
+        </p:nvPicPr>
+        <p:blipFill>
+          <a:blip r:embed="rId2"/>
+          <a:stretch>
+            <a:fillRect/>
+          </a:stretch>
+        </p:blipFill>
+        <p:spPr>
+          <a:xfrm>
+            <a:off x="204907" y="1279418"/>
+            <a:ext cx="1626653" cy="553062"/>
+          </a:xfrm>
+        </p:spPr>
+      </p:pic>
       <p:sp>
         <p:nvSpPr>
           <p:cNvPr id="4" name="Date Placeholder 3">
             <a:extLst>
               <a:ext uri="{FF2B5EF4-FFF2-40B4-BE49-F238E27FC236}">
-                <a16:creationId xmlns:a16="http://schemas.microsoft.com/office/drawing/2014/main" id="{14805272-AFD2-4609-9D33-280B9C18C1F4}"/>
+                <a16:creationId xmlns:a16="http://schemas.microsoft.com/office/drawing/2014/main" id="{8D378AC1-0C93-48D9-B605-FFCE9FAF05F3}"/>
               </a:ext>
             </a:extLst>
           </p:cNvPr>
@@ -15299,7 +17550,7 @@
           <a:p>
             <a:fld id="{AF24159B-E4F0-491A-987A-BB36210A3487}" type="datetime1">
               <a:rPr lang="de-CH" noProof="0" smtClean="0"/>
-              <a:t>13.02.2022</a:t>
+              <a:t>16.02.2022</a:t>
             </a:fld>
             <a:endParaRPr lang="de-CH" noProof="0"/>
           </a:p>
@@ -15310,7 +17561,7 @@
           <p:cNvPr id="5" name="Footer Placeholder 4">
             <a:extLst>
               <a:ext uri="{FF2B5EF4-FFF2-40B4-BE49-F238E27FC236}">
-                <a16:creationId xmlns:a16="http://schemas.microsoft.com/office/drawing/2014/main" id="{B0B4A68A-D413-4C01-831D-1AFA7C0E1D1E}"/>
+                <a16:creationId xmlns:a16="http://schemas.microsoft.com/office/drawing/2014/main" id="{4C78B408-DA72-439F-BF0A-E2FCF5267D30}"/>
               </a:ext>
             </a:extLst>
           </p:cNvPr>
@@ -15339,7 +17590,7 @@
           <p:cNvPr id="6" name="Slide Number Placeholder 5">
             <a:extLst>
               <a:ext uri="{FF2B5EF4-FFF2-40B4-BE49-F238E27FC236}">
-                <a16:creationId xmlns:a16="http://schemas.microsoft.com/office/drawing/2014/main" id="{891F89F2-2B40-4EDB-87F0-CF82FC02FB0A}"/>
+                <a16:creationId xmlns:a16="http://schemas.microsoft.com/office/drawing/2014/main" id="{BB0323FB-FC1C-451E-87DC-5B29294DEA28}"/>
               </a:ext>
             </a:extLst>
           </p:cNvPr>
@@ -15363,12 +17614,173 @@
           </a:p>
         </p:txBody>
       </p:sp>
-      <p:sp>
-        <p:nvSpPr>
-          <p:cNvPr id="30" name="Rectangle: Rounded Corners 29">
-            <a:extLst>
-              <a:ext uri="{FF2B5EF4-FFF2-40B4-BE49-F238E27FC236}">
-                <a16:creationId xmlns:a16="http://schemas.microsoft.com/office/drawing/2014/main" id="{E736D7B8-5A5D-417B-B619-001488CE144F}"/>
+      <p:pic>
+        <p:nvPicPr>
+          <p:cNvPr id="10" name="Picture 9">
+            <a:extLst>
+              <a:ext uri="{FF2B5EF4-FFF2-40B4-BE49-F238E27FC236}">
+                <a16:creationId xmlns:a16="http://schemas.microsoft.com/office/drawing/2014/main" id="{9CDCA6D2-058D-43F9-8515-404EED86AA0B}"/>
+              </a:ext>
+            </a:extLst>
+          </p:cNvPr>
+          <p:cNvPicPr>
+            <a:picLocks noChangeAspect="1"/>
+          </p:cNvPicPr>
+          <p:nvPr/>
+        </p:nvPicPr>
+        <p:blipFill>
+          <a:blip r:embed="rId3"/>
+          <a:stretch>
+            <a:fillRect/>
+          </a:stretch>
+        </p:blipFill>
+        <p:spPr>
+          <a:xfrm>
+            <a:off x="204907" y="2321860"/>
+            <a:ext cx="1737265" cy="819833"/>
+          </a:xfrm>
+          <a:prstGeom prst="rect">
+            <a:avLst/>
+          </a:prstGeom>
+        </p:spPr>
+      </p:pic>
+      <p:pic>
+        <p:nvPicPr>
+          <p:cNvPr id="12" name="Picture 11">
+            <a:extLst>
+              <a:ext uri="{FF2B5EF4-FFF2-40B4-BE49-F238E27FC236}">
+                <a16:creationId xmlns:a16="http://schemas.microsoft.com/office/drawing/2014/main" id="{55C2FF07-6D45-4DE3-886D-5F7CF94D442D}"/>
+              </a:ext>
+            </a:extLst>
+          </p:cNvPr>
+          <p:cNvPicPr>
+            <a:picLocks noChangeAspect="1"/>
+          </p:cNvPicPr>
+          <p:nvPr/>
+        </p:nvPicPr>
+        <p:blipFill>
+          <a:blip r:embed="rId4"/>
+          <a:stretch>
+            <a:fillRect/>
+          </a:stretch>
+        </p:blipFill>
+        <p:spPr>
+          <a:xfrm>
+            <a:off x="204907" y="4480431"/>
+            <a:ext cx="1639665" cy="266772"/>
+          </a:xfrm>
+          <a:prstGeom prst="rect">
+            <a:avLst/>
+          </a:prstGeom>
+        </p:spPr>
+      </p:pic>
+      <p:pic>
+        <p:nvPicPr>
+          <p:cNvPr id="14" name="Picture 13">
+            <a:extLst>
+              <a:ext uri="{FF2B5EF4-FFF2-40B4-BE49-F238E27FC236}">
+                <a16:creationId xmlns:a16="http://schemas.microsoft.com/office/drawing/2014/main" id="{E2156D53-AEB8-4C85-AAEF-A711C0C55487}"/>
+              </a:ext>
+            </a:extLst>
+          </p:cNvPr>
+          <p:cNvPicPr>
+            <a:picLocks noChangeAspect="1"/>
+          </p:cNvPicPr>
+          <p:nvPr/>
+        </p:nvPicPr>
+        <p:blipFill>
+          <a:blip r:embed="rId5"/>
+          <a:stretch>
+            <a:fillRect/>
+          </a:stretch>
+        </p:blipFill>
+        <p:spPr>
+          <a:xfrm>
+            <a:off x="204907" y="5465319"/>
+            <a:ext cx="2030063" cy="266772"/>
+          </a:xfrm>
+          <a:prstGeom prst="rect">
+            <a:avLst/>
+          </a:prstGeom>
+        </p:spPr>
+      </p:pic>
+      <p:pic>
+        <p:nvPicPr>
+          <p:cNvPr id="16" name="Picture 15">
+            <a:extLst>
+              <a:ext uri="{FF2B5EF4-FFF2-40B4-BE49-F238E27FC236}">
+                <a16:creationId xmlns:a16="http://schemas.microsoft.com/office/drawing/2014/main" id="{88E74792-219B-4D54-ACDC-775255D2FCD5}"/>
+              </a:ext>
+            </a:extLst>
+          </p:cNvPr>
+          <p:cNvPicPr>
+            <a:picLocks noChangeAspect="1"/>
+          </p:cNvPicPr>
+          <p:nvPr/>
+        </p:nvPicPr>
+        <p:blipFill>
+          <a:blip r:embed="rId6"/>
+          <a:stretch>
+            <a:fillRect/>
+          </a:stretch>
+        </p:blipFill>
+        <p:spPr>
+          <a:xfrm>
+            <a:off x="204907" y="3579233"/>
+            <a:ext cx="1769798" cy="279785"/>
+          </a:xfrm>
+          <a:prstGeom prst="rect">
+            <a:avLst/>
+          </a:prstGeom>
+        </p:spPr>
+      </p:pic>
+      <p:cxnSp>
+        <p:nvCxnSpPr>
+          <p:cNvPr id="17" name="Straight Arrow Connector 16">
+            <a:extLst>
+              <a:ext uri="{FF2B5EF4-FFF2-40B4-BE49-F238E27FC236}">
+                <a16:creationId xmlns:a16="http://schemas.microsoft.com/office/drawing/2014/main" id="{25D35313-F29C-4D7C-8FDB-1C1D54E8D3BB}"/>
+              </a:ext>
+            </a:extLst>
+          </p:cNvPr>
+          <p:cNvCxnSpPr>
+            <a:cxnSpLocks/>
+          </p:cNvCxnSpPr>
+          <p:nvPr/>
+        </p:nvCxnSpPr>
+        <p:spPr>
+          <a:xfrm>
+            <a:off x="1881972" y="1555949"/>
+            <a:ext cx="608715" cy="0"/>
+          </a:xfrm>
+          <a:prstGeom prst="straightConnector1">
+            <a:avLst/>
+          </a:prstGeom>
+          <a:ln>
+            <a:tailEnd type="triangle"/>
+          </a:ln>
+        </p:spPr>
+        <p:style>
+          <a:lnRef idx="1">
+            <a:schemeClr val="dk1"/>
+          </a:lnRef>
+          <a:fillRef idx="0">
+            <a:schemeClr val="dk1"/>
+          </a:fillRef>
+          <a:effectRef idx="0">
+            <a:schemeClr val="dk1"/>
+          </a:effectRef>
+          <a:fontRef idx="minor">
+            <a:schemeClr val="tx1"/>
+          </a:fontRef>
+        </p:style>
+      </p:cxnSp>
+      <p:sp>
+        <p:nvSpPr>
+          <p:cNvPr id="18" name="Rectangle: Rounded Corners 17">
+            <a:extLst>
+              <a:ext uri="{FF2B5EF4-FFF2-40B4-BE49-F238E27FC236}">
+                <a16:creationId xmlns:a16="http://schemas.microsoft.com/office/drawing/2014/main" id="{4F4A1376-9B45-413C-A9FF-2D1A7F8178B4}"/>
               </a:ext>
             </a:extLst>
           </p:cNvPr>
@@ -15377,8 +17789,8 @@
         </p:nvSpPr>
         <p:spPr>
           <a:xfrm>
-            <a:off x="4374785" y="1355900"/>
-            <a:ext cx="7531466" cy="284415"/>
+            <a:off x="2572670" y="5418480"/>
+            <a:ext cx="9144000" cy="391567"/>
           </a:xfrm>
           <a:prstGeom prst="roundRect">
             <a:avLst/>
@@ -15405,17 +17817,66 @@
           <a:p>
             <a:r>
               <a:rPr lang="en-US" sz="1500" dirty="0"/>
-              <a:t>Maps of the world ecoregions, the GLOBIOM regions and the EU28 border.</a:t>
-            </a:r>
-          </a:p>
-        </p:txBody>
-      </p:sp>
-      <p:sp>
-        <p:nvSpPr>
-          <p:cNvPr id="33" name="Rectangle: Rounded Corners 32">
-            <a:extLst>
-              <a:ext uri="{FF2B5EF4-FFF2-40B4-BE49-F238E27FC236}">
-                <a16:creationId xmlns:a16="http://schemas.microsoft.com/office/drawing/2014/main" id="{A7D6248D-F510-41A8-A6DB-68F66D47F259}"/>
+              <a:t>Script to convert the results at ecoregion resolution to GLOBIOM resolution. Used in </a:t>
+            </a:r>
+            <a:r>
+              <a:rPr lang="en-US" sz="1500" i="1" dirty="0" err="1"/>
+              <a:t>main.R</a:t>
+            </a:r>
+            <a:r>
+              <a:rPr lang="en-US" sz="1500" i="1" dirty="0"/>
+              <a:t>.</a:t>
+            </a:r>
+          </a:p>
+        </p:txBody>
+      </p:sp>
+      <p:cxnSp>
+        <p:nvCxnSpPr>
+          <p:cNvPr id="20" name="Straight Arrow Connector 19">
+            <a:extLst>
+              <a:ext uri="{FF2B5EF4-FFF2-40B4-BE49-F238E27FC236}">
+                <a16:creationId xmlns:a16="http://schemas.microsoft.com/office/drawing/2014/main" id="{42C5696A-B4F6-4213-A105-CB316D1B60B4}"/>
+              </a:ext>
+            </a:extLst>
+          </p:cNvPr>
+          <p:cNvCxnSpPr>
+            <a:cxnSpLocks/>
+          </p:cNvCxnSpPr>
+          <p:nvPr/>
+        </p:nvCxnSpPr>
+        <p:spPr>
+          <a:xfrm>
+            <a:off x="1852712" y="4609095"/>
+            <a:ext cx="637975" cy="0"/>
+          </a:xfrm>
+          <a:prstGeom prst="straightConnector1">
+            <a:avLst/>
+          </a:prstGeom>
+          <a:ln>
+            <a:tailEnd type="triangle"/>
+          </a:ln>
+        </p:spPr>
+        <p:style>
+          <a:lnRef idx="1">
+            <a:schemeClr val="dk1"/>
+          </a:lnRef>
+          <a:fillRef idx="0">
+            <a:schemeClr val="dk1"/>
+          </a:fillRef>
+          <a:effectRef idx="0">
+            <a:schemeClr val="dk1"/>
+          </a:effectRef>
+          <a:fontRef idx="minor">
+            <a:schemeClr val="tx1"/>
+          </a:fontRef>
+        </p:style>
+      </p:cxnSp>
+      <p:sp>
+        <p:nvSpPr>
+          <p:cNvPr id="21" name="Rectangle: Rounded Corners 20">
+            <a:extLst>
+              <a:ext uri="{FF2B5EF4-FFF2-40B4-BE49-F238E27FC236}">
+                <a16:creationId xmlns:a16="http://schemas.microsoft.com/office/drawing/2014/main" id="{E113418E-2E5E-4EE8-A28E-1F3584ED4668}"/>
               </a:ext>
             </a:extLst>
           </p:cNvPr>
@@ -15424,8 +17885,8 @@
         </p:nvSpPr>
         <p:spPr>
           <a:xfrm>
-            <a:off x="4362605" y="2058617"/>
-            <a:ext cx="7543646" cy="2053174"/>
+            <a:off x="2572670" y="2465477"/>
+            <a:ext cx="9144000" cy="548640"/>
           </a:xfrm>
           <a:prstGeom prst="roundRect">
             <a:avLst/>
@@ -15452,17 +17913,7 @@
           <a:p>
             <a:r>
               <a:rPr lang="en-US" sz="1500" dirty="0"/>
-              <a:t>Each sub-folder in this folder contains </a:t>
-            </a:r>
-          </a:p>
-          <a:p>
-            <a:pPr marL="285750" indent="-285750">
-              <a:buFont typeface="Arial" panose="020B0604020202020204" pitchFamily="34" charset="0"/>
-              <a:buChar char="•"/>
-            </a:pPr>
-            <a:r>
-              <a:rPr lang="en-US" sz="1500" dirty="0"/>
-              <a:t>The aggregated data as .</a:t>
+              <a:t>Scripts which convert the .</a:t>
             </a:r>
             <a:r>
               <a:rPr lang="en-US" sz="1500" dirty="0" err="1"/>
@@ -15470,7 +17921,19 @@
             </a:r>
             <a:r>
               <a:rPr lang="en-US" sz="1500" dirty="0"/>
-              <a:t> files resulted from the functions in </a:t>
+              <a:t> files created using </a:t>
+            </a:r>
+            <a:r>
+              <a:rPr lang="en-US" sz="1500" i="1" dirty="0" err="1"/>
+              <a:t>aggregate_areas.R</a:t>
+            </a:r>
+            <a:r>
+              <a:rPr lang="en-US" sz="1500" i="1" dirty="0"/>
+              <a:t> </a:t>
+            </a:r>
+            <a:r>
+              <a:rPr lang="en-US" sz="1500" dirty="0"/>
+              <a:t>and </a:t>
             </a:r>
             <a:r>
               <a:rPr lang="en-US" sz="1500" i="1" dirty="0" err="1"/>
@@ -15478,166 +17941,33 @@
             </a:r>
             <a:r>
               <a:rPr lang="en-US" sz="1500" dirty="0"/>
-              <a:t>, </a:t>
+              <a:t> to separate .csv files and save them in </a:t>
             </a:r>
             <a:r>
               <a:rPr lang="en-US" sz="1500" i="1" dirty="0" err="1"/>
-              <a:t>aggregate_results_CI.R</a:t>
-            </a:r>
-            <a:r>
-              <a:rPr lang="en-US" sz="1500" i="1" dirty="0"/>
-              <a:t> </a:t>
+              <a:t>aggregation_plotting</a:t>
             </a:r>
             <a:r>
               <a:rPr lang="en-US" sz="1500" dirty="0"/>
-              <a:t>or </a:t>
+              <a:t>. Used in </a:t>
             </a:r>
             <a:r>
               <a:rPr lang="en-US" sz="1500" i="1" dirty="0" err="1"/>
-              <a:t>aggregate_areas.R</a:t>
-            </a:r>
-            <a:r>
-              <a:rPr lang="en-US" sz="1500" i="1" dirty="0"/>
-              <a:t> </a:t>
+              <a:t>main.R</a:t>
             </a:r>
             <a:r>
               <a:rPr lang="en-US" sz="1500" dirty="0"/>
-              <a:t>available in /</a:t>
-            </a:r>
-            <a:r>
-              <a:rPr lang="en-US" sz="1500" i="1" dirty="0"/>
-              <a:t>scripts_aggregation</a:t>
-            </a:r>
-            <a:r>
-              <a:rPr lang="en-US" sz="1500" dirty="0"/>
-              <a:t>.</a:t>
-            </a:r>
-          </a:p>
-          <a:p>
-            <a:pPr marL="285750" indent="-285750">
-              <a:buFont typeface="Arial" panose="020B0604020202020204" pitchFamily="34" charset="0"/>
-              <a:buChar char="•"/>
-            </a:pPr>
-            <a:r>
-              <a:rPr lang="en-US" sz="1500" dirty="0"/>
-              <a:t>A sub-sub-folder </a:t>
-            </a:r>
-            <a:r>
-              <a:rPr lang="en-US" sz="1500" i="1" dirty="0"/>
-              <a:t>csv</a:t>
-            </a:r>
-            <a:r>
-              <a:rPr lang="en-US" sz="1500" dirty="0"/>
-              <a:t> with the .csv files needed for the plotting obtained using the functions in </a:t>
-            </a:r>
-            <a:r>
-              <a:rPr lang="en-US" sz="1500" i="1" dirty="0" err="1"/>
-              <a:t>areas_Rdata</a:t>
-            </a:r>
-            <a:r>
-              <a:rPr lang="en-US" sz="1500" i="1" dirty="0"/>
-              <a:t>-to-</a:t>
-            </a:r>
-            <a:r>
-              <a:rPr lang="en-US" sz="1500" i="1" dirty="0" err="1"/>
-              <a:t>csv.R</a:t>
-            </a:r>
-            <a:r>
-              <a:rPr lang="en-US" sz="1500" dirty="0"/>
-              <a:t>, </a:t>
-            </a:r>
-            <a:r>
-              <a:rPr lang="en-US" sz="1500" i="1" dirty="0" err="1"/>
-              <a:t>global_Rdata</a:t>
-            </a:r>
-            <a:r>
-              <a:rPr lang="en-US" sz="1500" i="1" dirty="0"/>
-              <a:t>-to-</a:t>
-            </a:r>
-            <a:r>
-              <a:rPr lang="en-US" sz="1500" i="1" dirty="0" err="1"/>
-              <a:t>csv.R</a:t>
-            </a:r>
-            <a:r>
-              <a:rPr lang="en-US" sz="1500" dirty="0"/>
-              <a:t>, </a:t>
-            </a:r>
-            <a:r>
-              <a:rPr lang="en-US" sz="1500" i="1" dirty="0" err="1"/>
-              <a:t>EU_Rdata</a:t>
-            </a:r>
-            <a:r>
-              <a:rPr lang="en-US" sz="1500" i="1" dirty="0"/>
-              <a:t>-to-</a:t>
-            </a:r>
-            <a:r>
-              <a:rPr lang="en-US" sz="1500" i="1" dirty="0" err="1"/>
-              <a:t>csv.R</a:t>
-            </a:r>
-            <a:r>
-              <a:rPr lang="en-US" sz="1500" i="1" dirty="0"/>
-              <a:t>, </a:t>
-            </a:r>
-            <a:r>
-              <a:rPr lang="en-US" sz="1500" i="1" dirty="0" err="1"/>
-              <a:t>slost_Globiom.R</a:t>
-            </a:r>
-            <a:r>
-              <a:rPr lang="en-US" sz="1500" i="1" dirty="0"/>
-              <a:t>, </a:t>
-            </a:r>
-            <a:r>
-              <a:rPr lang="en-US" sz="1500" i="1" dirty="0" err="1"/>
-              <a:t>slost_ha.R</a:t>
-            </a:r>
-            <a:r>
-              <a:rPr lang="en-US" sz="1500" i="1" dirty="0"/>
-              <a:t>, </a:t>
-            </a:r>
-            <a:r>
-              <a:rPr lang="en-US" sz="1500" i="1" dirty="0" err="1"/>
-              <a:t>wood.R</a:t>
-            </a:r>
-            <a:r>
-              <a:rPr lang="en-US" sz="1500" i="1" dirty="0"/>
-              <a:t>.</a:t>
-            </a:r>
-            <a:endParaRPr lang="en-US" sz="1500" dirty="0"/>
-          </a:p>
-          <a:p>
-            <a:pPr marL="285750" indent="-285750">
-              <a:buFont typeface="Arial" panose="020B0604020202020204" pitchFamily="34" charset="0"/>
-              <a:buChar char="•"/>
-            </a:pPr>
-            <a:r>
-              <a:rPr lang="en-US" sz="1500" dirty="0"/>
-              <a:t>A sub-sub-folder </a:t>
-            </a:r>
-            <a:r>
-              <a:rPr lang="en-US" sz="1500" i="1" dirty="0"/>
-              <a:t>plots</a:t>
-            </a:r>
-            <a:r>
-              <a:rPr lang="en-US" sz="1500" dirty="0"/>
-              <a:t> with the plots obtained using the scripts in /</a:t>
-            </a:r>
-            <a:r>
-              <a:rPr lang="en-US" sz="1500" i="1" dirty="0"/>
-              <a:t>scripts_charts</a:t>
-            </a:r>
-            <a:r>
-              <a:rPr lang="en-US" sz="1500" dirty="0"/>
-              <a:t>.</a:t>
-            </a:r>
-          </a:p>
-        </p:txBody>
-      </p:sp>
-      <p:sp>
-        <p:nvSpPr>
-          <p:cNvPr id="34" name="Rectangle: Rounded Corners 33">
-            <a:extLst>
-              <a:ext uri="{FF2B5EF4-FFF2-40B4-BE49-F238E27FC236}">
-                <a16:creationId xmlns:a16="http://schemas.microsoft.com/office/drawing/2014/main" id="{938381EF-4A1C-49A3-8196-F0590B565A6F}"/>
+              <a:t>. </a:t>
+            </a:r>
+          </a:p>
+        </p:txBody>
+      </p:sp>
+      <p:sp>
+        <p:nvSpPr>
+          <p:cNvPr id="23" name="Rectangle: Rounded Corners 22">
+            <a:extLst>
+              <a:ext uri="{FF2B5EF4-FFF2-40B4-BE49-F238E27FC236}">
+                <a16:creationId xmlns:a16="http://schemas.microsoft.com/office/drawing/2014/main" id="{FF58AB39-4D8C-4C29-B54B-D1E942F1BFF9}"/>
               </a:ext>
             </a:extLst>
           </p:cNvPr>
@@ -15646,8 +17976,8 @@
         </p:nvSpPr>
         <p:spPr>
           <a:xfrm>
-            <a:off x="4362605" y="1713086"/>
-            <a:ext cx="7543646" cy="284415"/>
+            <a:off x="2572670" y="1278781"/>
+            <a:ext cx="9144000" cy="548640"/>
           </a:xfrm>
           <a:prstGeom prst="roundRect">
             <a:avLst/>
@@ -15674,15 +18004,27 @@
           <a:p>
             <a:r>
               <a:rPr lang="en-US" sz="1500" dirty="0"/>
-              <a:t>Scripts for the aggregation of the raw results from /</a:t>
+              <a:t>Scripts which sums the results and the areas per ecoregion, scenario and land uses at different level. The output are .</a:t>
+            </a:r>
+            <a:r>
+              <a:rPr lang="en-US" sz="1500" dirty="0" err="1"/>
+              <a:t>Rdata</a:t>
+            </a:r>
+            <a:r>
+              <a:rPr lang="en-US" sz="1500" dirty="0"/>
+              <a:t> files saved in the folder </a:t>
             </a:r>
             <a:r>
               <a:rPr lang="en-US" sz="1500" i="1" dirty="0" err="1"/>
-              <a:t>forest_managemement</a:t>
-            </a:r>
-            <a:r>
-              <a:rPr lang="en-US" sz="1500" i="1" dirty="0"/>
-              <a:t>/results</a:t>
+              <a:t>aggregation_plotting</a:t>
+            </a:r>
+            <a:r>
+              <a:rPr lang="en-US" sz="1500" dirty="0"/>
+              <a:t>. Used in </a:t>
+            </a:r>
+            <a:r>
+              <a:rPr lang="en-US" sz="1500" i="1" dirty="0" err="1"/>
+              <a:t>main.R</a:t>
             </a:r>
             <a:r>
               <a:rPr lang="en-US" sz="1500" dirty="0"/>
@@ -15691,209 +18033,12 @@
           </a:p>
         </p:txBody>
       </p:sp>
-      <p:sp>
-        <p:nvSpPr>
-          <p:cNvPr id="35" name="Rectangle: Rounded Corners 34">
-            <a:extLst>
-              <a:ext uri="{FF2B5EF4-FFF2-40B4-BE49-F238E27FC236}">
-                <a16:creationId xmlns:a16="http://schemas.microsoft.com/office/drawing/2014/main" id="{539CAD42-0876-4EC9-B3E6-55619332BDC7}"/>
-              </a:ext>
-            </a:extLst>
-          </p:cNvPr>
-          <p:cNvSpPr/>
-          <p:nvPr/>
-        </p:nvSpPr>
-        <p:spPr>
-          <a:xfrm>
-            <a:off x="4374785" y="4279937"/>
-            <a:ext cx="7531466" cy="284415"/>
-          </a:xfrm>
-          <a:prstGeom prst="roundRect">
-            <a:avLst/>
-          </a:prstGeom>
-          <a:ln/>
-        </p:spPr>
-        <p:style>
-          <a:lnRef idx="2">
-            <a:schemeClr val="dk1"/>
-          </a:lnRef>
-          <a:fillRef idx="1">
-            <a:schemeClr val="lt1"/>
-          </a:fillRef>
-          <a:effectRef idx="0">
-            <a:schemeClr val="dk1"/>
-          </a:effectRef>
-          <a:fontRef idx="minor">
-            <a:schemeClr val="dk1"/>
-          </a:fontRef>
-        </p:style>
-        <p:txBody>
-          <a:bodyPr rtlCol="0" anchor="ctr"/>
-          <a:lstStyle/>
-          <a:p>
-            <a:r>
-              <a:rPr lang="en-US" sz="1500" dirty="0"/>
-              <a:t>Scripts that plot the results.</a:t>
-            </a:r>
-          </a:p>
-        </p:txBody>
-      </p:sp>
-      <p:sp>
-        <p:nvSpPr>
-          <p:cNvPr id="36" name="Rectangle: Rounded Corners 35">
-            <a:extLst>
-              <a:ext uri="{FF2B5EF4-FFF2-40B4-BE49-F238E27FC236}">
-                <a16:creationId xmlns:a16="http://schemas.microsoft.com/office/drawing/2014/main" id="{AC20C1D3-89EA-4B22-9D78-BCA3B15E2465}"/>
-              </a:ext>
-            </a:extLst>
-          </p:cNvPr>
-          <p:cNvSpPr/>
-          <p:nvPr/>
-        </p:nvSpPr>
-        <p:spPr>
-          <a:xfrm>
-            <a:off x="4362605" y="4715270"/>
-            <a:ext cx="7543646" cy="710427"/>
-          </a:xfrm>
-          <a:prstGeom prst="roundRect">
-            <a:avLst/>
-          </a:prstGeom>
-          <a:ln/>
-        </p:spPr>
-        <p:style>
-          <a:lnRef idx="2">
-            <a:schemeClr val="dk1"/>
-          </a:lnRef>
-          <a:fillRef idx="1">
-            <a:schemeClr val="lt1"/>
-          </a:fillRef>
-          <a:effectRef idx="0">
-            <a:schemeClr val="dk1"/>
-          </a:effectRef>
-          <a:fontRef idx="minor">
-            <a:schemeClr val="dk1"/>
-          </a:fontRef>
-        </p:style>
-        <p:txBody>
-          <a:bodyPr rtlCol="0" anchor="ctr"/>
-          <a:lstStyle/>
-          <a:p>
-            <a:r>
-              <a:rPr lang="en-US" sz="1500" dirty="0"/>
-              <a:t>Script which sets the working directory and the saving directories for the scripts in </a:t>
-            </a:r>
-            <a:r>
-              <a:rPr lang="en-US" sz="1500" i="1" dirty="0"/>
-              <a:t>scripts_aggregation </a:t>
-            </a:r>
-            <a:r>
-              <a:rPr lang="en-US" sz="1500" dirty="0"/>
-              <a:t>and </a:t>
-            </a:r>
-            <a:r>
-              <a:rPr lang="en-US" sz="1500" i="1" dirty="0"/>
-              <a:t>scripts_charts. </a:t>
-            </a:r>
-            <a:r>
-              <a:rPr lang="en-US" sz="1500" dirty="0"/>
-              <a:t>It also calls the functions used to aggregate and plot.</a:t>
-            </a:r>
-          </a:p>
-        </p:txBody>
-      </p:sp>
-      <p:pic>
-        <p:nvPicPr>
-          <p:cNvPr id="17" name="Picture 16">
-            <a:extLst>
-              <a:ext uri="{FF2B5EF4-FFF2-40B4-BE49-F238E27FC236}">
-                <a16:creationId xmlns:a16="http://schemas.microsoft.com/office/drawing/2014/main" id="{48AAAE1E-03E2-4FAC-B019-2087D46DD307}"/>
-              </a:ext>
-            </a:extLst>
-          </p:cNvPr>
-          <p:cNvPicPr>
-            <a:picLocks noChangeAspect="1"/>
-          </p:cNvPicPr>
-          <p:nvPr/>
-        </p:nvPicPr>
-        <p:blipFill rotWithShape="1">
-          <a:blip r:embed="rId2"/>
-          <a:srcRect t="35524" b="50504"/>
-          <a:stretch/>
-        </p:blipFill>
-        <p:spPr>
-          <a:xfrm>
-            <a:off x="839839" y="1698559"/>
-            <a:ext cx="3019846" cy="328766"/>
-          </a:xfrm>
-          <a:prstGeom prst="rect">
-            <a:avLst/>
-          </a:prstGeom>
-        </p:spPr>
-      </p:pic>
-      <p:pic>
-        <p:nvPicPr>
-          <p:cNvPr id="18" name="Picture 17">
-            <a:extLst>
-              <a:ext uri="{FF2B5EF4-FFF2-40B4-BE49-F238E27FC236}">
-                <a16:creationId xmlns:a16="http://schemas.microsoft.com/office/drawing/2014/main" id="{60F28D4A-544D-4D50-BD66-B414FC13BA05}"/>
-              </a:ext>
-            </a:extLst>
-          </p:cNvPr>
-          <p:cNvPicPr>
-            <a:picLocks noChangeAspect="1"/>
-          </p:cNvPicPr>
-          <p:nvPr/>
-        </p:nvPicPr>
-        <p:blipFill rotWithShape="1">
-          <a:blip r:embed="rId2"/>
-          <a:srcRect t="17655" b="66963"/>
-          <a:stretch/>
-        </p:blipFill>
-        <p:spPr>
-          <a:xfrm>
-            <a:off x="839839" y="2746437"/>
-            <a:ext cx="3019846" cy="361950"/>
-          </a:xfrm>
-          <a:prstGeom prst="rect">
-            <a:avLst/>
-          </a:prstGeom>
-        </p:spPr>
-      </p:pic>
-      <p:pic>
-        <p:nvPicPr>
-          <p:cNvPr id="19" name="Picture 18">
-            <a:extLst>
-              <a:ext uri="{FF2B5EF4-FFF2-40B4-BE49-F238E27FC236}">
-                <a16:creationId xmlns:a16="http://schemas.microsoft.com/office/drawing/2014/main" id="{7C019CF4-7A5A-4AAA-A90C-3FF64A940A82}"/>
-              </a:ext>
-            </a:extLst>
-          </p:cNvPr>
-          <p:cNvPicPr>
-            <a:picLocks noChangeAspect="1"/>
-          </p:cNvPicPr>
-          <p:nvPr/>
-        </p:nvPicPr>
-        <p:blipFill rotWithShape="1">
-          <a:blip r:embed="rId2"/>
-          <a:srcRect t="50544"/>
-          <a:stretch/>
-        </p:blipFill>
-        <p:spPr>
-          <a:xfrm>
-            <a:off x="839839" y="4219382"/>
-            <a:ext cx="3019846" cy="1163704"/>
-          </a:xfrm>
-          <a:prstGeom prst="rect">
-            <a:avLst/>
-          </a:prstGeom>
-        </p:spPr>
-      </p:pic>
       <p:cxnSp>
         <p:nvCxnSpPr>
-          <p:cNvPr id="29" name="Straight Arrow Connector 28">
-            <a:extLst>
-              <a:ext uri="{FF2B5EF4-FFF2-40B4-BE49-F238E27FC236}">
-                <a16:creationId xmlns:a16="http://schemas.microsoft.com/office/drawing/2014/main" id="{3F356820-8517-4490-AF32-C46AF5919C32}"/>
+          <p:cNvPr id="25" name="Straight Arrow Connector 24">
+            <a:extLst>
+              <a:ext uri="{FF2B5EF4-FFF2-40B4-BE49-F238E27FC236}">
+                <a16:creationId xmlns:a16="http://schemas.microsoft.com/office/drawing/2014/main" id="{ABCA0DA3-962F-43DE-A924-584EF9424609}"/>
               </a:ext>
             </a:extLst>
           </p:cNvPr>
@@ -15904,8 +18049,8 @@
         </p:nvCxnSpPr>
         <p:spPr>
           <a:xfrm>
-            <a:off x="3074408" y="1507333"/>
-            <a:ext cx="1262277" cy="0"/>
+            <a:off x="2054193" y="3719125"/>
+            <a:ext cx="436494" cy="0"/>
           </a:xfrm>
           <a:prstGeom prst="straightConnector1">
             <a:avLst/>
@@ -15931,10 +18076,10 @@
       </p:cxnSp>
       <p:cxnSp>
         <p:nvCxnSpPr>
-          <p:cNvPr id="37" name="Straight Arrow Connector 36">
-            <a:extLst>
-              <a:ext uri="{FF2B5EF4-FFF2-40B4-BE49-F238E27FC236}">
-                <a16:creationId xmlns:a16="http://schemas.microsoft.com/office/drawing/2014/main" id="{1D4150C9-5EF3-4295-B978-9B732C73F128}"/>
+          <p:cNvPr id="26" name="Straight Arrow Connector 25">
+            <a:extLst>
+              <a:ext uri="{FF2B5EF4-FFF2-40B4-BE49-F238E27FC236}">
+                <a16:creationId xmlns:a16="http://schemas.microsoft.com/office/drawing/2014/main" id="{B34C4002-489C-4220-B35E-0D3DD1E6A67D}"/>
               </a:ext>
             </a:extLst>
           </p:cNvPr>
@@ -15945,8 +18090,8 @@
         </p:nvCxnSpPr>
         <p:spPr>
           <a:xfrm>
-            <a:off x="2729809" y="4412619"/>
-            <a:ext cx="1606876" cy="0"/>
+            <a:off x="2315274" y="5623250"/>
+            <a:ext cx="180175" cy="0"/>
           </a:xfrm>
           <a:prstGeom prst="straightConnector1">
             <a:avLst/>
@@ -15970,12 +18115,146 @@
           </a:fontRef>
         </p:style>
       </p:cxnSp>
+      <p:sp>
+        <p:nvSpPr>
+          <p:cNvPr id="27" name="Rectangle: Rounded Corners 26">
+            <a:extLst>
+              <a:ext uri="{FF2B5EF4-FFF2-40B4-BE49-F238E27FC236}">
+                <a16:creationId xmlns:a16="http://schemas.microsoft.com/office/drawing/2014/main" id="{ADE63353-6197-4C31-81F5-A03C25F64CDD}"/>
+              </a:ext>
+            </a:extLst>
+          </p:cNvPr>
+          <p:cNvSpPr/>
+          <p:nvPr/>
+        </p:nvSpPr>
+        <p:spPr>
+          <a:xfrm>
+            <a:off x="2572670" y="4246630"/>
+            <a:ext cx="9144000" cy="640080"/>
+          </a:xfrm>
+          <a:prstGeom prst="roundRect">
+            <a:avLst/>
+          </a:prstGeom>
+          <a:ln/>
+        </p:spPr>
+        <p:style>
+          <a:lnRef idx="2">
+            <a:schemeClr val="dk1"/>
+          </a:lnRef>
+          <a:fillRef idx="1">
+            <a:schemeClr val="lt1"/>
+          </a:fillRef>
+          <a:effectRef idx="0">
+            <a:schemeClr val="dk1"/>
+          </a:effectRef>
+          <a:fontRef idx="minor">
+            <a:schemeClr val="dk1"/>
+          </a:fontRef>
+        </p:style>
+        <p:txBody>
+          <a:bodyPr rtlCol="0" anchor="ctr"/>
+          <a:lstStyle/>
+          <a:p>
+            <a:r>
+              <a:rPr lang="en-US" sz="1500" dirty="0"/>
+              <a:t>Script to convert the results expressed as PDF to PDF per hectare. The input data for this script are the .csv files in </a:t>
+            </a:r>
+            <a:r>
+              <a:rPr lang="en-US" sz="1500" i="1" dirty="0" err="1"/>
+              <a:t>forest_management</a:t>
+            </a:r>
+            <a:r>
+              <a:rPr lang="en-US" sz="1500" i="1" dirty="0"/>
+              <a:t>/results. </a:t>
+            </a:r>
+            <a:r>
+              <a:rPr lang="en-US" sz="1500" dirty="0"/>
+              <a:t>Used in </a:t>
+            </a:r>
+            <a:r>
+              <a:rPr lang="en-US" sz="1500" i="1" dirty="0" err="1"/>
+              <a:t>main.R</a:t>
+            </a:r>
+            <a:r>
+              <a:rPr lang="en-US" sz="1500" i="1" dirty="0"/>
+              <a:t>.</a:t>
+            </a:r>
+          </a:p>
+        </p:txBody>
+      </p:sp>
+      <p:sp>
+        <p:nvSpPr>
+          <p:cNvPr id="28" name="Rectangle: Rounded Corners 27">
+            <a:extLst>
+              <a:ext uri="{FF2B5EF4-FFF2-40B4-BE49-F238E27FC236}">
+                <a16:creationId xmlns:a16="http://schemas.microsoft.com/office/drawing/2014/main" id="{764A5181-4CF9-4F5F-B6D5-9C48E727D53D}"/>
+              </a:ext>
+            </a:extLst>
+          </p:cNvPr>
+          <p:cNvSpPr/>
+          <p:nvPr/>
+        </p:nvSpPr>
+        <p:spPr>
+          <a:xfrm>
+            <a:off x="2572670" y="3409025"/>
+            <a:ext cx="9144000" cy="640080"/>
+          </a:xfrm>
+          <a:prstGeom prst="roundRect">
+            <a:avLst/>
+          </a:prstGeom>
+          <a:ln/>
+        </p:spPr>
+        <p:style>
+          <a:lnRef idx="2">
+            <a:schemeClr val="dk1"/>
+          </a:lnRef>
+          <a:fillRef idx="1">
+            <a:schemeClr val="lt1"/>
+          </a:fillRef>
+          <a:effectRef idx="0">
+            <a:schemeClr val="dk1"/>
+          </a:effectRef>
+          <a:fontRef idx="minor">
+            <a:schemeClr val="dk1"/>
+          </a:fontRef>
+        </p:style>
+        <p:txBody>
+          <a:bodyPr rtlCol="0" anchor="ctr"/>
+          <a:lstStyle/>
+          <a:p>
+            <a:r>
+              <a:rPr lang="en-US" sz="1500" dirty="0"/>
+              <a:t>Script to convert the results expressed as PDF to PDF per Mm3 of roundwood equivalent. The input data for this script are the .csv files in </a:t>
+            </a:r>
+            <a:r>
+              <a:rPr lang="en-US" sz="1500" i="1" dirty="0" err="1"/>
+              <a:t>forest_management</a:t>
+            </a:r>
+            <a:r>
+              <a:rPr lang="en-US" sz="1500" i="1" dirty="0"/>
+              <a:t>/results.</a:t>
+            </a:r>
+            <a:r>
+              <a:rPr lang="en-US" sz="1500" dirty="0"/>
+              <a:t> Used in </a:t>
+            </a:r>
+            <a:r>
+              <a:rPr lang="en-US" sz="1500" i="1" dirty="0" err="1"/>
+              <a:t>main.R</a:t>
+            </a:r>
+            <a:r>
+              <a:rPr lang="en-US" sz="1500" i="1" dirty="0"/>
+              <a:t>.</a:t>
+            </a:r>
+          </a:p>
+        </p:txBody>
+      </p:sp>
       <p:cxnSp>
         <p:nvCxnSpPr>
-          <p:cNvPr id="38" name="Straight Arrow Connector 37">
-            <a:extLst>
-              <a:ext uri="{FF2B5EF4-FFF2-40B4-BE49-F238E27FC236}">
-                <a16:creationId xmlns:a16="http://schemas.microsoft.com/office/drawing/2014/main" id="{F152E221-B834-4A8E-B5A0-E207BD20E673}"/>
+          <p:cNvPr id="29" name="Straight Arrow Connector 28">
+            <a:extLst>
+              <a:ext uri="{FF2B5EF4-FFF2-40B4-BE49-F238E27FC236}">
+                <a16:creationId xmlns:a16="http://schemas.microsoft.com/office/drawing/2014/main" id="{5BB458BA-DCF1-4ED3-95B7-9F16B17D6498}"/>
               </a:ext>
             </a:extLst>
           </p:cNvPr>
@@ -15986,90 +18265,8 @@
         </p:nvCxnSpPr>
         <p:spPr>
           <a:xfrm>
-            <a:off x="3062228" y="4883034"/>
-            <a:ext cx="1274457" cy="0"/>
-          </a:xfrm>
-          <a:prstGeom prst="straightConnector1">
-            <a:avLst/>
-          </a:prstGeom>
-          <a:ln>
-            <a:tailEnd type="triangle"/>
-          </a:ln>
-        </p:spPr>
-        <p:style>
-          <a:lnRef idx="1">
-            <a:schemeClr val="dk1"/>
-          </a:lnRef>
-          <a:fillRef idx="0">
-            <a:schemeClr val="dk1"/>
-          </a:fillRef>
-          <a:effectRef idx="0">
-            <a:schemeClr val="dk1"/>
-          </a:effectRef>
-          <a:fontRef idx="minor">
-            <a:schemeClr val="tx1"/>
-          </a:fontRef>
-        </p:style>
-      </p:cxnSp>
-      <p:cxnSp>
-        <p:nvCxnSpPr>
-          <p:cNvPr id="31" name="Straight Arrow Connector 30">
-            <a:extLst>
-              <a:ext uri="{FF2B5EF4-FFF2-40B4-BE49-F238E27FC236}">
-                <a16:creationId xmlns:a16="http://schemas.microsoft.com/office/drawing/2014/main" id="{EB4B3C73-71EB-414A-9A24-5C254D4EF430}"/>
-              </a:ext>
-            </a:extLst>
-          </p:cNvPr>
-          <p:cNvCxnSpPr>
-            <a:cxnSpLocks/>
-          </p:cNvCxnSpPr>
-          <p:nvPr/>
-        </p:nvCxnSpPr>
-        <p:spPr>
-          <a:xfrm>
-            <a:off x="3074408" y="2967441"/>
-            <a:ext cx="1262277" cy="0"/>
-          </a:xfrm>
-          <a:prstGeom prst="straightConnector1">
-            <a:avLst/>
-          </a:prstGeom>
-          <a:ln>
-            <a:tailEnd type="triangle"/>
-          </a:ln>
-        </p:spPr>
-        <p:style>
-          <a:lnRef idx="1">
-            <a:schemeClr val="dk1"/>
-          </a:lnRef>
-          <a:fillRef idx="0">
-            <a:schemeClr val="dk1"/>
-          </a:fillRef>
-          <a:effectRef idx="0">
-            <a:schemeClr val="dk1"/>
-          </a:effectRef>
-          <a:fontRef idx="minor">
-            <a:schemeClr val="tx1"/>
-          </a:fontRef>
-        </p:style>
-      </p:cxnSp>
-      <p:cxnSp>
-        <p:nvCxnSpPr>
-          <p:cNvPr id="32" name="Straight Arrow Connector 31">
-            <a:extLst>
-              <a:ext uri="{FF2B5EF4-FFF2-40B4-BE49-F238E27FC236}">
-                <a16:creationId xmlns:a16="http://schemas.microsoft.com/office/drawing/2014/main" id="{22703424-737F-49FA-BE4C-D0AAFBFF51D0}"/>
-              </a:ext>
-            </a:extLst>
-          </p:cNvPr>
-          <p:cNvCxnSpPr>
-            <a:cxnSpLocks/>
-          </p:cNvCxnSpPr>
-          <p:nvPr/>
-        </p:nvCxnSpPr>
-        <p:spPr>
-          <a:xfrm flipV="1">
-            <a:off x="3330845" y="1877794"/>
-            <a:ext cx="1005840" cy="1"/>
+            <a:off x="2011367" y="2731776"/>
+            <a:ext cx="479320" cy="0"/>
           </a:xfrm>
           <a:prstGeom prst="straightConnector1">
             <a:avLst/>
@@ -16096,7 +18293,7 @@
     </p:spTree>
     <p:extLst>
       <p:ext uri="{BB962C8B-B14F-4D97-AF65-F5344CB8AC3E}">
-        <p14:creationId xmlns:p14="http://schemas.microsoft.com/office/powerpoint/2010/main" val="2273741424"/>
+        <p14:creationId xmlns:p14="http://schemas.microsoft.com/office/powerpoint/2010/main" val="940793495"/>
       </p:ext>
     </p:extLst>
   </p:cSld>
@@ -16123,158 +18320,12 @@
           <a:chExt cx="0" cy="0"/>
         </a:xfrm>
       </p:grpSpPr>
-      <p:sp>
-        <p:nvSpPr>
-          <p:cNvPr id="2" name="Title 1">
-            <a:extLst>
-              <a:ext uri="{FF2B5EF4-FFF2-40B4-BE49-F238E27FC236}">
-                <a16:creationId xmlns:a16="http://schemas.microsoft.com/office/drawing/2014/main" id="{8943DDBD-0DAF-4F98-B87B-5544C1631230}"/>
-              </a:ext>
-            </a:extLst>
-          </p:cNvPr>
-          <p:cNvSpPr>
-            <a:spLocks noGrp="1"/>
-          </p:cNvSpPr>
-          <p:nvPr>
-            <p:ph type="title"/>
-          </p:nvPr>
-        </p:nvSpPr>
-        <p:spPr/>
-        <p:txBody>
-          <a:bodyPr/>
-          <a:lstStyle/>
-          <a:p>
-            <a:r>
-              <a:rPr lang="en-US" dirty="0"/>
-              <a:t>4 - results</a:t>
-            </a:r>
-          </a:p>
-        </p:txBody>
-      </p:sp>
-      <p:sp>
-        <p:nvSpPr>
-          <p:cNvPr id="4" name="Date Placeholder 3">
-            <a:extLst>
-              <a:ext uri="{FF2B5EF4-FFF2-40B4-BE49-F238E27FC236}">
-                <a16:creationId xmlns:a16="http://schemas.microsoft.com/office/drawing/2014/main" id="{14805272-AFD2-4609-9D33-280B9C18C1F4}"/>
-              </a:ext>
-            </a:extLst>
-          </p:cNvPr>
-          <p:cNvSpPr>
-            <a:spLocks noGrp="1"/>
-          </p:cNvSpPr>
-          <p:nvPr>
-            <p:ph type="dt" sz="half" idx="10"/>
-          </p:nvPr>
-        </p:nvSpPr>
-        <p:spPr/>
-        <p:txBody>
-          <a:bodyPr/>
-          <a:lstStyle/>
-          <a:p>
-            <a:fld id="{AF24159B-E4F0-491A-987A-BB36210A3487}" type="datetime1">
-              <a:rPr lang="de-CH" noProof="0" smtClean="0"/>
-              <a:t>13.02.2022</a:t>
-            </a:fld>
-            <a:endParaRPr lang="de-CH" noProof="0"/>
-          </a:p>
-        </p:txBody>
-      </p:sp>
-      <p:sp>
-        <p:nvSpPr>
-          <p:cNvPr id="5" name="Footer Placeholder 4">
-            <a:extLst>
-              <a:ext uri="{FF2B5EF4-FFF2-40B4-BE49-F238E27FC236}">
-                <a16:creationId xmlns:a16="http://schemas.microsoft.com/office/drawing/2014/main" id="{B0B4A68A-D413-4C01-831D-1AFA7C0E1D1E}"/>
-              </a:ext>
-            </a:extLst>
-          </p:cNvPr>
-          <p:cNvSpPr>
-            <a:spLocks noGrp="1"/>
-          </p:cNvSpPr>
-          <p:nvPr>
-            <p:ph type="ftr" sz="quarter" idx="11"/>
-          </p:nvPr>
-        </p:nvSpPr>
-        <p:spPr/>
-        <p:txBody>
-          <a:bodyPr/>
-          <a:lstStyle/>
-          <a:p>
-            <a:r>
-              <a:rPr lang="de-DE"/>
-              <a:t>Organisational unit (edit via “Insert” &gt; “Header &amp; Footer”)</a:t>
-            </a:r>
-            <a:endParaRPr lang="de-CH" dirty="0"/>
-          </a:p>
-        </p:txBody>
-      </p:sp>
-      <p:sp>
-        <p:nvSpPr>
-          <p:cNvPr id="6" name="Slide Number Placeholder 5">
-            <a:extLst>
-              <a:ext uri="{FF2B5EF4-FFF2-40B4-BE49-F238E27FC236}">
-                <a16:creationId xmlns:a16="http://schemas.microsoft.com/office/drawing/2014/main" id="{891F89F2-2B40-4EDB-87F0-CF82FC02FB0A}"/>
-              </a:ext>
-            </a:extLst>
-          </p:cNvPr>
-          <p:cNvSpPr>
-            <a:spLocks noGrp="1"/>
-          </p:cNvSpPr>
-          <p:nvPr>
-            <p:ph type="sldNum" sz="quarter" idx="12"/>
-          </p:nvPr>
-        </p:nvSpPr>
-        <p:spPr/>
-        <p:txBody>
-          <a:bodyPr/>
-          <a:lstStyle/>
-          <a:p>
-            <a:fld id="{5ACA52AF-F19D-405C-AD5F-7D94B96A5CC3}" type="slidenum">
-              <a:rPr lang="de-CH" noProof="0" smtClean="0"/>
-              <a:t>9</a:t>
-            </a:fld>
-            <a:endParaRPr lang="de-CH" noProof="0"/>
-          </a:p>
-        </p:txBody>
-      </p:sp>
-      <p:sp>
-        <p:nvSpPr>
-          <p:cNvPr id="27" name="Content Placeholder 26">
-            <a:extLst>
-              <a:ext uri="{FF2B5EF4-FFF2-40B4-BE49-F238E27FC236}">
-                <a16:creationId xmlns:a16="http://schemas.microsoft.com/office/drawing/2014/main" id="{BDB970EF-A434-40E8-B1B3-3A4E34D0897F}"/>
-              </a:ext>
-            </a:extLst>
-          </p:cNvPr>
-          <p:cNvSpPr>
-            <a:spLocks noGrp="1"/>
-          </p:cNvSpPr>
-          <p:nvPr>
-            <p:ph idx="1"/>
-          </p:nvPr>
-        </p:nvSpPr>
-        <p:spPr/>
-        <p:txBody>
-          <a:bodyPr/>
-          <a:lstStyle/>
-          <a:p>
-            <a:pPr marL="0" indent="0">
-              <a:buNone/>
-            </a:pPr>
-            <a:r>
-              <a:rPr lang="en-US" dirty="0"/>
-              <a:t>This folder contains the areas resulting from the matching of the two GLOBIOM land use models and the species loss resulting from the application of the species loss model.  </a:t>
-            </a:r>
-          </a:p>
-        </p:txBody>
-      </p:sp>
       <p:pic>
         <p:nvPicPr>
-          <p:cNvPr id="13" name="Picture 12">
-            <a:extLst>
-              <a:ext uri="{FF2B5EF4-FFF2-40B4-BE49-F238E27FC236}">
-                <a16:creationId xmlns:a16="http://schemas.microsoft.com/office/drawing/2014/main" id="{8B77F9F1-C899-4EF2-82A6-0638BB9C6F2A}"/>
+          <p:cNvPr id="40" name="Picture 39">
+            <a:extLst>
+              <a:ext uri="{FF2B5EF4-FFF2-40B4-BE49-F238E27FC236}">
+                <a16:creationId xmlns:a16="http://schemas.microsoft.com/office/drawing/2014/main" id="{DD532B26-980C-45FB-ADF2-B36A4A4FB66C}"/>
               </a:ext>
             </a:extLst>
           </p:cNvPr>
@@ -16285,112 +18336,246 @@
         </p:nvPicPr>
         <p:blipFill rotWithShape="1">
           <a:blip r:embed="rId2"/>
-          <a:srcRect b="75839"/>
+          <a:srcRect b="83170"/>
           <a:stretch/>
         </p:blipFill>
         <p:spPr>
           <a:xfrm>
-            <a:off x="761937" y="1908957"/>
-            <a:ext cx="3732589" cy="359892"/>
+            <a:off x="839839" y="1298028"/>
+            <a:ext cx="3019846" cy="396008"/>
           </a:xfrm>
           <a:prstGeom prst="rect">
             <a:avLst/>
           </a:prstGeom>
         </p:spPr>
       </p:pic>
-      <p:pic>
-        <p:nvPicPr>
-          <p:cNvPr id="15" name="Picture 14">
-            <a:extLst>
-              <a:ext uri="{FF2B5EF4-FFF2-40B4-BE49-F238E27FC236}">
-                <a16:creationId xmlns:a16="http://schemas.microsoft.com/office/drawing/2014/main" id="{B47291BF-A18E-4D4F-A27E-5C14036C0289}"/>
-              </a:ext>
-            </a:extLst>
-          </p:cNvPr>
-          <p:cNvPicPr>
-            <a:picLocks noChangeAspect="1"/>
-          </p:cNvPicPr>
+      <p:sp>
+        <p:nvSpPr>
+          <p:cNvPr id="2" name="Title 1">
+            <a:extLst>
+              <a:ext uri="{FF2B5EF4-FFF2-40B4-BE49-F238E27FC236}">
+                <a16:creationId xmlns:a16="http://schemas.microsoft.com/office/drawing/2014/main" id="{8943DDBD-0DAF-4F98-B87B-5544C1631230}"/>
+              </a:ext>
+            </a:extLst>
+          </p:cNvPr>
+          <p:cNvSpPr>
+            <a:spLocks noGrp="1"/>
+          </p:cNvSpPr>
+          <p:nvPr>
+            <p:ph type="title"/>
+          </p:nvPr>
+        </p:nvSpPr>
+        <p:spPr/>
+        <p:txBody>
+          <a:bodyPr/>
+          <a:lstStyle/>
+          <a:p>
+            <a:r>
+              <a:rPr lang="en-US" dirty="0"/>
+              <a:t>2d – scripts/plotting</a:t>
+            </a:r>
+          </a:p>
+        </p:txBody>
+      </p:sp>
+      <p:sp>
+        <p:nvSpPr>
+          <p:cNvPr id="4" name="Date Placeholder 3">
+            <a:extLst>
+              <a:ext uri="{FF2B5EF4-FFF2-40B4-BE49-F238E27FC236}">
+                <a16:creationId xmlns:a16="http://schemas.microsoft.com/office/drawing/2014/main" id="{14805272-AFD2-4609-9D33-280B9C18C1F4}"/>
+              </a:ext>
+            </a:extLst>
+          </p:cNvPr>
+          <p:cNvSpPr>
+            <a:spLocks noGrp="1"/>
+          </p:cNvSpPr>
+          <p:nvPr>
+            <p:ph type="dt" sz="half" idx="10"/>
+          </p:nvPr>
+        </p:nvSpPr>
+        <p:spPr/>
+        <p:txBody>
+          <a:bodyPr/>
+          <a:lstStyle/>
+          <a:p>
+            <a:fld id="{AF24159B-E4F0-491A-987A-BB36210A3487}" type="datetime1">
+              <a:rPr lang="de-CH" noProof="0" smtClean="0"/>
+              <a:t>16.02.2022</a:t>
+            </a:fld>
+            <a:endParaRPr lang="de-CH" noProof="0"/>
+          </a:p>
+        </p:txBody>
+      </p:sp>
+      <p:sp>
+        <p:nvSpPr>
+          <p:cNvPr id="5" name="Footer Placeholder 4">
+            <a:extLst>
+              <a:ext uri="{FF2B5EF4-FFF2-40B4-BE49-F238E27FC236}">
+                <a16:creationId xmlns:a16="http://schemas.microsoft.com/office/drawing/2014/main" id="{B0B4A68A-D413-4C01-831D-1AFA7C0E1D1E}"/>
+              </a:ext>
+            </a:extLst>
+          </p:cNvPr>
+          <p:cNvSpPr>
+            <a:spLocks noGrp="1"/>
+          </p:cNvSpPr>
+          <p:nvPr>
+            <p:ph type="ftr" sz="quarter" idx="11"/>
+          </p:nvPr>
+        </p:nvSpPr>
+        <p:spPr/>
+        <p:txBody>
+          <a:bodyPr/>
+          <a:lstStyle/>
+          <a:p>
+            <a:r>
+              <a:rPr lang="de-DE"/>
+              <a:t>Organisational unit (edit via “Insert” &gt; “Header &amp; Footer”)</a:t>
+            </a:r>
+            <a:endParaRPr lang="de-CH" dirty="0"/>
+          </a:p>
+        </p:txBody>
+      </p:sp>
+      <p:sp>
+        <p:nvSpPr>
+          <p:cNvPr id="6" name="Slide Number Placeholder 5">
+            <a:extLst>
+              <a:ext uri="{FF2B5EF4-FFF2-40B4-BE49-F238E27FC236}">
+                <a16:creationId xmlns:a16="http://schemas.microsoft.com/office/drawing/2014/main" id="{891F89F2-2B40-4EDB-87F0-CF82FC02FB0A}"/>
+              </a:ext>
+            </a:extLst>
+          </p:cNvPr>
+          <p:cNvSpPr>
+            <a:spLocks noGrp="1"/>
+          </p:cNvSpPr>
+          <p:nvPr>
+            <p:ph type="sldNum" sz="quarter" idx="12"/>
+          </p:nvPr>
+        </p:nvSpPr>
+        <p:spPr/>
+        <p:txBody>
+          <a:bodyPr/>
+          <a:lstStyle/>
+          <a:p>
+            <a:fld id="{5ACA52AF-F19D-405C-AD5F-7D94B96A5CC3}" type="slidenum">
+              <a:rPr lang="de-CH" noProof="0" smtClean="0"/>
+              <a:t>9</a:t>
+            </a:fld>
+            <a:endParaRPr lang="de-CH" noProof="0"/>
+          </a:p>
+        </p:txBody>
+      </p:sp>
+      <p:sp>
+        <p:nvSpPr>
+          <p:cNvPr id="30" name="Rectangle: Rounded Corners 29">
+            <a:extLst>
+              <a:ext uri="{FF2B5EF4-FFF2-40B4-BE49-F238E27FC236}">
+                <a16:creationId xmlns:a16="http://schemas.microsoft.com/office/drawing/2014/main" id="{E736D7B8-5A5D-417B-B619-001488CE144F}"/>
+              </a:ext>
+            </a:extLst>
+          </p:cNvPr>
+          <p:cNvSpPr/>
           <p:nvPr/>
-        </p:nvPicPr>
-        <p:blipFill rotWithShape="1">
-          <a:blip r:embed="rId2"/>
-          <a:srcRect t="51809" b="26897"/>
-          <a:stretch/>
-        </p:blipFill>
-        <p:spPr>
-          <a:xfrm>
-            <a:off x="761937" y="3783563"/>
-            <a:ext cx="3732589" cy="317196"/>
-          </a:xfrm>
-          <a:prstGeom prst="rect">
-            <a:avLst/>
-          </a:prstGeom>
-        </p:spPr>
-      </p:pic>
-      <p:pic>
-        <p:nvPicPr>
-          <p:cNvPr id="16" name="Picture 15">
-            <a:extLst>
-              <a:ext uri="{FF2B5EF4-FFF2-40B4-BE49-F238E27FC236}">
-                <a16:creationId xmlns:a16="http://schemas.microsoft.com/office/drawing/2014/main" id="{240AC387-6B32-491D-86EB-24739E5A5545}"/>
-              </a:ext>
-            </a:extLst>
-          </p:cNvPr>
-          <p:cNvPicPr>
-            <a:picLocks noChangeAspect="1"/>
-          </p:cNvPicPr>
+        </p:nvSpPr>
+        <p:spPr>
+          <a:xfrm>
+            <a:off x="4374785" y="1355900"/>
+            <a:ext cx="7531466" cy="284415"/>
+          </a:xfrm>
+          <a:prstGeom prst="roundRect">
+            <a:avLst/>
+          </a:prstGeom>
+          <a:ln/>
+        </p:spPr>
+        <p:style>
+          <a:lnRef idx="2">
+            <a:schemeClr val="dk1"/>
+          </a:lnRef>
+          <a:fillRef idx="1">
+            <a:schemeClr val="lt1"/>
+          </a:fillRef>
+          <a:effectRef idx="0">
+            <a:schemeClr val="dk1"/>
+          </a:effectRef>
+          <a:fontRef idx="minor">
+            <a:schemeClr val="dk1"/>
+          </a:fontRef>
+        </p:style>
+        <p:txBody>
+          <a:bodyPr rtlCol="0" anchor="ctr"/>
+          <a:lstStyle/>
+          <a:p>
+            <a:r>
+              <a:rPr lang="en-US" sz="1500" dirty="0"/>
+              <a:t>Maps of the world ecoregions, the GLOBIOM regions and the EU28 border.</a:t>
+            </a:r>
+          </a:p>
+        </p:txBody>
+      </p:sp>
+      <p:sp>
+        <p:nvSpPr>
+          <p:cNvPr id="34" name="Rectangle: Rounded Corners 33">
+            <a:extLst>
+              <a:ext uri="{FF2B5EF4-FFF2-40B4-BE49-F238E27FC236}">
+                <a16:creationId xmlns:a16="http://schemas.microsoft.com/office/drawing/2014/main" id="{938381EF-4A1C-49A3-8196-F0590B565A6F}"/>
+              </a:ext>
+            </a:extLst>
+          </p:cNvPr>
+          <p:cNvSpPr/>
           <p:nvPr/>
-        </p:nvPicPr>
-        <p:blipFill rotWithShape="1">
-          <a:blip r:embed="rId2"/>
-          <a:srcRect t="26272" b="49047"/>
-          <a:stretch/>
-        </p:blipFill>
-        <p:spPr>
-          <a:xfrm>
-            <a:off x="761936" y="5024279"/>
-            <a:ext cx="3732589" cy="367632"/>
-          </a:xfrm>
-          <a:prstGeom prst="rect">
-            <a:avLst/>
-          </a:prstGeom>
-        </p:spPr>
-      </p:pic>
-      <p:pic>
-        <p:nvPicPr>
-          <p:cNvPr id="17" name="Picture 16">
-            <a:extLst>
-              <a:ext uri="{FF2B5EF4-FFF2-40B4-BE49-F238E27FC236}">
-                <a16:creationId xmlns:a16="http://schemas.microsoft.com/office/drawing/2014/main" id="{A0390428-FC91-416F-8F8E-06A3B34F9C85}"/>
-              </a:ext>
-            </a:extLst>
-          </p:cNvPr>
-          <p:cNvPicPr>
-            <a:picLocks noChangeAspect="1"/>
-          </p:cNvPicPr>
-          <p:nvPr/>
-        </p:nvPicPr>
-        <p:blipFill rotWithShape="1">
-          <a:blip r:embed="rId2"/>
-          <a:srcRect t="75320"/>
-          <a:stretch/>
-        </p:blipFill>
-        <p:spPr>
-          <a:xfrm>
-            <a:off x="761937" y="5715271"/>
-            <a:ext cx="3732589" cy="367632"/>
-          </a:xfrm>
-          <a:prstGeom prst="rect">
-            <a:avLst/>
-          </a:prstGeom>
-        </p:spPr>
-      </p:pic>
+        </p:nvSpPr>
+        <p:spPr>
+          <a:xfrm>
+            <a:off x="4362605" y="1713086"/>
+            <a:ext cx="7543646" cy="284415"/>
+          </a:xfrm>
+          <a:prstGeom prst="roundRect">
+            <a:avLst/>
+          </a:prstGeom>
+          <a:ln/>
+        </p:spPr>
+        <p:style>
+          <a:lnRef idx="2">
+            <a:schemeClr val="dk1"/>
+          </a:lnRef>
+          <a:fillRef idx="1">
+            <a:schemeClr val="lt1"/>
+          </a:fillRef>
+          <a:effectRef idx="0">
+            <a:schemeClr val="dk1"/>
+          </a:effectRef>
+          <a:fontRef idx="minor">
+            <a:schemeClr val="dk1"/>
+          </a:fontRef>
+        </p:style>
+        <p:txBody>
+          <a:bodyPr rtlCol="0" anchor="ctr"/>
+          <a:lstStyle/>
+          <a:p>
+            <a:r>
+              <a:rPr lang="en-US" sz="1500" dirty="0"/>
+              <a:t>Scripts for the aggregation of the raw results from /</a:t>
+            </a:r>
+            <a:r>
+              <a:rPr lang="en-US" sz="1500" i="1" dirty="0" err="1"/>
+              <a:t>forest_managemement</a:t>
+            </a:r>
+            <a:r>
+              <a:rPr lang="en-US" sz="1500" i="1" dirty="0"/>
+              <a:t>/results</a:t>
+            </a:r>
+            <a:r>
+              <a:rPr lang="en-US" sz="1500" dirty="0"/>
+              <a:t>. </a:t>
+            </a:r>
+          </a:p>
+        </p:txBody>
+      </p:sp>
       <p:cxnSp>
         <p:nvCxnSpPr>
-          <p:cNvPr id="18" name="Straight Arrow Connector 17">
-            <a:extLst>
-              <a:ext uri="{FF2B5EF4-FFF2-40B4-BE49-F238E27FC236}">
-                <a16:creationId xmlns:a16="http://schemas.microsoft.com/office/drawing/2014/main" id="{B9499C62-2F02-4BAC-83BA-02779F0301AD}"/>
+          <p:cNvPr id="29" name="Straight Arrow Connector 28">
+            <a:extLst>
+              <a:ext uri="{FF2B5EF4-FFF2-40B4-BE49-F238E27FC236}">
+                <a16:creationId xmlns:a16="http://schemas.microsoft.com/office/drawing/2014/main" id="{3F356820-8517-4490-AF32-C46AF5919C32}"/>
               </a:ext>
             </a:extLst>
           </p:cNvPr>
@@ -16401,196 +18586,8 @@
         </p:nvCxnSpPr>
         <p:spPr>
           <a:xfrm>
-            <a:off x="1623000" y="3979612"/>
-            <a:ext cx="565738" cy="0"/>
-          </a:xfrm>
-          <a:prstGeom prst="straightConnector1">
-            <a:avLst/>
-          </a:prstGeom>
-          <a:ln>
-            <a:tailEnd type="triangle"/>
-          </a:ln>
-        </p:spPr>
-        <p:style>
-          <a:lnRef idx="1">
-            <a:schemeClr val="dk1"/>
-          </a:lnRef>
-          <a:fillRef idx="0">
-            <a:schemeClr val="dk1"/>
-          </a:fillRef>
-          <a:effectRef idx="0">
-            <a:schemeClr val="dk1"/>
-          </a:effectRef>
-          <a:fontRef idx="minor">
-            <a:schemeClr val="tx1"/>
-          </a:fontRef>
-        </p:style>
-      </p:cxnSp>
-      <p:sp>
-        <p:nvSpPr>
-          <p:cNvPr id="19" name="Rectangle: Rounded Corners 18">
-            <a:extLst>
-              <a:ext uri="{FF2B5EF4-FFF2-40B4-BE49-F238E27FC236}">
-                <a16:creationId xmlns:a16="http://schemas.microsoft.com/office/drawing/2014/main" id="{212C65F3-D750-496B-AFC7-50C4D7261E24}"/>
-              </a:ext>
-            </a:extLst>
-          </p:cNvPr>
-          <p:cNvSpPr/>
-          <p:nvPr/>
-        </p:nvSpPr>
-        <p:spPr>
-          <a:xfrm>
-            <a:off x="2260929" y="3284548"/>
-            <a:ext cx="9536242" cy="1693009"/>
-          </a:xfrm>
-          <a:prstGeom prst="roundRect">
-            <a:avLst/>
-          </a:prstGeom>
-          <a:ln/>
-        </p:spPr>
-        <p:style>
-          <a:lnRef idx="2">
-            <a:schemeClr val="dk1"/>
-          </a:lnRef>
-          <a:fillRef idx="1">
-            <a:schemeClr val="lt1"/>
-          </a:fillRef>
-          <a:effectRef idx="0">
-            <a:schemeClr val="dk1"/>
-          </a:effectRef>
-          <a:fontRef idx="minor">
-            <a:schemeClr val="dk1"/>
-          </a:fontRef>
-        </p:style>
-        <p:txBody>
-          <a:bodyPr rtlCol="0" anchor="ctr"/>
-          <a:lstStyle/>
-          <a:p>
-            <a:r>
-              <a:rPr lang="en-US" sz="1500" dirty="0"/>
-              <a:t>It contains multiple folders with all the results for species loss from the application of the model. Meaning of the words in the names: timber = EU timber plantations have been included; cutoff = response ratios larger than 1 converted to 1; </a:t>
-            </a:r>
-            <a:r>
-              <a:rPr lang="en-US" sz="1500" dirty="0" err="1"/>
-              <a:t>nocutoff</a:t>
-            </a:r>
-            <a:r>
-              <a:rPr lang="en-US" sz="1500" dirty="0"/>
-              <a:t> = cutoff not applied; bs = confidence interval calculated with bootstrapping; nobs = no confidence intervals. The folder </a:t>
-            </a:r>
-            <a:r>
-              <a:rPr lang="en-US" sz="1500" i="1" dirty="0"/>
-              <a:t>species-</a:t>
-            </a:r>
-            <a:r>
-              <a:rPr lang="en-US" sz="1500" i="1" dirty="0" err="1"/>
-              <a:t>lost_cutoff</a:t>
-            </a:r>
-            <a:r>
-              <a:rPr lang="en-US" sz="1500" i="1" dirty="0"/>
-              <a:t> </a:t>
-            </a:r>
-            <a:r>
-              <a:rPr lang="en-US" sz="1500" dirty="0"/>
-              <a:t>contains a .csv files where the median values come from the nobs results and the confidence intervals from the bs results and these are the values used in the paper. All the results have been calculated using the areas of the marginal approach (mg). A readme.doc file is provided.</a:t>
-            </a:r>
-          </a:p>
-        </p:txBody>
-      </p:sp>
-      <p:sp>
-        <p:nvSpPr>
-          <p:cNvPr id="26" name="Rectangle: Rounded Corners 25">
-            <a:extLst>
-              <a:ext uri="{FF2B5EF4-FFF2-40B4-BE49-F238E27FC236}">
-                <a16:creationId xmlns:a16="http://schemas.microsoft.com/office/drawing/2014/main" id="{432BD2EB-F4AC-4720-AEF8-78335AB9E69B}"/>
-              </a:ext>
-            </a:extLst>
-          </p:cNvPr>
-          <p:cNvSpPr/>
-          <p:nvPr/>
-        </p:nvSpPr>
-        <p:spPr>
-          <a:xfrm>
-            <a:off x="2227433" y="5085930"/>
-            <a:ext cx="9569736" cy="283464"/>
-          </a:xfrm>
-          <a:prstGeom prst="roundRect">
-            <a:avLst/>
-          </a:prstGeom>
-          <a:ln/>
-        </p:spPr>
-        <p:style>
-          <a:lnRef idx="2">
-            <a:schemeClr val="dk1"/>
-          </a:lnRef>
-          <a:fillRef idx="1">
-            <a:schemeClr val="lt1"/>
-          </a:fillRef>
-          <a:effectRef idx="0">
-            <a:schemeClr val="dk1"/>
-          </a:effectRef>
-          <a:fontRef idx="minor">
-            <a:schemeClr val="dk1"/>
-          </a:fontRef>
-        </p:style>
-        <p:txBody>
-          <a:bodyPr rtlCol="0" anchor="ctr"/>
-          <a:lstStyle/>
-          <a:p>
-            <a:r>
-              <a:rPr lang="en-US" sz="1500" dirty="0"/>
-              <a:t>Additional files where some data have been looked at in more detail. </a:t>
-            </a:r>
-          </a:p>
-        </p:txBody>
-      </p:sp>
-      <p:pic>
-        <p:nvPicPr>
-          <p:cNvPr id="29" name="Picture 28">
-            <a:extLst>
-              <a:ext uri="{FF2B5EF4-FFF2-40B4-BE49-F238E27FC236}">
-                <a16:creationId xmlns:a16="http://schemas.microsoft.com/office/drawing/2014/main" id="{A463FFDC-507A-42E1-A801-26F389BC7845}"/>
-              </a:ext>
-            </a:extLst>
-          </p:cNvPr>
-          <p:cNvPicPr>
-            <a:picLocks noChangeAspect="1"/>
-          </p:cNvPicPr>
-          <p:nvPr/>
-        </p:nvPicPr>
-        <p:blipFill rotWithShape="1">
-          <a:blip r:embed="rId3"/>
-          <a:srcRect b="42940"/>
-          <a:stretch/>
-        </p:blipFill>
-        <p:spPr>
-          <a:xfrm>
-            <a:off x="1905869" y="1884191"/>
-            <a:ext cx="1810021" cy="725660"/>
-          </a:xfrm>
-          <a:prstGeom prst="rect">
-            <a:avLst/>
-          </a:prstGeom>
-        </p:spPr>
-      </p:pic>
-      <p:cxnSp>
-        <p:nvCxnSpPr>
-          <p:cNvPr id="28" name="Straight Arrow Connector 27">
-            <a:extLst>
-              <a:ext uri="{FF2B5EF4-FFF2-40B4-BE49-F238E27FC236}">
-                <a16:creationId xmlns:a16="http://schemas.microsoft.com/office/drawing/2014/main" id="{2DE3FC9C-E2E2-429B-8190-44683D4BDD76}"/>
-              </a:ext>
-            </a:extLst>
-          </p:cNvPr>
-          <p:cNvCxnSpPr>
-            <a:cxnSpLocks/>
-          </p:cNvCxnSpPr>
-          <p:nvPr/>
-        </p:nvCxnSpPr>
-        <p:spPr>
-          <a:xfrm>
-            <a:off x="3890687" y="2139638"/>
-            <a:ext cx="283464" cy="0"/>
+            <a:off x="3074408" y="1507333"/>
+            <a:ext cx="1262277" cy="0"/>
           </a:xfrm>
           <a:prstGeom prst="straightConnector1">
             <a:avLst/>
@@ -16616,10 +18613,10 @@
       </p:cxnSp>
       <p:cxnSp>
         <p:nvCxnSpPr>
-          <p:cNvPr id="30" name="Straight Arrow Connector 29">
-            <a:extLst>
-              <a:ext uri="{FF2B5EF4-FFF2-40B4-BE49-F238E27FC236}">
-                <a16:creationId xmlns:a16="http://schemas.microsoft.com/office/drawing/2014/main" id="{9A73708C-FECB-479A-A4CD-E122A2294098}"/>
+          <p:cNvPr id="32" name="Straight Arrow Connector 31">
+            <a:extLst>
+              <a:ext uri="{FF2B5EF4-FFF2-40B4-BE49-F238E27FC236}">
+                <a16:creationId xmlns:a16="http://schemas.microsoft.com/office/drawing/2014/main" id="{22703424-737F-49FA-BE4C-D0AAFBFF51D0}"/>
               </a:ext>
             </a:extLst>
           </p:cNvPr>
@@ -16629,9 +18626,9 @@
           <p:nvPr/>
         </p:nvCxnSpPr>
         <p:spPr>
-          <a:xfrm>
-            <a:off x="3082407" y="2501013"/>
-            <a:ext cx="1089543" cy="0"/>
+          <a:xfrm flipV="1">
+            <a:off x="3330845" y="1877794"/>
+            <a:ext cx="1005840" cy="1"/>
           </a:xfrm>
           <a:prstGeom prst="straightConnector1">
             <a:avLst/>
@@ -16655,328 +18652,40 @@
           </a:fontRef>
         </p:style>
       </p:cxnSp>
-      <p:sp>
-        <p:nvSpPr>
-          <p:cNvPr id="32" name="Right Brace 31">
-            <a:extLst>
-              <a:ext uri="{FF2B5EF4-FFF2-40B4-BE49-F238E27FC236}">
-                <a16:creationId xmlns:a16="http://schemas.microsoft.com/office/drawing/2014/main" id="{E8469757-850C-4B89-8099-75524D72410C}"/>
-              </a:ext>
-            </a:extLst>
-          </p:cNvPr>
-          <p:cNvSpPr/>
+      <p:pic>
+        <p:nvPicPr>
+          <p:cNvPr id="7" name="Picture 6">
+            <a:extLst>
+              <a:ext uri="{FF2B5EF4-FFF2-40B4-BE49-F238E27FC236}">
+                <a16:creationId xmlns:a16="http://schemas.microsoft.com/office/drawing/2014/main" id="{45AA58B0-C686-41F3-99B2-56BE4AF93F68}"/>
+              </a:ext>
+            </a:extLst>
+          </p:cNvPr>
+          <p:cNvPicPr>
+            <a:picLocks noChangeAspect="1"/>
+          </p:cNvPicPr>
           <p:nvPr/>
-        </p:nvSpPr>
-        <p:spPr>
-          <a:xfrm>
-            <a:off x="3668265" y="1924054"/>
-            <a:ext cx="142875" cy="431168"/>
-          </a:xfrm>
-          <a:prstGeom prst="rightBrace">
-            <a:avLst>
-              <a:gd name="adj1" fmla="val 36901"/>
-              <a:gd name="adj2" fmla="val 50000"/>
-            </a:avLst>
-          </a:prstGeom>
-        </p:spPr>
-        <p:style>
-          <a:lnRef idx="1">
-            <a:schemeClr val="dk1"/>
-          </a:lnRef>
-          <a:fillRef idx="0">
-            <a:schemeClr val="dk1"/>
-          </a:fillRef>
-          <a:effectRef idx="0">
-            <a:schemeClr val="dk1"/>
-          </a:effectRef>
-          <a:fontRef idx="minor">
-            <a:schemeClr val="tx1"/>
-          </a:fontRef>
-        </p:style>
-        <p:txBody>
-          <a:bodyPr rtlCol="0" anchor="ctr"/>
-          <a:lstStyle/>
-          <a:p>
-            <a:pPr algn="ctr"/>
-            <a:endParaRPr lang="en-US"/>
-          </a:p>
-        </p:txBody>
-      </p:sp>
-      <p:sp>
-        <p:nvSpPr>
-          <p:cNvPr id="36" name="Rectangle: Rounded Corners 35">
-            <a:extLst>
-              <a:ext uri="{FF2B5EF4-FFF2-40B4-BE49-F238E27FC236}">
-                <a16:creationId xmlns:a16="http://schemas.microsoft.com/office/drawing/2014/main" id="{67CD19E2-B62F-46DF-A5FF-76A64F2A4DF8}"/>
-              </a:ext>
-            </a:extLst>
-          </p:cNvPr>
-          <p:cNvSpPr/>
-          <p:nvPr/>
-        </p:nvSpPr>
-        <p:spPr>
-          <a:xfrm>
-            <a:off x="4210050" y="1950968"/>
-            <a:ext cx="7587121" cy="283464"/>
-          </a:xfrm>
-          <a:prstGeom prst="roundRect">
-            <a:avLst/>
-          </a:prstGeom>
-          <a:ln/>
-        </p:spPr>
-        <p:style>
-          <a:lnRef idx="2">
-            <a:schemeClr val="dk1"/>
-          </a:lnRef>
-          <a:fillRef idx="1">
-            <a:schemeClr val="lt1"/>
-          </a:fillRef>
-          <a:effectRef idx="0">
-            <a:schemeClr val="dk1"/>
-          </a:effectRef>
-          <a:fontRef idx="minor">
-            <a:schemeClr val="dk1"/>
-          </a:fontRef>
-        </p:style>
-        <p:txBody>
-          <a:bodyPr rtlCol="0" anchor="ctr"/>
-          <a:lstStyle/>
-          <a:p>
-            <a:r>
-              <a:rPr lang="en-US" sz="1500" dirty="0"/>
-              <a:t>.csv files resulting from the application of </a:t>
-            </a:r>
-            <a:r>
-              <a:rPr lang="en-US" sz="1500" i="1" dirty="0"/>
-              <a:t>scripts_preparation/</a:t>
-            </a:r>
-            <a:r>
-              <a:rPr lang="en-US" sz="1500" i="1" dirty="0" err="1"/>
-              <a:t>do_tidy_match</a:t>
-            </a:r>
-            <a:r>
-              <a:rPr lang="en-US" sz="1500" i="1" dirty="0"/>
-              <a:t>.</a:t>
-            </a:r>
-          </a:p>
-        </p:txBody>
-      </p:sp>
-      <p:sp>
-        <p:nvSpPr>
-          <p:cNvPr id="40" name="Rectangle: Rounded Corners 39">
-            <a:extLst>
-              <a:ext uri="{FF2B5EF4-FFF2-40B4-BE49-F238E27FC236}">
-                <a16:creationId xmlns:a16="http://schemas.microsoft.com/office/drawing/2014/main" id="{72C1FBAF-8E3D-4AEC-8BBC-124283098AAC}"/>
-              </a:ext>
-            </a:extLst>
-          </p:cNvPr>
-          <p:cNvSpPr/>
-          <p:nvPr/>
-        </p:nvSpPr>
-        <p:spPr>
-          <a:xfrm>
-            <a:off x="4210051" y="2286000"/>
-            <a:ext cx="7587120" cy="485237"/>
-          </a:xfrm>
-          <a:prstGeom prst="roundRect">
-            <a:avLst/>
-          </a:prstGeom>
-          <a:ln/>
-        </p:spPr>
-        <p:style>
-          <a:lnRef idx="2">
-            <a:schemeClr val="dk1"/>
-          </a:lnRef>
-          <a:fillRef idx="1">
-            <a:schemeClr val="lt1"/>
-          </a:fillRef>
-          <a:effectRef idx="0">
-            <a:schemeClr val="dk1"/>
-          </a:effectRef>
-          <a:fontRef idx="minor">
-            <a:schemeClr val="dk1"/>
-          </a:fontRef>
-        </p:style>
-        <p:txBody>
-          <a:bodyPr rtlCol="0" anchor="ctr"/>
-          <a:lstStyle/>
-          <a:p>
-            <a:r>
-              <a:rPr lang="en-US" sz="1500" dirty="0"/>
-              <a:t>Folder containing the areas prepared with </a:t>
-            </a:r>
-            <a:r>
-              <a:rPr lang="en-US" sz="1500" i="1" dirty="0" err="1"/>
-              <a:t>do_tidy_match.R</a:t>
-            </a:r>
-            <a:r>
-              <a:rPr lang="en-US" sz="1500" i="1" dirty="0"/>
-              <a:t> </a:t>
-            </a:r>
-            <a:r>
-              <a:rPr lang="en-US" sz="1500" dirty="0"/>
-              <a:t>without excluding </a:t>
-            </a:r>
-            <a:r>
-              <a:rPr lang="en-US" sz="1500" i="1" dirty="0"/>
-              <a:t>Not relevant land </a:t>
-            </a:r>
-            <a:r>
-              <a:rPr lang="en-US" sz="1500" dirty="0"/>
-              <a:t>and </a:t>
-            </a:r>
-            <a:r>
-              <a:rPr lang="en-US" sz="1500" i="1" dirty="0"/>
-              <a:t>Wetland</a:t>
-            </a:r>
-            <a:r>
-              <a:rPr lang="en-US" sz="1500" dirty="0"/>
-              <a:t> from the classification</a:t>
-            </a:r>
-          </a:p>
-        </p:txBody>
-      </p:sp>
-      <p:cxnSp>
-        <p:nvCxnSpPr>
-          <p:cNvPr id="42" name="Straight Arrow Connector 41">
-            <a:extLst>
-              <a:ext uri="{FF2B5EF4-FFF2-40B4-BE49-F238E27FC236}">
-                <a16:creationId xmlns:a16="http://schemas.microsoft.com/office/drawing/2014/main" id="{30F5838F-1482-4191-93E2-1BB8B610B88B}"/>
-              </a:ext>
-            </a:extLst>
-          </p:cNvPr>
-          <p:cNvCxnSpPr>
-            <a:cxnSpLocks/>
-          </p:cNvCxnSpPr>
-          <p:nvPr/>
-        </p:nvCxnSpPr>
-        <p:spPr>
-          <a:xfrm>
-            <a:off x="1924919" y="5225738"/>
-            <a:ext cx="283464" cy="0"/>
-          </a:xfrm>
-          <a:prstGeom prst="straightConnector1">
-            <a:avLst/>
-          </a:prstGeom>
-          <a:ln>
-            <a:tailEnd type="triangle"/>
-          </a:ln>
-        </p:spPr>
-        <p:style>
-          <a:lnRef idx="1">
-            <a:schemeClr val="dk1"/>
-          </a:lnRef>
-          <a:fillRef idx="0">
-            <a:schemeClr val="dk1"/>
-          </a:fillRef>
-          <a:effectRef idx="0">
-            <a:schemeClr val="dk1"/>
-          </a:effectRef>
-          <a:fontRef idx="minor">
-            <a:schemeClr val="tx1"/>
-          </a:fontRef>
-        </p:style>
-      </p:cxnSp>
-      <p:sp>
-        <p:nvSpPr>
-          <p:cNvPr id="43" name="Rectangle: Rounded Corners 42">
-            <a:extLst>
-              <a:ext uri="{FF2B5EF4-FFF2-40B4-BE49-F238E27FC236}">
-                <a16:creationId xmlns:a16="http://schemas.microsoft.com/office/drawing/2014/main" id="{E67EEB2C-229A-4626-98D8-F3F6AB50C9D5}"/>
-              </a:ext>
-            </a:extLst>
-          </p:cNvPr>
-          <p:cNvSpPr/>
-          <p:nvPr/>
-        </p:nvSpPr>
-        <p:spPr>
-          <a:xfrm>
-            <a:off x="4617510" y="5537948"/>
-            <a:ext cx="7179660" cy="748552"/>
-          </a:xfrm>
-          <a:prstGeom prst="roundRect">
-            <a:avLst/>
-          </a:prstGeom>
-          <a:ln/>
-        </p:spPr>
-        <p:style>
-          <a:lnRef idx="2">
-            <a:schemeClr val="dk1"/>
-          </a:lnRef>
-          <a:fillRef idx="1">
-            <a:schemeClr val="lt1"/>
-          </a:fillRef>
-          <a:effectRef idx="0">
-            <a:schemeClr val="dk1"/>
-          </a:effectRef>
-          <a:fontRef idx="minor">
-            <a:schemeClr val="dk1"/>
-          </a:fontRef>
-        </p:style>
-        <p:txBody>
-          <a:bodyPr rtlCol="0" anchor="ctr"/>
-          <a:lstStyle/>
-          <a:p>
-            <a:r>
-              <a:rPr lang="en-US" sz="1500" dirty="0"/>
-              <a:t>It contains the input data, the script and the results of tests performed using the CF from other versions of the model (for further details, see the script </a:t>
-            </a:r>
-            <a:r>
-              <a:rPr lang="en-US" sz="1500" i="1" dirty="0" err="1"/>
-              <a:t>calculate_impacts_withCF.R</a:t>
-            </a:r>
-            <a:r>
-              <a:rPr lang="en-US" sz="1500" dirty="0"/>
-              <a:t>) </a:t>
-            </a:r>
-          </a:p>
-        </p:txBody>
-      </p:sp>
-      <p:cxnSp>
-        <p:nvCxnSpPr>
-          <p:cNvPr id="44" name="Straight Arrow Connector 43">
-            <a:extLst>
-              <a:ext uri="{FF2B5EF4-FFF2-40B4-BE49-F238E27FC236}">
-                <a16:creationId xmlns:a16="http://schemas.microsoft.com/office/drawing/2014/main" id="{03ED7D7D-3F6E-4F2D-A171-DC877888D04F}"/>
-              </a:ext>
-            </a:extLst>
-          </p:cNvPr>
-          <p:cNvCxnSpPr>
-            <a:cxnSpLocks/>
-          </p:cNvCxnSpPr>
-          <p:nvPr/>
-        </p:nvCxnSpPr>
-        <p:spPr>
-          <a:xfrm>
-            <a:off x="4380745" y="5929087"/>
-            <a:ext cx="211317" cy="0"/>
-          </a:xfrm>
-          <a:prstGeom prst="straightConnector1">
-            <a:avLst/>
-          </a:prstGeom>
-          <a:ln>
-            <a:tailEnd type="triangle"/>
-          </a:ln>
-        </p:spPr>
-        <p:style>
-          <a:lnRef idx="1">
-            <a:schemeClr val="dk1"/>
-          </a:lnRef>
-          <a:fillRef idx="0">
-            <a:schemeClr val="dk1"/>
-          </a:fillRef>
-          <a:effectRef idx="0">
-            <a:schemeClr val="dk1"/>
-          </a:effectRef>
-          <a:fontRef idx="minor">
-            <a:schemeClr val="tx1"/>
-          </a:fontRef>
-        </p:style>
-      </p:cxnSp>
+        </p:nvPicPr>
+        <p:blipFill>
+          <a:blip r:embed="rId3"/>
+          <a:stretch>
+            <a:fillRect/>
+          </a:stretch>
+        </p:blipFill>
+        <p:spPr>
+          <a:xfrm>
+            <a:off x="1139092" y="2495401"/>
+            <a:ext cx="2850025" cy="3038977"/>
+          </a:xfrm>
+          <a:prstGeom prst="rect">
+            <a:avLst/>
+          </a:prstGeom>
+        </p:spPr>
+      </p:pic>
     </p:spTree>
     <p:extLst>
       <p:ext uri="{BB962C8B-B14F-4D97-AF65-F5344CB8AC3E}">
-        <p14:creationId xmlns:p14="http://schemas.microsoft.com/office/powerpoint/2010/main" val="3201800661"/>
+        <p14:creationId xmlns:p14="http://schemas.microsoft.com/office/powerpoint/2010/main" val="2959597689"/>
       </p:ext>
     </p:extLst>
   </p:cSld>
